--- a/DataAccessForPerfJunkies/DataAccessForPerJunkies.pptx
+++ b/DataAccessForPerfJunkies/DataAccessForPerJunkies.pptx
@@ -5,40 +5,41 @@
     <p:sldMasterId id="2147483648" r:id="rId1"/>
   </p:sldMasterIdLst>
   <p:notesMasterIdLst>
-    <p:notesMasterId r:id="rId33"/>
+    <p:notesMasterId r:id="rId34"/>
   </p:notesMasterIdLst>
   <p:sldIdLst>
     <p:sldId id="256" r:id="rId2"/>
     <p:sldId id="262" r:id="rId3"/>
     <p:sldId id="261" r:id="rId4"/>
-    <p:sldId id="259" r:id="rId5"/>
-    <p:sldId id="263" r:id="rId6"/>
-    <p:sldId id="264" r:id="rId7"/>
-    <p:sldId id="265" r:id="rId8"/>
-    <p:sldId id="266" r:id="rId9"/>
-    <p:sldId id="267" r:id="rId10"/>
-    <p:sldId id="288" r:id="rId11"/>
-    <p:sldId id="269" r:id="rId12"/>
-    <p:sldId id="270" r:id="rId13"/>
-    <p:sldId id="271" r:id="rId14"/>
-    <p:sldId id="272" r:id="rId15"/>
-    <p:sldId id="273" r:id="rId16"/>
-    <p:sldId id="274" r:id="rId17"/>
-    <p:sldId id="285" r:id="rId18"/>
-    <p:sldId id="286" r:id="rId19"/>
-    <p:sldId id="287" r:id="rId20"/>
-    <p:sldId id="289" r:id="rId21"/>
-    <p:sldId id="290" r:id="rId22"/>
-    <p:sldId id="291" r:id="rId23"/>
-    <p:sldId id="275" r:id="rId24"/>
-    <p:sldId id="276" r:id="rId25"/>
-    <p:sldId id="278" r:id="rId26"/>
-    <p:sldId id="283" r:id="rId27"/>
-    <p:sldId id="282" r:id="rId28"/>
-    <p:sldId id="281" r:id="rId29"/>
-    <p:sldId id="277" r:id="rId30"/>
-    <p:sldId id="280" r:id="rId31"/>
-    <p:sldId id="284" r:id="rId32"/>
+    <p:sldId id="292" r:id="rId5"/>
+    <p:sldId id="259" r:id="rId6"/>
+    <p:sldId id="263" r:id="rId7"/>
+    <p:sldId id="264" r:id="rId8"/>
+    <p:sldId id="265" r:id="rId9"/>
+    <p:sldId id="266" r:id="rId10"/>
+    <p:sldId id="267" r:id="rId11"/>
+    <p:sldId id="288" r:id="rId12"/>
+    <p:sldId id="269" r:id="rId13"/>
+    <p:sldId id="270" r:id="rId14"/>
+    <p:sldId id="271" r:id="rId15"/>
+    <p:sldId id="272" r:id="rId16"/>
+    <p:sldId id="273" r:id="rId17"/>
+    <p:sldId id="274" r:id="rId18"/>
+    <p:sldId id="285" r:id="rId19"/>
+    <p:sldId id="286" r:id="rId20"/>
+    <p:sldId id="287" r:id="rId21"/>
+    <p:sldId id="289" r:id="rId22"/>
+    <p:sldId id="290" r:id="rId23"/>
+    <p:sldId id="291" r:id="rId24"/>
+    <p:sldId id="275" r:id="rId25"/>
+    <p:sldId id="276" r:id="rId26"/>
+    <p:sldId id="278" r:id="rId27"/>
+    <p:sldId id="283" r:id="rId28"/>
+    <p:sldId id="282" r:id="rId29"/>
+    <p:sldId id="281" r:id="rId30"/>
+    <p:sldId id="277" r:id="rId31"/>
+    <p:sldId id="280" r:id="rId32"/>
+    <p:sldId id="284" r:id="rId33"/>
   </p:sldIdLst>
   <p:sldSz cx="12192000" cy="6858000"/>
   <p:notesSz cx="6858000" cy="9144000"/>
@@ -137,6 +138,11 @@
       </a:defRPr>
     </a:lvl9pPr>
   </p:defaultTextStyle>
+  <p:extLst>
+    <p:ext uri="{EFAFB233-063F-42B5-8137-9DF3F51BA10A}">
+      <p15:sldGuideLst xmlns:p15="http://schemas.microsoft.com/office/powerpoint/2012/main"/>
+    </p:ext>
+  </p:extLst>
 </p:presentation>
 </file>
 
@@ -222,7 +228,7 @@
           <a:p>
             <a:fld id="{E880648C-505D-974F-8455-989C36D8D625}" type="datetimeFigureOut">
               <a:rPr lang="en-US" smtClean="0"/>
-              <a:t>5/14/16</a:t>
+              <a:t>5/20/16</a:t>
             </a:fld>
             <a:endParaRPr lang="en-US"/>
           </a:p>
@@ -618,7 +624,26 @@
           <a:bodyPr/>
           <a:lstStyle/>
           <a:p>
-            <a:endParaRPr lang="en-US" dirty="0"/>
+            <a:r>
+              <a:rPr lang="en-US" b="0" dirty="0" smtClean="0"/>
+              <a:t>*</a:t>
+            </a:r>
+            <a:r>
+              <a:rPr lang="en-US" b="0" baseline="0" dirty="0" smtClean="0"/>
+              <a:t> That’s a lot of duplicate data.</a:t>
+            </a:r>
+            <a:endParaRPr lang="en-US" b="0" dirty="0" smtClean="0"/>
+          </a:p>
+          <a:p>
+            <a:r>
+              <a:rPr lang="en-US" b="0" dirty="0" smtClean="0"/>
+              <a:t>*</a:t>
+            </a:r>
+            <a:r>
+              <a:rPr lang="en-US" b="0" baseline="0" dirty="0" smtClean="0"/>
+              <a:t> Can grow exponentially!</a:t>
+            </a:r>
+            <a:endParaRPr lang="en-US" b="0" dirty="0"/>
           </a:p>
         </p:txBody>
       </p:sp>
@@ -648,7 +673,7 @@
     </p:spTree>
     <p:extLst>
       <p:ext uri="{BB962C8B-B14F-4D97-AF65-F5344CB8AC3E}">
-        <p14:creationId xmlns:p14="http://schemas.microsoft.com/office/powerpoint/2010/main" val="869651652"/>
+        <p14:creationId xmlns:p14="http://schemas.microsoft.com/office/powerpoint/2010/main" val="102962131"/>
       </p:ext>
     </p:extLst>
   </p:cSld>
@@ -732,7 +757,7 @@
     </p:spTree>
     <p:extLst>
       <p:ext uri="{BB962C8B-B14F-4D97-AF65-F5344CB8AC3E}">
-        <p14:creationId xmlns:p14="http://schemas.microsoft.com/office/powerpoint/2010/main" val="806774109"/>
+        <p14:creationId xmlns:p14="http://schemas.microsoft.com/office/powerpoint/2010/main" val="869651652"/>
       </p:ext>
     </p:extLst>
   </p:cSld>
@@ -816,7 +841,7 @@
     </p:spTree>
     <p:extLst>
       <p:ext uri="{BB962C8B-B14F-4D97-AF65-F5344CB8AC3E}">
-        <p14:creationId xmlns:p14="http://schemas.microsoft.com/office/powerpoint/2010/main" val="1167788373"/>
+        <p14:creationId xmlns:p14="http://schemas.microsoft.com/office/powerpoint/2010/main" val="806774109"/>
       </p:ext>
     </p:extLst>
   </p:cSld>
@@ -900,7 +925,7 @@
     </p:spTree>
     <p:extLst>
       <p:ext uri="{BB962C8B-B14F-4D97-AF65-F5344CB8AC3E}">
-        <p14:creationId xmlns:p14="http://schemas.microsoft.com/office/powerpoint/2010/main" val="1563613896"/>
+        <p14:creationId xmlns:p14="http://schemas.microsoft.com/office/powerpoint/2010/main" val="1167788373"/>
       </p:ext>
     </p:extLst>
   </p:cSld>
@@ -984,7 +1009,7 @@
     </p:spTree>
     <p:extLst>
       <p:ext uri="{BB962C8B-B14F-4D97-AF65-F5344CB8AC3E}">
-        <p14:creationId xmlns:p14="http://schemas.microsoft.com/office/powerpoint/2010/main" val="1705712122"/>
+        <p14:creationId xmlns:p14="http://schemas.microsoft.com/office/powerpoint/2010/main" val="1563613896"/>
       </p:ext>
     </p:extLst>
   </p:cSld>
@@ -1038,6 +1063,34 @@
           <a:bodyPr/>
           <a:lstStyle/>
           <a:p>
+            <a:pPr marL="171450" indent="-171450">
+              <a:buFont typeface="Arial" charset="0"/>
+              <a:buChar char="•"/>
+            </a:pPr>
+            <a:r>
+              <a:rPr lang="en-US" dirty="0" smtClean="0"/>
+              <a:t>By default EF can batch</a:t>
+            </a:r>
+            <a:r>
+              <a:rPr lang="en-US" baseline="0" dirty="0" smtClean="0"/>
+              <a:t> INSERTS/DELETES</a:t>
+            </a:r>
+          </a:p>
+          <a:p>
+            <a:pPr marL="171450" indent="-171450">
+              <a:buFont typeface="Arial" charset="0"/>
+              <a:buChar char="•"/>
+            </a:pPr>
+            <a:r>
+              <a:rPr lang="en-US" baseline="0" dirty="0" smtClean="0"/>
+              <a:t>Extensions exists for SELECT and UPDATE</a:t>
+            </a:r>
+          </a:p>
+          <a:p>
+            <a:pPr marL="171450" indent="-171450">
+              <a:buFont typeface="Arial" charset="0"/>
+              <a:buChar char="•"/>
+            </a:pPr>
             <a:endParaRPr lang="en-US" dirty="0"/>
           </a:p>
         </p:txBody>
@@ -1068,7 +1121,7 @@
     </p:spTree>
     <p:extLst>
       <p:ext uri="{BB962C8B-B14F-4D97-AF65-F5344CB8AC3E}">
-        <p14:creationId xmlns:p14="http://schemas.microsoft.com/office/powerpoint/2010/main" val="1724571975"/>
+        <p14:creationId xmlns:p14="http://schemas.microsoft.com/office/powerpoint/2010/main" val="1705712122"/>
       </p:ext>
     </p:extLst>
   </p:cSld>
@@ -1152,7 +1205,7 @@
     </p:spTree>
     <p:extLst>
       <p:ext uri="{BB962C8B-B14F-4D97-AF65-F5344CB8AC3E}">
-        <p14:creationId xmlns:p14="http://schemas.microsoft.com/office/powerpoint/2010/main" val="1135310398"/>
+        <p14:creationId xmlns:p14="http://schemas.microsoft.com/office/powerpoint/2010/main" val="1724571975"/>
       </p:ext>
     </p:extLst>
   </p:cSld>
@@ -1236,7 +1289,7 @@
     </p:spTree>
     <p:extLst>
       <p:ext uri="{BB962C8B-B14F-4D97-AF65-F5344CB8AC3E}">
-        <p14:creationId xmlns:p14="http://schemas.microsoft.com/office/powerpoint/2010/main" val="1523135601"/>
+        <p14:creationId xmlns:p14="http://schemas.microsoft.com/office/powerpoint/2010/main" val="1135310398"/>
       </p:ext>
     </p:extLst>
   </p:cSld>
@@ -1320,7 +1373,7 @@
     </p:spTree>
     <p:extLst>
       <p:ext uri="{BB962C8B-B14F-4D97-AF65-F5344CB8AC3E}">
-        <p14:creationId xmlns:p14="http://schemas.microsoft.com/office/powerpoint/2010/main" val="332676146"/>
+        <p14:creationId xmlns:p14="http://schemas.microsoft.com/office/powerpoint/2010/main" val="1523135601"/>
       </p:ext>
     </p:extLst>
   </p:cSld>
@@ -1404,7 +1457,7 @@
     </p:spTree>
     <p:extLst>
       <p:ext uri="{BB962C8B-B14F-4D97-AF65-F5344CB8AC3E}">
-        <p14:creationId xmlns:p14="http://schemas.microsoft.com/office/powerpoint/2010/main" val="191054329"/>
+        <p14:creationId xmlns:p14="http://schemas.microsoft.com/office/powerpoint/2010/main" val="332676146"/>
       </p:ext>
     </p:extLst>
   </p:cSld>
@@ -1639,7 +1692,7 @@
     </p:spTree>
     <p:extLst>
       <p:ext uri="{BB962C8B-B14F-4D97-AF65-F5344CB8AC3E}">
-        <p14:creationId xmlns:p14="http://schemas.microsoft.com/office/powerpoint/2010/main" val="515285103"/>
+        <p14:creationId xmlns:p14="http://schemas.microsoft.com/office/powerpoint/2010/main" val="191054329"/>
       </p:ext>
     </p:extLst>
   </p:cSld>
@@ -1723,7 +1776,7 @@
     </p:spTree>
     <p:extLst>
       <p:ext uri="{BB962C8B-B14F-4D97-AF65-F5344CB8AC3E}">
-        <p14:creationId xmlns:p14="http://schemas.microsoft.com/office/powerpoint/2010/main" val="54418375"/>
+        <p14:creationId xmlns:p14="http://schemas.microsoft.com/office/powerpoint/2010/main" val="515285103"/>
       </p:ext>
     </p:extLst>
   </p:cSld>
@@ -1777,14 +1830,6 @@
           <a:bodyPr/>
           <a:lstStyle/>
           <a:p>
-            <a:r>
-              <a:rPr lang="en-US" dirty="0" smtClean="0"/>
-              <a:t>You’re no</a:t>
-            </a:r>
-            <a:r>
-              <a:rPr lang="en-US" baseline="0" dirty="0" smtClean="0"/>
-              <a:t> longer in control of the isolation level.</a:t>
-            </a:r>
             <a:endParaRPr lang="en-US" dirty="0"/>
           </a:p>
         </p:txBody>
@@ -1815,7 +1860,7 @@
     </p:spTree>
     <p:extLst>
       <p:ext uri="{BB962C8B-B14F-4D97-AF65-F5344CB8AC3E}">
-        <p14:creationId xmlns:p14="http://schemas.microsoft.com/office/powerpoint/2010/main" val="1519494802"/>
+        <p14:creationId xmlns:p14="http://schemas.microsoft.com/office/powerpoint/2010/main" val="54418375"/>
       </p:ext>
     </p:extLst>
   </p:cSld>
@@ -1869,6 +1914,14 @@
           <a:bodyPr/>
           <a:lstStyle/>
           <a:p>
+            <a:r>
+              <a:rPr lang="en-US" dirty="0" smtClean="0"/>
+              <a:t>You’re no</a:t>
+            </a:r>
+            <a:r>
+              <a:rPr lang="en-US" baseline="0" dirty="0" smtClean="0"/>
+              <a:t> longer in control of the isolation level.</a:t>
+            </a:r>
             <a:endParaRPr lang="en-US" dirty="0"/>
           </a:p>
         </p:txBody>
@@ -1899,7 +1952,7 @@
     </p:spTree>
     <p:extLst>
       <p:ext uri="{BB962C8B-B14F-4D97-AF65-F5344CB8AC3E}">
-        <p14:creationId xmlns:p14="http://schemas.microsoft.com/office/powerpoint/2010/main" val="349325681"/>
+        <p14:creationId xmlns:p14="http://schemas.microsoft.com/office/powerpoint/2010/main" val="1519494802"/>
       </p:ext>
     </p:extLst>
   </p:cSld>
@@ -1983,7 +2036,7 @@
     </p:spTree>
     <p:extLst>
       <p:ext uri="{BB962C8B-B14F-4D97-AF65-F5344CB8AC3E}">
-        <p14:creationId xmlns:p14="http://schemas.microsoft.com/office/powerpoint/2010/main" val="363438362"/>
+        <p14:creationId xmlns:p14="http://schemas.microsoft.com/office/powerpoint/2010/main" val="349325681"/>
       </p:ext>
     </p:extLst>
   </p:cSld>
@@ -2067,7 +2120,7 @@
     </p:spTree>
     <p:extLst>
       <p:ext uri="{BB962C8B-B14F-4D97-AF65-F5344CB8AC3E}">
-        <p14:creationId xmlns:p14="http://schemas.microsoft.com/office/powerpoint/2010/main" val="949385398"/>
+        <p14:creationId xmlns:p14="http://schemas.microsoft.com/office/powerpoint/2010/main" val="363438362"/>
       </p:ext>
     </p:extLst>
   </p:cSld>
@@ -2151,7 +2204,7 @@
     </p:spTree>
     <p:extLst>
       <p:ext uri="{BB962C8B-B14F-4D97-AF65-F5344CB8AC3E}">
-        <p14:creationId xmlns:p14="http://schemas.microsoft.com/office/powerpoint/2010/main" val="1618244958"/>
+        <p14:creationId xmlns:p14="http://schemas.microsoft.com/office/powerpoint/2010/main" val="949385398"/>
       </p:ext>
     </p:extLst>
   </p:cSld>
@@ -2235,7 +2288,7 @@
     </p:spTree>
     <p:extLst>
       <p:ext uri="{BB962C8B-B14F-4D97-AF65-F5344CB8AC3E}">
-        <p14:creationId xmlns:p14="http://schemas.microsoft.com/office/powerpoint/2010/main" val="257153895"/>
+        <p14:creationId xmlns:p14="http://schemas.microsoft.com/office/powerpoint/2010/main" val="1618244958"/>
       </p:ext>
     </p:extLst>
   </p:cSld>
@@ -2289,14 +2342,7 @@
           <a:bodyPr/>
           <a:lstStyle/>
           <a:p>
-            <a:r>
-              <a:rPr lang="en-US" dirty="0" smtClean="0"/>
-              <a:t>Can</a:t>
-            </a:r>
-            <a:r>
-              <a:rPr lang="en-US" baseline="0" dirty="0" smtClean="0"/>
-              <a:t> you create CTEs? Can you use windowing functions? Filtered indexes?</a:t>
-            </a:r>
+            <a:endParaRPr lang="en-US" dirty="0"/>
           </a:p>
         </p:txBody>
       </p:sp>
@@ -2326,7 +2372,7 @@
     </p:spTree>
     <p:extLst>
       <p:ext uri="{BB962C8B-B14F-4D97-AF65-F5344CB8AC3E}">
-        <p14:creationId xmlns:p14="http://schemas.microsoft.com/office/powerpoint/2010/main" val="568098111"/>
+        <p14:creationId xmlns:p14="http://schemas.microsoft.com/office/powerpoint/2010/main" val="257153895"/>
       </p:ext>
     </p:extLst>
   </p:cSld>
@@ -2380,7 +2426,14 @@
           <a:bodyPr/>
           <a:lstStyle/>
           <a:p>
-            <a:endParaRPr lang="en-US" dirty="0"/>
+            <a:r>
+              <a:rPr lang="en-US" dirty="0" smtClean="0"/>
+              <a:t>Can</a:t>
+            </a:r>
+            <a:r>
+              <a:rPr lang="en-US" baseline="0" dirty="0" smtClean="0"/>
+              <a:t> you create CTEs? Can you use windowing functions? Filtered indexes?</a:t>
+            </a:r>
           </a:p>
         </p:txBody>
       </p:sp>
@@ -2410,7 +2463,7 @@
     </p:spTree>
     <p:extLst>
       <p:ext uri="{BB962C8B-B14F-4D97-AF65-F5344CB8AC3E}">
-        <p14:creationId xmlns:p14="http://schemas.microsoft.com/office/powerpoint/2010/main" val="1951198790"/>
+        <p14:creationId xmlns:p14="http://schemas.microsoft.com/office/powerpoint/2010/main" val="568098111"/>
       </p:ext>
     </p:extLst>
   </p:cSld>
@@ -2598,6 +2651,90 @@
     </p:spTree>
     <p:extLst>
       <p:ext uri="{BB962C8B-B14F-4D97-AF65-F5344CB8AC3E}">
+        <p14:creationId xmlns:p14="http://schemas.microsoft.com/office/powerpoint/2010/main" val="1951198790"/>
+      </p:ext>
+    </p:extLst>
+  </p:cSld>
+  <p:clrMapOvr>
+    <a:masterClrMapping/>
+  </p:clrMapOvr>
+</p:notes>
+</file>
+
+<file path=ppt/notesSlides/notesSlide31.xml><?xml version="1.0" encoding="utf-8"?>
+<p:notes xmlns:a="http://schemas.openxmlformats.org/drawingml/2006/main" xmlns:r="http://schemas.openxmlformats.org/officeDocument/2006/relationships" xmlns:p="http://schemas.openxmlformats.org/presentationml/2006/main">
+  <p:cSld>
+    <p:spTree>
+      <p:nvGrpSpPr>
+        <p:cNvPr id="1" name=""/>
+        <p:cNvGrpSpPr/>
+        <p:nvPr/>
+      </p:nvGrpSpPr>
+      <p:grpSpPr>
+        <a:xfrm>
+          <a:off x="0" y="0"/>
+          <a:ext cx="0" cy="0"/>
+          <a:chOff x="0" y="0"/>
+          <a:chExt cx="0" cy="0"/>
+        </a:xfrm>
+      </p:grpSpPr>
+      <p:sp>
+        <p:nvSpPr>
+          <p:cNvPr id="2" name="Slide Image Placeholder 1"/>
+          <p:cNvSpPr>
+            <a:spLocks noGrp="1" noRot="1" noChangeAspect="1"/>
+          </p:cNvSpPr>
+          <p:nvPr>
+            <p:ph type="sldImg"/>
+          </p:nvPr>
+        </p:nvSpPr>
+        <p:spPr/>
+      </p:sp>
+      <p:sp>
+        <p:nvSpPr>
+          <p:cNvPr id="3" name="Notes Placeholder 2"/>
+          <p:cNvSpPr>
+            <a:spLocks noGrp="1"/>
+          </p:cNvSpPr>
+          <p:nvPr>
+            <p:ph type="body" idx="1"/>
+          </p:nvPr>
+        </p:nvSpPr>
+        <p:spPr/>
+        <p:txBody>
+          <a:bodyPr/>
+          <a:lstStyle/>
+          <a:p>
+            <a:endParaRPr lang="en-US" dirty="0"/>
+          </a:p>
+        </p:txBody>
+      </p:sp>
+      <p:sp>
+        <p:nvSpPr>
+          <p:cNvPr id="4" name="Slide Number Placeholder 3"/>
+          <p:cNvSpPr>
+            <a:spLocks noGrp="1"/>
+          </p:cNvSpPr>
+          <p:nvPr>
+            <p:ph type="sldNum" sz="quarter" idx="10"/>
+          </p:nvPr>
+        </p:nvSpPr>
+        <p:spPr/>
+        <p:txBody>
+          <a:bodyPr/>
+          <a:lstStyle/>
+          <a:p>
+            <a:fld id="{3F5330FA-7751-9D47-9423-2F6FAC610315}" type="slidenum">
+              <a:rPr lang="en-US" smtClean="0"/>
+              <a:t>32</a:t>
+            </a:fld>
+            <a:endParaRPr lang="en-US"/>
+          </a:p>
+        </p:txBody>
+      </p:sp>
+    </p:spTree>
+    <p:extLst>
+      <p:ext uri="{BB962C8B-B14F-4D97-AF65-F5344CB8AC3E}">
         <p14:creationId xmlns:p14="http://schemas.microsoft.com/office/powerpoint/2010/main" val="766812466"/>
       </p:ext>
     </p:extLst>
@@ -2706,7 +2843,7 @@
           <a:p>
             <a:fld id="{3F5330FA-7751-9D47-9423-2F6FAC610315}" type="slidenum">
               <a:rPr lang="en-US" smtClean="0"/>
-              <a:t>4</a:t>
+              <a:t>5</a:t>
             </a:fld>
             <a:endParaRPr lang="en-US"/>
           </a:p>
@@ -2769,7 +2906,62 @@
           <a:bodyPr/>
           <a:lstStyle/>
           <a:p>
-            <a:endParaRPr lang="en-US" dirty="0"/>
+            <a:pPr marL="171450" indent="-171450">
+              <a:buFont typeface="Arial" charset="0"/>
+              <a:buChar char="•"/>
+            </a:pPr>
+            <a:r>
+              <a:rPr lang="en-US" dirty="0" smtClean="0"/>
+              <a:t>We</a:t>
+            </a:r>
+            <a:r>
+              <a:rPr lang="en-US" baseline="0" dirty="0" smtClean="0"/>
+              <a:t> have a “</a:t>
+            </a:r>
+            <a:r>
+              <a:rPr lang="en-US" baseline="0" dirty="0" err="1" smtClean="0"/>
+              <a:t>CompanySalesRep</a:t>
+            </a:r>
+            <a:r>
+              <a:rPr lang="en-US" baseline="0" dirty="0" smtClean="0"/>
+              <a:t>” </a:t>
+            </a:r>
+            <a:r>
+              <a:rPr lang="en-US" b="1" baseline="0" dirty="0" smtClean="0"/>
+              <a:t>association table</a:t>
+            </a:r>
+            <a:r>
+              <a:rPr lang="en-US" baseline="0" dirty="0" smtClean="0"/>
+              <a:t> in our database. But EF assumes there are only two columns!</a:t>
+            </a:r>
+          </a:p>
+          <a:p>
+            <a:pPr marL="171450" indent="-171450">
+              <a:buFont typeface="Arial" charset="0"/>
+              <a:buChar char="•"/>
+            </a:pPr>
+            <a:r>
+              <a:rPr lang="en-US" baseline="0" dirty="0" smtClean="0"/>
+              <a:t>Some ORMs (like </a:t>
+            </a:r>
+            <a:r>
+              <a:rPr lang="en-US" baseline="0" dirty="0" err="1" smtClean="0"/>
+              <a:t>Nhibernate</a:t>
+            </a:r>
+            <a:r>
+              <a:rPr lang="en-US" baseline="0" dirty="0" smtClean="0"/>
+              <a:t> handle this better.</a:t>
+            </a:r>
+          </a:p>
+          <a:p>
+            <a:pPr marL="171450" indent="-171450">
+              <a:buFont typeface="Arial" charset="0"/>
+              <a:buChar char="•"/>
+            </a:pPr>
+            <a:r>
+              <a:rPr lang="en-US" baseline="0" dirty="0" smtClean="0"/>
+              <a:t>What if, in the future, you want additional attributes?</a:t>
+            </a:r>
           </a:p>
         </p:txBody>
       </p:sp>
@@ -2790,7 +2982,7 @@
           <a:p>
             <a:fld id="{3F5330FA-7751-9D47-9423-2F6FAC610315}" type="slidenum">
               <a:rPr lang="en-US" smtClean="0"/>
-              <a:t>5</a:t>
+              <a:t>6</a:t>
             </a:fld>
             <a:endParaRPr lang="en-US"/>
           </a:p>
@@ -2853,7 +3045,26 @@
           <a:bodyPr/>
           <a:lstStyle/>
           <a:p>
-            <a:endParaRPr lang="en-US" dirty="0"/>
+            <a:pPr marL="171450" indent="-171450">
+              <a:buFont typeface="Arial" charset="0"/>
+              <a:buChar char="•"/>
+            </a:pPr>
+            <a:r>
+              <a:rPr lang="en-US" dirty="0" smtClean="0"/>
+              <a:t>It will work out so much better</a:t>
+            </a:r>
+            <a:r>
+              <a:rPr lang="en-US" baseline="0" dirty="0" smtClean="0"/>
+              <a:t> if you explicitly map your join table.</a:t>
+            </a:r>
+            <a:endParaRPr lang="en-US" dirty="0" smtClean="0"/>
+          </a:p>
+          <a:p>
+            <a:pPr marL="171450" indent="-171450">
+              <a:buFont typeface="Arial" charset="0"/>
+              <a:buChar char="•"/>
+            </a:pPr>
+            <a:endParaRPr lang="en-US" baseline="0" dirty="0" smtClean="0"/>
           </a:p>
         </p:txBody>
       </p:sp>
@@ -2883,7 +3094,7 @@
     </p:spTree>
     <p:extLst>
       <p:ext uri="{BB962C8B-B14F-4D97-AF65-F5344CB8AC3E}">
-        <p14:creationId xmlns:p14="http://schemas.microsoft.com/office/powerpoint/2010/main" val="2100828086"/>
+        <p14:creationId xmlns:p14="http://schemas.microsoft.com/office/powerpoint/2010/main" val="596516481"/>
       </p:ext>
     </p:extLst>
   </p:cSld>
@@ -2938,18 +3149,82 @@
           <a:lstStyle/>
           <a:p>
             <a:r>
-              <a:rPr lang="en-US" dirty="0" smtClean="0"/>
-              <a:t>I’d go so far as to </a:t>
-            </a:r>
-            <a:r>
-              <a:rPr lang="en-US" i="1" dirty="0" smtClean="0"/>
-              <a:t>turn it off</a:t>
-            </a:r>
-            <a:r>
-              <a:rPr lang="en-US" i="0" baseline="0" dirty="0" smtClean="0"/>
-              <a:t> by default.</a:t>
-            </a:r>
-            <a:endParaRPr lang="en-US" dirty="0"/>
+              <a:rPr lang="en-US" b="1" dirty="0" smtClean="0"/>
+              <a:t>It is the wrong interface for data</a:t>
+            </a:r>
+            <a:r>
+              <a:rPr lang="en-US" b="1" baseline="0" dirty="0" smtClean="0"/>
+              <a:t> access</a:t>
+            </a:r>
+            <a:r>
+              <a:rPr lang="en-US" b="0" baseline="0" dirty="0" smtClean="0"/>
+              <a:t>.</a:t>
+            </a:r>
+          </a:p>
+          <a:p>
+            <a:r>
+              <a:rPr lang="en-US" b="0" baseline="0" dirty="0" smtClean="0"/>
+              <a:t>* Adding is usually </a:t>
+            </a:r>
+            <a:r>
+              <a:rPr lang="en-US" b="0" i="1" baseline="0" dirty="0" smtClean="0"/>
+              <a:t>okay</a:t>
+            </a:r>
+            <a:r>
+              <a:rPr lang="en-US" b="0" i="0" baseline="0" dirty="0" smtClean="0"/>
+              <a:t>.</a:t>
+            </a:r>
+          </a:p>
+          <a:p>
+            <a:pPr marL="171450" indent="-171450">
+              <a:buFont typeface="Arial" charset="0"/>
+              <a:buChar char="•"/>
+            </a:pPr>
+            <a:r>
+              <a:rPr lang="en-US" b="0" i="0" baseline="0" dirty="0" smtClean="0"/>
+              <a:t>But if you want to access any of those? You have to load the </a:t>
+            </a:r>
+            <a:r>
+              <a:rPr lang="en-US" b="0" i="1" baseline="0" dirty="0" smtClean="0"/>
+              <a:t>entire</a:t>
+            </a:r>
+            <a:r>
+              <a:rPr lang="en-US" b="0" i="0" baseline="0" dirty="0" smtClean="0"/>
+              <a:t> </a:t>
+            </a:r>
+            <a:r>
+              <a:rPr lang="en-US" b="0" i="1" baseline="0" dirty="0" smtClean="0"/>
+              <a:t>collection</a:t>
+            </a:r>
+            <a:r>
+              <a:rPr lang="en-US" b="0" i="0" baseline="0" dirty="0" smtClean="0"/>
+              <a:t> into memory.</a:t>
+            </a:r>
+          </a:p>
+          <a:p>
+            <a:pPr marL="171450" indent="-171450">
+              <a:buFont typeface="Arial" charset="0"/>
+              <a:buChar char="•"/>
+            </a:pPr>
+            <a:r>
+              <a:rPr lang="en-US" b="0" i="0" baseline="0" dirty="0" smtClean="0"/>
+              <a:t>Don’t navigate to collections!</a:t>
+            </a:r>
+          </a:p>
+          <a:p>
+            <a:pPr marL="171450" indent="-171450">
+              <a:buFont typeface="Arial" charset="0"/>
+              <a:buChar char="•"/>
+            </a:pPr>
+            <a:r>
+              <a:rPr lang="en-US" b="0" dirty="0" smtClean="0"/>
+              <a:t>Argument</a:t>
+            </a:r>
+            <a:r>
+              <a:rPr lang="en-US" b="0" baseline="0" dirty="0" smtClean="0"/>
+              <a:t> about having an accurate model for querying.</a:t>
+            </a:r>
+            <a:endParaRPr lang="en-US" b="0" dirty="0"/>
           </a:p>
         </p:txBody>
       </p:sp>
@@ -2979,7 +3254,7 @@
     </p:spTree>
     <p:extLst>
       <p:ext uri="{BB962C8B-B14F-4D97-AF65-F5344CB8AC3E}">
-        <p14:creationId xmlns:p14="http://schemas.microsoft.com/office/powerpoint/2010/main" val="119876947"/>
+        <p14:creationId xmlns:p14="http://schemas.microsoft.com/office/powerpoint/2010/main" val="2100828086"/>
       </p:ext>
     </p:extLst>
   </p:cSld>
@@ -3033,6 +3308,38 @@
           <a:bodyPr/>
           <a:lstStyle/>
           <a:p>
+            <a:r>
+              <a:rPr lang="en-US" dirty="0" smtClean="0"/>
+              <a:t>I’d go so far as to </a:t>
+            </a:r>
+            <a:r>
+              <a:rPr lang="en-US" i="1" dirty="0" smtClean="0"/>
+              <a:t>turn it off</a:t>
+            </a:r>
+            <a:r>
+              <a:rPr lang="en-US" i="0" baseline="0" dirty="0" smtClean="0"/>
+              <a:t> by </a:t>
+            </a:r>
+            <a:r>
+              <a:rPr lang="en-US" i="0" baseline="0" dirty="0" smtClean="0"/>
+              <a:t>default.</a:t>
+            </a:r>
+          </a:p>
+          <a:p>
+            <a:r>
+              <a:rPr lang="en-US" i="0" baseline="0" dirty="0" smtClean="0"/>
+              <a:t>We already know lazy loading collections </a:t>
+            </a:r>
+            <a:r>
+              <a:rPr lang="en-US" b="1" i="0" baseline="0" dirty="0" smtClean="0"/>
+              <a:t>is bad</a:t>
+            </a:r>
+            <a:r>
+              <a:rPr lang="en-US" b="0" i="0" baseline="0" dirty="0" smtClean="0"/>
+              <a:t>.</a:t>
+            </a:r>
+          </a:p>
+          <a:p>
             <a:endParaRPr lang="en-US" dirty="0"/>
           </a:p>
         </p:txBody>
@@ -3063,7 +3370,7 @@
     </p:spTree>
     <p:extLst>
       <p:ext uri="{BB962C8B-B14F-4D97-AF65-F5344CB8AC3E}">
-        <p14:creationId xmlns:p14="http://schemas.microsoft.com/office/powerpoint/2010/main" val="2102273710"/>
+        <p14:creationId xmlns:p14="http://schemas.microsoft.com/office/powerpoint/2010/main" val="119876947"/>
       </p:ext>
     </p:extLst>
   </p:cSld>
@@ -3147,7 +3454,7 @@
     </p:spTree>
     <p:extLst>
       <p:ext uri="{BB962C8B-B14F-4D97-AF65-F5344CB8AC3E}">
-        <p14:creationId xmlns:p14="http://schemas.microsoft.com/office/powerpoint/2010/main" val="102962131"/>
+        <p14:creationId xmlns:p14="http://schemas.microsoft.com/office/powerpoint/2010/main" val="2102273710"/>
       </p:ext>
     </p:extLst>
   </p:cSld>
@@ -3288,7 +3595,7 @@
           <a:p>
             <a:fld id="{BA48122F-7447-8B44-B039-FC25B6A5FFA5}" type="datetime1">
               <a:rPr lang="en-US" smtClean="0"/>
-              <a:t>5/14/16</a:t>
+              <a:t>5/20/16</a:t>
             </a:fld>
             <a:endParaRPr lang="en-US"/>
           </a:p>
@@ -3462,7 +3769,7 @@
           <a:p>
             <a:fld id="{546425BC-2248-1F49-A9F4-E4FC82EFB089}" type="datetime1">
               <a:rPr lang="en-US" smtClean="0"/>
-              <a:t>5/14/16</a:t>
+              <a:t>5/20/16</a:t>
             </a:fld>
             <a:endParaRPr lang="en-US"/>
           </a:p>
@@ -3646,7 +3953,7 @@
           <a:p>
             <a:fld id="{547363B9-894B-D743-A2F8-3D7A2DB2EC4C}" type="datetime1">
               <a:rPr lang="en-US" smtClean="0"/>
-              <a:t>5/14/16</a:t>
+              <a:t>5/20/16</a:t>
             </a:fld>
             <a:endParaRPr lang="en-US"/>
           </a:p>
@@ -3820,7 +4127,7 @@
           <a:p>
             <a:fld id="{CA788854-E301-FE4B-8FDC-2F6E3A3EC2F7}" type="datetime1">
               <a:rPr lang="en-US" smtClean="0"/>
-              <a:t>5/14/16</a:t>
+              <a:t>5/20/16</a:t>
             </a:fld>
             <a:endParaRPr lang="en-US"/>
           </a:p>
@@ -4070,7 +4377,7 @@
           <a:p>
             <a:fld id="{F6969B58-B309-F848-AB6D-A6A5448AD672}" type="datetime1">
               <a:rPr lang="en-US" smtClean="0"/>
-              <a:t>5/14/16</a:t>
+              <a:t>5/20/16</a:t>
             </a:fld>
             <a:endParaRPr lang="en-US"/>
           </a:p>
@@ -4306,7 +4613,7 @@
           <a:p>
             <a:fld id="{653ECAE7-2F69-CB44-A60F-562205FADC6A}" type="datetime1">
               <a:rPr lang="en-US" smtClean="0"/>
-              <a:t>5/14/16</a:t>
+              <a:t>5/20/16</a:t>
             </a:fld>
             <a:endParaRPr lang="en-US"/>
           </a:p>
@@ -4677,7 +4984,7 @@
           <a:p>
             <a:fld id="{C21F17DF-B42A-764C-9C44-A99E8F11384A}" type="datetime1">
               <a:rPr lang="en-US" smtClean="0"/>
-              <a:t>5/14/16</a:t>
+              <a:t>5/20/16</a:t>
             </a:fld>
             <a:endParaRPr lang="en-US"/>
           </a:p>
@@ -4799,7 +5106,7 @@
           <a:p>
             <a:fld id="{2683EA75-3A24-0247-99B7-0553794BC5BD}" type="datetime1">
               <a:rPr lang="en-US" smtClean="0"/>
-              <a:t>5/14/16</a:t>
+              <a:t>5/20/16</a:t>
             </a:fld>
             <a:endParaRPr lang="en-US"/>
           </a:p>
@@ -4898,7 +5205,7 @@
           <a:p>
             <a:fld id="{EE244D77-C3A1-A440-BB16-BE870D0BCE7B}" type="datetime1">
               <a:rPr lang="en-US" smtClean="0"/>
-              <a:t>5/14/16</a:t>
+              <a:t>5/20/16</a:t>
             </a:fld>
             <a:endParaRPr lang="en-US"/>
           </a:p>
@@ -5179,7 +5486,7 @@
           <a:p>
             <a:fld id="{5960925C-3EE8-B34F-8D34-64F7B7DA3254}" type="datetime1">
               <a:rPr lang="en-US" smtClean="0"/>
-              <a:t>5/14/16</a:t>
+              <a:t>5/20/16</a:t>
             </a:fld>
             <a:endParaRPr lang="en-US"/>
           </a:p>
@@ -5436,7 +5743,7 @@
           <a:p>
             <a:fld id="{BBA4E8E0-1ECF-B241-AB22-398F63B61B6F}" type="datetime1">
               <a:rPr lang="en-US" smtClean="0"/>
-              <a:t>5/14/16</a:t>
+              <a:t>5/20/16</a:t>
             </a:fld>
             <a:endParaRPr lang="en-US"/>
           </a:p>
@@ -5653,7 +5960,7 @@
           <a:p>
             <a:fld id="{2821563C-06E6-FD48-BDD6-EDAD61E91512}" type="datetime1">
               <a:rPr lang="en-US" smtClean="0"/>
-              <a:t>5/14/16</a:t>
+              <a:t>5/20/16</a:t>
             </a:fld>
             <a:endParaRPr lang="en-US"/>
           </a:p>
@@ -6445,7 +6752,7 @@
           <a:p>
             <a:r>
               <a:rPr lang="en-US" dirty="0" smtClean="0"/>
-              <a:t>Cartesian Products</a:t>
+              <a:t>Lazy Loading and SELECT N+1</a:t>
             </a:r>
             <a:endParaRPr lang="en-US" dirty="0"/>
           </a:p>
@@ -6471,11 +6778,11 @@
             </a:pPr>
             <a:r>
               <a:rPr lang="en-US" b="1" i="1" dirty="0" smtClean="0"/>
-              <a:t>Avoid</a:t>
+              <a:t>Do</a:t>
             </a:r>
             <a:r>
               <a:rPr lang="en-US" dirty="0" smtClean="0"/>
-              <a:t> Cartesian products.</a:t>
+              <a:t> use eager fetching.</a:t>
             </a:r>
             <a:endParaRPr lang="en-US" dirty="0"/>
           </a:p>
@@ -6501,13 +6808,630 @@
               <a:t>http://josephdaigle.me</a:t>
             </a:r>
             <a:endParaRPr lang="en-US"/>
+          </a:p>
+        </p:txBody>
+      </p:sp>
+      <p:sp>
+        <p:nvSpPr>
+          <p:cNvPr id="6" name="Rectangle 5"/>
+          <p:cNvSpPr/>
+          <p:nvPr/>
+        </p:nvSpPr>
+        <p:spPr>
+          <a:xfrm>
+            <a:off x="838200" y="2869407"/>
+            <a:ext cx="8710613" cy="3077766"/>
+          </a:xfrm>
+          <a:prstGeom prst="rect">
+            <a:avLst/>
+          </a:prstGeom>
+        </p:spPr>
+        <p:txBody>
+          <a:bodyPr wrap="square">
+            <a:spAutoFit/>
+          </a:bodyPr>
+          <a:lstStyle/>
+          <a:p>
+            <a:r>
+              <a:rPr lang="en-US" sz="1600" dirty="0">
+                <a:solidFill>
+                  <a:srgbClr val="0F7001"/>
+                </a:solidFill>
+                <a:latin typeface="Consolas" charset="0"/>
+                <a:ea typeface="Consolas" charset="0"/>
+                <a:cs typeface="Consolas" charset="0"/>
+              </a:rPr>
+              <a:t>// SELECT * FROM Posts JOIN Comments ...</a:t>
+            </a:r>
+            <a:endParaRPr lang="en-US" sz="1600" dirty="0">
+              <a:solidFill>
+                <a:srgbClr val="000000"/>
+              </a:solidFill>
+              <a:latin typeface="Consolas" charset="0"/>
+              <a:ea typeface="Consolas" charset="0"/>
+              <a:cs typeface="Consolas" charset="0"/>
+            </a:endParaRPr>
+          </a:p>
+          <a:p>
+            <a:r>
+              <a:rPr lang="en-US" sz="1600" dirty="0" err="1">
+                <a:solidFill>
+                  <a:srgbClr val="000000"/>
+                </a:solidFill>
+                <a:latin typeface="Consolas" charset="0"/>
+                <a:ea typeface="Consolas" charset="0"/>
+                <a:cs typeface="Consolas" charset="0"/>
+              </a:rPr>
+              <a:t>var</a:t>
+            </a:r>
+            <a:r>
+              <a:rPr lang="en-US" sz="1600" dirty="0">
+                <a:solidFill>
+                  <a:srgbClr val="000000"/>
+                </a:solidFill>
+                <a:latin typeface="Consolas" charset="0"/>
+                <a:ea typeface="Consolas" charset="0"/>
+                <a:cs typeface="Consolas" charset="0"/>
+              </a:rPr>
+              <a:t> </a:t>
+            </a:r>
+            <a:r>
+              <a:rPr lang="en-US" sz="1600" dirty="0" err="1">
+                <a:solidFill>
+                  <a:srgbClr val="000000"/>
+                </a:solidFill>
+                <a:latin typeface="Consolas" charset="0"/>
+                <a:ea typeface="Consolas" charset="0"/>
+                <a:cs typeface="Consolas" charset="0"/>
+              </a:rPr>
+              <a:t>postsQuery</a:t>
+            </a:r>
+            <a:r>
+              <a:rPr lang="en-US" sz="1600" dirty="0">
+                <a:solidFill>
+                  <a:srgbClr val="000000"/>
+                </a:solidFill>
+                <a:latin typeface="Consolas" charset="0"/>
+                <a:ea typeface="Consolas" charset="0"/>
+                <a:cs typeface="Consolas" charset="0"/>
+              </a:rPr>
+              <a:t> = (from post </a:t>
+            </a:r>
+            <a:r>
+              <a:rPr lang="en-US" sz="1600" dirty="0">
+                <a:solidFill>
+                  <a:srgbClr val="0000FF"/>
+                </a:solidFill>
+                <a:latin typeface="Consolas" charset="0"/>
+                <a:ea typeface="Consolas" charset="0"/>
+                <a:cs typeface="Consolas" charset="0"/>
+              </a:rPr>
+              <a:t>in</a:t>
+            </a:r>
+            <a:r>
+              <a:rPr lang="en-US" sz="1600" dirty="0">
+                <a:solidFill>
+                  <a:srgbClr val="000000"/>
+                </a:solidFill>
+                <a:latin typeface="Consolas" charset="0"/>
+                <a:ea typeface="Consolas" charset="0"/>
+                <a:cs typeface="Consolas" charset="0"/>
+              </a:rPr>
+              <a:t> </a:t>
+            </a:r>
+            <a:r>
+              <a:rPr lang="en-US" sz="1600" dirty="0" err="1">
+                <a:solidFill>
+                  <a:srgbClr val="000000"/>
+                </a:solidFill>
+                <a:latin typeface="Consolas" charset="0"/>
+                <a:ea typeface="Consolas" charset="0"/>
+                <a:cs typeface="Consolas" charset="0"/>
+              </a:rPr>
+              <a:t>blogDataContext.Posts.Include</a:t>
+            </a:r>
+            <a:r>
+              <a:rPr lang="en-US" sz="1600" dirty="0">
+                <a:solidFill>
+                  <a:srgbClr val="000000"/>
+                </a:solidFill>
+                <a:latin typeface="Consolas" charset="0"/>
+                <a:ea typeface="Consolas" charset="0"/>
+                <a:cs typeface="Consolas" charset="0"/>
+              </a:rPr>
+              <a:t>(</a:t>
+            </a:r>
+            <a:r>
+              <a:rPr lang="en-US" sz="1600" dirty="0">
+                <a:solidFill>
+                  <a:srgbClr val="0A4D6D"/>
+                </a:solidFill>
+                <a:latin typeface="Consolas" charset="0"/>
+                <a:ea typeface="Consolas" charset="0"/>
+                <a:cs typeface="Consolas" charset="0"/>
+              </a:rPr>
+              <a:t>"Comments"</a:t>
+            </a:r>
+            <a:r>
+              <a:rPr lang="en-US" sz="1600" dirty="0">
+                <a:solidFill>
+                  <a:srgbClr val="000000"/>
+                </a:solidFill>
+                <a:latin typeface="Consolas" charset="0"/>
+                <a:ea typeface="Consolas" charset="0"/>
+                <a:cs typeface="Consolas" charset="0"/>
+              </a:rPr>
+              <a:t>)</a:t>
+            </a:r>
+          </a:p>
+          <a:p>
+            <a:r>
+              <a:rPr lang="ro-RO" sz="1600" dirty="0">
+                <a:solidFill>
+                  <a:srgbClr val="000000"/>
+                </a:solidFill>
+                <a:latin typeface="Consolas" charset="0"/>
+                <a:ea typeface="Consolas" charset="0"/>
+                <a:cs typeface="Consolas" charset="0"/>
+              </a:rPr>
+              <a:t>                 select post);</a:t>
+            </a:r>
+          </a:p>
+          <a:p>
+            <a:endParaRPr lang="ro-RO" sz="1600" dirty="0">
+              <a:solidFill>
+                <a:srgbClr val="000000"/>
+              </a:solidFill>
+              <a:latin typeface="Consolas" charset="0"/>
+              <a:ea typeface="Consolas" charset="0"/>
+              <a:cs typeface="Consolas" charset="0"/>
+            </a:endParaRPr>
+          </a:p>
+          <a:p>
+            <a:r>
+              <a:rPr lang="ro-RO" sz="1600" dirty="0" err="1">
+                <a:solidFill>
+                  <a:srgbClr val="0000FF"/>
+                </a:solidFill>
+                <a:latin typeface="Consolas" charset="0"/>
+                <a:ea typeface="Consolas" charset="0"/>
+                <a:cs typeface="Consolas" charset="0"/>
+              </a:rPr>
+              <a:t>foreach</a:t>
+            </a:r>
+            <a:r>
+              <a:rPr lang="ro-RO" sz="1600" dirty="0">
+                <a:solidFill>
+                  <a:srgbClr val="000000"/>
+                </a:solidFill>
+                <a:latin typeface="Consolas" charset="0"/>
+                <a:ea typeface="Consolas" charset="0"/>
+                <a:cs typeface="Consolas" charset="0"/>
+              </a:rPr>
+              <a:t> (Post post </a:t>
+            </a:r>
+            <a:r>
+              <a:rPr lang="ro-RO" sz="1600" dirty="0">
+                <a:solidFill>
+                  <a:srgbClr val="0000FF"/>
+                </a:solidFill>
+                <a:latin typeface="Consolas" charset="0"/>
+                <a:ea typeface="Consolas" charset="0"/>
+                <a:cs typeface="Consolas" charset="0"/>
+              </a:rPr>
+              <a:t>in</a:t>
+            </a:r>
+            <a:r>
+              <a:rPr lang="ro-RO" sz="1600" dirty="0">
+                <a:solidFill>
+                  <a:srgbClr val="000000"/>
+                </a:solidFill>
+                <a:latin typeface="Consolas" charset="0"/>
+                <a:ea typeface="Consolas" charset="0"/>
+                <a:cs typeface="Consolas" charset="0"/>
+              </a:rPr>
+              <a:t> </a:t>
+            </a:r>
+            <a:r>
+              <a:rPr lang="ro-RO" sz="1600" dirty="0" err="1">
+                <a:solidFill>
+                  <a:srgbClr val="000000"/>
+                </a:solidFill>
+                <a:latin typeface="Consolas" charset="0"/>
+                <a:ea typeface="Consolas" charset="0"/>
+                <a:cs typeface="Consolas" charset="0"/>
+              </a:rPr>
+              <a:t>postsQuery</a:t>
+            </a:r>
+            <a:r>
+              <a:rPr lang="ro-RO" sz="1600" dirty="0">
+                <a:solidFill>
+                  <a:srgbClr val="000000"/>
+                </a:solidFill>
+                <a:latin typeface="Consolas" charset="0"/>
+                <a:ea typeface="Consolas" charset="0"/>
+                <a:cs typeface="Consolas" charset="0"/>
+              </a:rPr>
+              <a:t>)</a:t>
+            </a:r>
+          </a:p>
+          <a:p>
+            <a:r>
+              <a:rPr lang="de-DE" sz="1600" dirty="0">
+                <a:solidFill>
+                  <a:srgbClr val="000000"/>
+                </a:solidFill>
+                <a:latin typeface="Consolas" charset="0"/>
+                <a:ea typeface="Consolas" charset="0"/>
+                <a:cs typeface="Consolas" charset="0"/>
+              </a:rPr>
+              <a:t>{   </a:t>
+            </a:r>
+          </a:p>
+          <a:p>
+            <a:r>
+              <a:rPr lang="de-DE" sz="1600" dirty="0">
+                <a:solidFill>
+                  <a:srgbClr val="000000"/>
+                </a:solidFill>
+                <a:latin typeface="Consolas" charset="0"/>
+                <a:ea typeface="Consolas" charset="0"/>
+                <a:cs typeface="Consolas" charset="0"/>
+              </a:rPr>
+              <a:t>    </a:t>
+            </a:r>
+            <a:r>
+              <a:rPr lang="de-DE" sz="1600" dirty="0">
+                <a:solidFill>
+                  <a:srgbClr val="0F7001"/>
+                </a:solidFill>
+                <a:latin typeface="Consolas" charset="0"/>
+                <a:ea typeface="Consolas" charset="0"/>
+                <a:cs typeface="Consolas" charset="0"/>
+              </a:rPr>
+              <a:t>// </a:t>
+            </a:r>
+            <a:r>
+              <a:rPr lang="de-DE" sz="1600" dirty="0" err="1">
+                <a:solidFill>
+                  <a:srgbClr val="0F7001"/>
+                </a:solidFill>
+                <a:latin typeface="Consolas" charset="0"/>
+                <a:ea typeface="Consolas" charset="0"/>
+                <a:cs typeface="Consolas" charset="0"/>
+              </a:rPr>
+              <a:t>no</a:t>
+            </a:r>
+            <a:r>
+              <a:rPr lang="de-DE" sz="1600" dirty="0">
+                <a:solidFill>
+                  <a:srgbClr val="0F7001"/>
+                </a:solidFill>
+                <a:latin typeface="Consolas" charset="0"/>
+                <a:ea typeface="Consolas" charset="0"/>
+                <a:cs typeface="Consolas" charset="0"/>
+              </a:rPr>
+              <a:t> </a:t>
+            </a:r>
+            <a:r>
+              <a:rPr lang="de-DE" sz="1600" dirty="0" err="1">
+                <a:solidFill>
+                  <a:srgbClr val="0F7001"/>
+                </a:solidFill>
+                <a:latin typeface="Consolas" charset="0"/>
+                <a:ea typeface="Consolas" charset="0"/>
+                <a:cs typeface="Consolas" charset="0"/>
+              </a:rPr>
+              <a:t>lazy</a:t>
+            </a:r>
+            <a:r>
+              <a:rPr lang="de-DE" sz="1600" dirty="0">
+                <a:solidFill>
+                  <a:srgbClr val="0F7001"/>
+                </a:solidFill>
+                <a:latin typeface="Consolas" charset="0"/>
+                <a:ea typeface="Consolas" charset="0"/>
+                <a:cs typeface="Consolas" charset="0"/>
+              </a:rPr>
+              <a:t> </a:t>
+            </a:r>
+            <a:r>
+              <a:rPr lang="de-DE" sz="1600" dirty="0" err="1">
+                <a:solidFill>
+                  <a:srgbClr val="0F7001"/>
+                </a:solidFill>
+                <a:latin typeface="Consolas" charset="0"/>
+                <a:ea typeface="Consolas" charset="0"/>
+                <a:cs typeface="Consolas" charset="0"/>
+              </a:rPr>
+              <a:t>loading</a:t>
+            </a:r>
+            <a:r>
+              <a:rPr lang="de-DE" sz="1600" dirty="0">
+                <a:solidFill>
+                  <a:srgbClr val="0F7001"/>
+                </a:solidFill>
+                <a:latin typeface="Consolas" charset="0"/>
+                <a:ea typeface="Consolas" charset="0"/>
+                <a:cs typeface="Consolas" charset="0"/>
+              </a:rPr>
+              <a:t> </a:t>
+            </a:r>
+            <a:r>
+              <a:rPr lang="de-DE" sz="1600" dirty="0" err="1">
+                <a:solidFill>
+                  <a:srgbClr val="0F7001"/>
+                </a:solidFill>
+                <a:latin typeface="Consolas" charset="0"/>
+                <a:ea typeface="Consolas" charset="0"/>
+                <a:cs typeface="Consolas" charset="0"/>
+              </a:rPr>
+              <a:t>of</a:t>
+            </a:r>
+            <a:r>
+              <a:rPr lang="de-DE" sz="1600" dirty="0">
+                <a:solidFill>
+                  <a:srgbClr val="0F7001"/>
+                </a:solidFill>
+                <a:latin typeface="Consolas" charset="0"/>
+                <a:ea typeface="Consolas" charset="0"/>
+                <a:cs typeface="Consolas" charset="0"/>
+              </a:rPr>
+              <a:t> </a:t>
+            </a:r>
+            <a:r>
+              <a:rPr lang="de-DE" sz="1600" dirty="0" err="1">
+                <a:solidFill>
+                  <a:srgbClr val="0F7001"/>
+                </a:solidFill>
+                <a:latin typeface="Consolas" charset="0"/>
+                <a:ea typeface="Consolas" charset="0"/>
+                <a:cs typeface="Consolas" charset="0"/>
+              </a:rPr>
+              <a:t>comments</a:t>
+            </a:r>
+            <a:r>
+              <a:rPr lang="de-DE" sz="1600" dirty="0">
+                <a:solidFill>
+                  <a:srgbClr val="0F7001"/>
+                </a:solidFill>
+                <a:latin typeface="Consolas" charset="0"/>
+                <a:ea typeface="Consolas" charset="0"/>
+                <a:cs typeface="Consolas" charset="0"/>
+              </a:rPr>
+              <a:t> </a:t>
+            </a:r>
+            <a:r>
+              <a:rPr lang="de-DE" sz="1600" dirty="0" err="1">
+                <a:solidFill>
+                  <a:srgbClr val="0F7001"/>
+                </a:solidFill>
+                <a:latin typeface="Consolas" charset="0"/>
+                <a:ea typeface="Consolas" charset="0"/>
+                <a:cs typeface="Consolas" charset="0"/>
+              </a:rPr>
+              <a:t>list</a:t>
+            </a:r>
+            <a:r>
+              <a:rPr lang="de-DE" sz="1600" dirty="0">
+                <a:solidFill>
+                  <a:srgbClr val="0F7001"/>
+                </a:solidFill>
+                <a:latin typeface="Consolas" charset="0"/>
+                <a:ea typeface="Consolas" charset="0"/>
+                <a:cs typeface="Consolas" charset="0"/>
+              </a:rPr>
+              <a:t> </a:t>
+            </a:r>
+            <a:r>
+              <a:rPr lang="de-DE" sz="1600" dirty="0" err="1">
+                <a:solidFill>
+                  <a:srgbClr val="0F7001"/>
+                </a:solidFill>
+                <a:latin typeface="Consolas" charset="0"/>
+                <a:ea typeface="Consolas" charset="0"/>
+                <a:cs typeface="Consolas" charset="0"/>
+              </a:rPr>
+              <a:t>causes</a:t>
+            </a:r>
+            <a:r>
+              <a:rPr lang="de-DE" sz="1600" dirty="0">
+                <a:solidFill>
+                  <a:srgbClr val="0F7001"/>
+                </a:solidFill>
+                <a:latin typeface="Consolas" charset="0"/>
+                <a:ea typeface="Consolas" charset="0"/>
+                <a:cs typeface="Consolas" charset="0"/>
+              </a:rPr>
+              <a:t>    </a:t>
+            </a:r>
+            <a:endParaRPr lang="de-DE" sz="1600" dirty="0">
+              <a:solidFill>
+                <a:srgbClr val="000000"/>
+              </a:solidFill>
+              <a:latin typeface="Consolas" charset="0"/>
+              <a:ea typeface="Consolas" charset="0"/>
+              <a:cs typeface="Consolas" charset="0"/>
+            </a:endParaRPr>
+          </a:p>
+          <a:p>
+            <a:r>
+              <a:rPr lang="de-DE" sz="1600" dirty="0">
+                <a:solidFill>
+                  <a:srgbClr val="000000"/>
+                </a:solidFill>
+                <a:latin typeface="Consolas" charset="0"/>
+                <a:ea typeface="Consolas" charset="0"/>
+                <a:cs typeface="Consolas" charset="0"/>
+              </a:rPr>
+              <a:t>    </a:t>
+            </a:r>
+            <a:r>
+              <a:rPr lang="de-DE" sz="1600" dirty="0" err="1">
+                <a:solidFill>
+                  <a:srgbClr val="0000FF"/>
+                </a:solidFill>
+                <a:latin typeface="Consolas" charset="0"/>
+                <a:ea typeface="Consolas" charset="0"/>
+                <a:cs typeface="Consolas" charset="0"/>
+              </a:rPr>
+              <a:t>foreach</a:t>
+            </a:r>
+            <a:r>
+              <a:rPr lang="de-DE" sz="1600" dirty="0">
+                <a:solidFill>
+                  <a:srgbClr val="000000"/>
+                </a:solidFill>
+                <a:latin typeface="Consolas" charset="0"/>
+                <a:ea typeface="Consolas" charset="0"/>
+                <a:cs typeface="Consolas" charset="0"/>
+              </a:rPr>
+              <a:t> (Comment </a:t>
+            </a:r>
+            <a:r>
+              <a:rPr lang="de-DE" sz="1600" dirty="0" err="1">
+                <a:solidFill>
+                  <a:srgbClr val="000000"/>
+                </a:solidFill>
+                <a:latin typeface="Consolas" charset="0"/>
+                <a:ea typeface="Consolas" charset="0"/>
+                <a:cs typeface="Consolas" charset="0"/>
+              </a:rPr>
+              <a:t>comment</a:t>
+            </a:r>
+            <a:r>
+              <a:rPr lang="de-DE" sz="1600" dirty="0">
+                <a:solidFill>
+                  <a:srgbClr val="000000"/>
+                </a:solidFill>
+                <a:latin typeface="Consolas" charset="0"/>
+                <a:ea typeface="Consolas" charset="0"/>
+                <a:cs typeface="Consolas" charset="0"/>
+              </a:rPr>
+              <a:t> </a:t>
+            </a:r>
+            <a:r>
+              <a:rPr lang="de-DE" sz="1600" dirty="0">
+                <a:solidFill>
+                  <a:srgbClr val="0000FF"/>
+                </a:solidFill>
+                <a:latin typeface="Consolas" charset="0"/>
+                <a:ea typeface="Consolas" charset="0"/>
+                <a:cs typeface="Consolas" charset="0"/>
+              </a:rPr>
+              <a:t>in</a:t>
+            </a:r>
+            <a:r>
+              <a:rPr lang="de-DE" sz="1600" dirty="0">
+                <a:solidFill>
+                  <a:srgbClr val="000000"/>
+                </a:solidFill>
+                <a:latin typeface="Consolas" charset="0"/>
+                <a:ea typeface="Consolas" charset="0"/>
+                <a:cs typeface="Consolas" charset="0"/>
+              </a:rPr>
+              <a:t> </a:t>
+            </a:r>
+            <a:r>
+              <a:rPr lang="de-DE" sz="1600" dirty="0" err="1">
+                <a:solidFill>
+                  <a:srgbClr val="000000"/>
+                </a:solidFill>
+                <a:latin typeface="Consolas" charset="0"/>
+                <a:ea typeface="Consolas" charset="0"/>
+                <a:cs typeface="Consolas" charset="0"/>
+              </a:rPr>
+              <a:t>post.Comments</a:t>
+            </a:r>
+            <a:r>
+              <a:rPr lang="de-DE" sz="1600" dirty="0">
+                <a:solidFill>
+                  <a:srgbClr val="000000"/>
+                </a:solidFill>
+                <a:latin typeface="Consolas" charset="0"/>
+                <a:ea typeface="Consolas" charset="0"/>
+                <a:cs typeface="Consolas" charset="0"/>
+              </a:rPr>
+              <a:t>)</a:t>
+            </a:r>
+          </a:p>
+          <a:p>
+            <a:r>
+              <a:rPr lang="de-DE" sz="1600" dirty="0">
+                <a:solidFill>
+                  <a:srgbClr val="000000"/>
+                </a:solidFill>
+                <a:latin typeface="Consolas" charset="0"/>
+                <a:ea typeface="Consolas" charset="0"/>
+                <a:cs typeface="Consolas" charset="0"/>
+              </a:rPr>
+              <a:t>    {       </a:t>
+            </a:r>
+          </a:p>
+          <a:p>
+            <a:r>
+              <a:rPr lang="en-US" sz="1600" dirty="0">
+                <a:solidFill>
+                  <a:srgbClr val="000000"/>
+                </a:solidFill>
+                <a:latin typeface="Consolas" charset="0"/>
+                <a:ea typeface="Consolas" charset="0"/>
+                <a:cs typeface="Consolas" charset="0"/>
+              </a:rPr>
+              <a:t>        </a:t>
+            </a:r>
+            <a:r>
+              <a:rPr lang="en-US" sz="1600" dirty="0">
+                <a:solidFill>
+                  <a:srgbClr val="0F7001"/>
+                </a:solidFill>
+                <a:latin typeface="Consolas" charset="0"/>
+                <a:ea typeface="Consolas" charset="0"/>
+                <a:cs typeface="Consolas" charset="0"/>
+              </a:rPr>
+              <a:t>//print comment...   </a:t>
+            </a:r>
+            <a:endParaRPr lang="en-US" sz="1600" dirty="0">
+              <a:solidFill>
+                <a:srgbClr val="000000"/>
+              </a:solidFill>
+              <a:latin typeface="Consolas" charset="0"/>
+              <a:ea typeface="Consolas" charset="0"/>
+              <a:cs typeface="Consolas" charset="0"/>
+            </a:endParaRPr>
+          </a:p>
+          <a:p>
+            <a:r>
+              <a:rPr lang="de-DE" sz="1600" dirty="0">
+                <a:solidFill>
+                  <a:srgbClr val="000000"/>
+                </a:solidFill>
+                <a:latin typeface="Consolas" charset="0"/>
+                <a:ea typeface="Consolas" charset="0"/>
+                <a:cs typeface="Consolas" charset="0"/>
+              </a:rPr>
+              <a:t>    }</a:t>
+            </a:r>
+          </a:p>
+          <a:p>
+            <a:r>
+              <a:rPr lang="de-DE" sz="1600" dirty="0">
+                <a:solidFill>
+                  <a:srgbClr val="000000"/>
+                </a:solidFill>
+                <a:latin typeface="Consolas" charset="0"/>
+                <a:ea typeface="Consolas" charset="0"/>
+                <a:cs typeface="Consolas" charset="0"/>
+              </a:rPr>
+              <a:t>}</a:t>
+            </a:r>
           </a:p>
         </p:txBody>
       </p:sp>
     </p:spTree>
     <p:extLst>
       <p:ext uri="{BB962C8B-B14F-4D97-AF65-F5344CB8AC3E}">
-        <p14:creationId xmlns:p14="http://schemas.microsoft.com/office/powerpoint/2010/main" val="689725691"/>
+        <p14:creationId xmlns:p14="http://schemas.microsoft.com/office/powerpoint/2010/main" val="777624815"/>
       </p:ext>
     </p:extLst>
   </p:cSld>
@@ -6584,11 +7508,11 @@
             </a:pPr>
             <a:r>
               <a:rPr lang="en-US" b="1" i="1" dirty="0" smtClean="0"/>
-              <a:t>Do</a:t>
+              <a:t>Avoid</a:t>
             </a:r>
             <a:r>
               <a:rPr lang="en-US" dirty="0" smtClean="0"/>
-              <a:t> rewrite to use multiple queries if appropriate.</a:t>
+              <a:t> Cartesian products.</a:t>
             </a:r>
             <a:endParaRPr lang="en-US" dirty="0"/>
           </a:p>
@@ -6614,13 +7538,397 @@
               <a:t>http://josephdaigle.me</a:t>
             </a:r>
             <a:endParaRPr lang="en-US"/>
+          </a:p>
+        </p:txBody>
+      </p:sp>
+      <p:sp>
+        <p:nvSpPr>
+          <p:cNvPr id="7" name="Rectangle 6"/>
+          <p:cNvSpPr/>
+          <p:nvPr/>
+        </p:nvSpPr>
+        <p:spPr>
+          <a:xfrm>
+            <a:off x="985837" y="3007876"/>
+            <a:ext cx="10220326" cy="1631216"/>
+          </a:xfrm>
+          <a:prstGeom prst="rect">
+            <a:avLst/>
+          </a:prstGeom>
+        </p:spPr>
+        <p:txBody>
+          <a:bodyPr wrap="square">
+            <a:spAutoFit/>
+          </a:bodyPr>
+          <a:lstStyle/>
+          <a:p>
+            <a:r>
+              <a:rPr lang="en-US" sz="2000" dirty="0" err="1">
+                <a:solidFill>
+                  <a:srgbClr val="000000"/>
+                </a:solidFill>
+                <a:highlight>
+                  <a:srgbClr val="FFFFFF"/>
+                </a:highlight>
+                <a:latin typeface="Consolas" charset="0"/>
+              </a:rPr>
+              <a:t>db.Set</a:t>
+            </a:r>
+            <a:r>
+              <a:rPr lang="en-US" sz="2000" dirty="0">
+                <a:solidFill>
+                  <a:srgbClr val="000000"/>
+                </a:solidFill>
+                <a:highlight>
+                  <a:srgbClr val="FFFFFF"/>
+                </a:highlight>
+                <a:latin typeface="Consolas" charset="0"/>
+              </a:rPr>
+              <a:t>&lt;</a:t>
+            </a:r>
+            <a:r>
+              <a:rPr lang="en-US" sz="2000" dirty="0">
+                <a:solidFill>
+                  <a:srgbClr val="2B91AF"/>
+                </a:solidFill>
+                <a:highlight>
+                  <a:srgbClr val="FFFFFF"/>
+                </a:highlight>
+                <a:latin typeface="Consolas" charset="0"/>
+              </a:rPr>
+              <a:t>Company</a:t>
+            </a:r>
+            <a:r>
+              <a:rPr lang="en-US" sz="2000" dirty="0">
+                <a:solidFill>
+                  <a:srgbClr val="000000"/>
+                </a:solidFill>
+                <a:highlight>
+                  <a:srgbClr val="FFFFFF"/>
+                </a:highlight>
+                <a:latin typeface="Consolas" charset="0"/>
+              </a:rPr>
+              <a:t>&gt;()</a:t>
+            </a:r>
+          </a:p>
+          <a:p>
+            <a:r>
+              <a:rPr lang="it-IT" sz="2000" dirty="0">
+                <a:solidFill>
+                  <a:srgbClr val="000000"/>
+                </a:solidFill>
+                <a:highlight>
+                  <a:srgbClr val="FFFFFF"/>
+                </a:highlight>
+                <a:latin typeface="Consolas" charset="0"/>
+              </a:rPr>
+              <a:t>    .Include(c =&gt; </a:t>
+            </a:r>
+            <a:r>
+              <a:rPr lang="it-IT" sz="2000" dirty="0" err="1">
+                <a:solidFill>
+                  <a:srgbClr val="000000"/>
+                </a:solidFill>
+                <a:highlight>
+                  <a:srgbClr val="FFFFFF"/>
+                </a:highlight>
+                <a:latin typeface="Consolas" charset="0"/>
+              </a:rPr>
+              <a:t>c.Staff</a:t>
+            </a:r>
+            <a:r>
+              <a:rPr lang="it-IT" sz="2000" dirty="0">
+                <a:solidFill>
+                  <a:srgbClr val="000000"/>
+                </a:solidFill>
+                <a:highlight>
+                  <a:srgbClr val="FFFFFF"/>
+                </a:highlight>
+                <a:latin typeface="Consolas" charset="0"/>
+              </a:rPr>
+              <a:t>)           </a:t>
+            </a:r>
+            <a:r>
+              <a:rPr lang="it-IT" sz="2000" dirty="0">
+                <a:solidFill>
+                  <a:srgbClr val="008000"/>
+                </a:solidFill>
+                <a:highlight>
+                  <a:srgbClr val="FFFFFF"/>
+                </a:highlight>
+                <a:latin typeface="Consolas" charset="0"/>
+              </a:rPr>
+              <a:t>// 10 staff per company</a:t>
+            </a:r>
+            <a:endParaRPr lang="it-IT" sz="2000" dirty="0">
+              <a:solidFill>
+                <a:srgbClr val="000000"/>
+              </a:solidFill>
+              <a:highlight>
+                <a:srgbClr val="FFFFFF"/>
+              </a:highlight>
+              <a:latin typeface="Consolas" charset="0"/>
+            </a:endParaRPr>
+          </a:p>
+          <a:p>
+            <a:r>
+              <a:rPr lang="it-IT" sz="2000" dirty="0">
+                <a:solidFill>
+                  <a:srgbClr val="000000"/>
+                </a:solidFill>
+                <a:highlight>
+                  <a:srgbClr val="FFFFFF"/>
+                </a:highlight>
+                <a:latin typeface="Consolas" charset="0"/>
+              </a:rPr>
+              <a:t>    .Include(c =&gt; </a:t>
+            </a:r>
+            <a:r>
+              <a:rPr lang="it-IT" sz="2000" dirty="0" err="1">
+                <a:solidFill>
+                  <a:srgbClr val="000000"/>
+                </a:solidFill>
+                <a:highlight>
+                  <a:srgbClr val="FFFFFF"/>
+                </a:highlight>
+                <a:latin typeface="Consolas" charset="0"/>
+              </a:rPr>
+              <a:t>c.UserProfiles</a:t>
+            </a:r>
+            <a:r>
+              <a:rPr lang="it-IT" sz="2000" dirty="0">
+                <a:solidFill>
+                  <a:srgbClr val="000000"/>
+                </a:solidFill>
+                <a:highlight>
+                  <a:srgbClr val="FFFFFF"/>
+                </a:highlight>
+                <a:latin typeface="Consolas" charset="0"/>
+              </a:rPr>
+              <a:t>)    </a:t>
+            </a:r>
+            <a:r>
+              <a:rPr lang="it-IT" sz="2000" dirty="0">
+                <a:solidFill>
+                  <a:srgbClr val="008000"/>
+                </a:solidFill>
+                <a:highlight>
+                  <a:srgbClr val="FFFFFF"/>
+                </a:highlight>
+                <a:latin typeface="Consolas" charset="0"/>
+              </a:rPr>
+              <a:t>// 5 </a:t>
+            </a:r>
+            <a:r>
+              <a:rPr lang="it-IT" sz="2000" dirty="0" err="1">
+                <a:solidFill>
+                  <a:srgbClr val="008000"/>
+                </a:solidFill>
+                <a:highlight>
+                  <a:srgbClr val="FFFFFF"/>
+                </a:highlight>
+                <a:latin typeface="Consolas" charset="0"/>
+              </a:rPr>
+              <a:t>user</a:t>
+            </a:r>
+            <a:r>
+              <a:rPr lang="it-IT" sz="2000" dirty="0">
+                <a:solidFill>
+                  <a:srgbClr val="008000"/>
+                </a:solidFill>
+                <a:highlight>
+                  <a:srgbClr val="FFFFFF"/>
+                </a:highlight>
+                <a:latin typeface="Consolas" charset="0"/>
+              </a:rPr>
+              <a:t> </a:t>
+            </a:r>
+            <a:r>
+              <a:rPr lang="it-IT" sz="2000" dirty="0" err="1">
+                <a:solidFill>
+                  <a:srgbClr val="008000"/>
+                </a:solidFill>
+                <a:highlight>
+                  <a:srgbClr val="FFFFFF"/>
+                </a:highlight>
+                <a:latin typeface="Consolas" charset="0"/>
+              </a:rPr>
+              <a:t>profiles</a:t>
+            </a:r>
+            <a:r>
+              <a:rPr lang="it-IT" sz="2000" dirty="0">
+                <a:solidFill>
+                  <a:srgbClr val="008000"/>
+                </a:solidFill>
+                <a:highlight>
+                  <a:srgbClr val="FFFFFF"/>
+                </a:highlight>
+                <a:latin typeface="Consolas" charset="0"/>
+              </a:rPr>
+              <a:t> per company</a:t>
+            </a:r>
+            <a:endParaRPr lang="it-IT" sz="2000" dirty="0">
+              <a:solidFill>
+                <a:srgbClr val="000000"/>
+              </a:solidFill>
+              <a:highlight>
+                <a:srgbClr val="FFFFFF"/>
+              </a:highlight>
+              <a:latin typeface="Consolas" charset="0"/>
+            </a:endParaRPr>
+          </a:p>
+          <a:p>
+            <a:r>
+              <a:rPr lang="it-IT" sz="2000" dirty="0">
+                <a:solidFill>
+                  <a:srgbClr val="000000"/>
+                </a:solidFill>
+                <a:highlight>
+                  <a:srgbClr val="FFFFFF"/>
+                </a:highlight>
+                <a:latin typeface="Consolas" charset="0"/>
+              </a:rPr>
+              <a:t>    .</a:t>
+            </a:r>
+            <a:r>
+              <a:rPr lang="it-IT" sz="2000" dirty="0" err="1">
+                <a:solidFill>
+                  <a:srgbClr val="000000"/>
+                </a:solidFill>
+                <a:highlight>
+                  <a:srgbClr val="FFFFFF"/>
+                </a:highlight>
+                <a:latin typeface="Consolas" charset="0"/>
+              </a:rPr>
+              <a:t>Where</a:t>
+            </a:r>
+            <a:r>
+              <a:rPr lang="it-IT" sz="2000" dirty="0">
+                <a:solidFill>
+                  <a:srgbClr val="000000"/>
+                </a:solidFill>
+                <a:highlight>
+                  <a:srgbClr val="FFFFFF"/>
+                </a:highlight>
+                <a:latin typeface="Consolas" charset="0"/>
+              </a:rPr>
+              <a:t>(c =&gt; </a:t>
+            </a:r>
+            <a:r>
+              <a:rPr lang="it-IT" sz="2000" dirty="0" err="1">
+                <a:solidFill>
+                  <a:srgbClr val="000000"/>
+                </a:solidFill>
+                <a:highlight>
+                  <a:srgbClr val="FFFFFF"/>
+                </a:highlight>
+                <a:latin typeface="Consolas" charset="0"/>
+              </a:rPr>
+              <a:t>c.CompanyRegion</a:t>
+            </a:r>
+            <a:r>
+              <a:rPr lang="it-IT" sz="2000" dirty="0">
+                <a:solidFill>
+                  <a:srgbClr val="000000"/>
+                </a:solidFill>
+                <a:highlight>
+                  <a:srgbClr val="FFFFFF"/>
+                </a:highlight>
+                <a:latin typeface="Consolas" charset="0"/>
+              </a:rPr>
+              <a:t> = 5) </a:t>
+            </a:r>
+            <a:r>
+              <a:rPr lang="it-IT" sz="2000" dirty="0">
+                <a:solidFill>
+                  <a:srgbClr val="008000"/>
+                </a:solidFill>
+                <a:highlight>
+                  <a:srgbClr val="FFFFFF"/>
+                </a:highlight>
+                <a:latin typeface="Consolas" charset="0"/>
+              </a:rPr>
+              <a:t>// 10 companies in </a:t>
+            </a:r>
+            <a:r>
+              <a:rPr lang="it-IT" sz="2000" dirty="0" err="1">
+                <a:solidFill>
+                  <a:srgbClr val="008000"/>
+                </a:solidFill>
+                <a:highlight>
+                  <a:srgbClr val="FFFFFF"/>
+                </a:highlight>
+                <a:latin typeface="Consolas" charset="0"/>
+              </a:rPr>
+              <a:t>region</a:t>
+            </a:r>
+            <a:endParaRPr lang="it-IT" sz="2000" dirty="0">
+              <a:solidFill>
+                <a:srgbClr val="000000"/>
+              </a:solidFill>
+              <a:highlight>
+                <a:srgbClr val="FFFFFF"/>
+              </a:highlight>
+              <a:latin typeface="Consolas" charset="0"/>
+            </a:endParaRPr>
+          </a:p>
+          <a:p>
+            <a:r>
+              <a:rPr lang="en-US" sz="2000" dirty="0">
+                <a:solidFill>
+                  <a:srgbClr val="000000"/>
+                </a:solidFill>
+                <a:highlight>
+                  <a:srgbClr val="FFFFFF"/>
+                </a:highlight>
+                <a:latin typeface="Consolas" charset="0"/>
+              </a:rPr>
+              <a:t>    .</a:t>
+            </a:r>
+            <a:r>
+              <a:rPr lang="en-US" sz="2000" dirty="0" err="1">
+                <a:solidFill>
+                  <a:srgbClr val="000000"/>
+                </a:solidFill>
+                <a:highlight>
+                  <a:srgbClr val="FFFFFF"/>
+                </a:highlight>
+                <a:latin typeface="Consolas" charset="0"/>
+              </a:rPr>
+              <a:t>ToList</a:t>
+            </a:r>
+            <a:r>
+              <a:rPr lang="en-US" sz="2000" dirty="0">
+                <a:solidFill>
+                  <a:srgbClr val="000000"/>
+                </a:solidFill>
+                <a:highlight>
+                  <a:srgbClr val="FFFFFF"/>
+                </a:highlight>
+                <a:latin typeface="Consolas" charset="0"/>
+              </a:rPr>
+              <a:t>();                       </a:t>
+            </a:r>
+            <a:r>
+              <a:rPr lang="en-US" sz="2000" dirty="0">
+                <a:solidFill>
+                  <a:srgbClr val="008000"/>
+                </a:solidFill>
+                <a:highlight>
+                  <a:srgbClr val="FFFFFF"/>
+                </a:highlight>
+                <a:latin typeface="Consolas" charset="0"/>
+              </a:rPr>
+              <a:t>// 500 rows returned!</a:t>
+            </a:r>
+            <a:endParaRPr lang="en-US" sz="2000" dirty="0"/>
           </a:p>
         </p:txBody>
       </p:sp>
     </p:spTree>
     <p:extLst>
       <p:ext uri="{BB962C8B-B14F-4D97-AF65-F5344CB8AC3E}">
-        <p14:creationId xmlns:p14="http://schemas.microsoft.com/office/powerpoint/2010/main" val="2008645956"/>
+        <p14:creationId xmlns:p14="http://schemas.microsoft.com/office/powerpoint/2010/main" val="689725691"/>
       </p:ext>
     </p:extLst>
   </p:cSld>
@@ -6671,7 +7979,7 @@
           <a:p>
             <a:r>
               <a:rPr lang="en-US" dirty="0" smtClean="0"/>
-              <a:t>“Big Data”</a:t>
+              <a:t>Cartesian Products</a:t>
             </a:r>
             <a:endParaRPr lang="en-US" dirty="0"/>
           </a:p>
@@ -6697,11 +8005,11 @@
             </a:pPr>
             <a:r>
               <a:rPr lang="en-US" b="1" i="1" dirty="0" smtClean="0"/>
-              <a:t>Don’t</a:t>
+              <a:t>Do</a:t>
             </a:r>
             <a:r>
               <a:rPr lang="en-US" dirty="0" smtClean="0"/>
-              <a:t> return excessive amounts of data.</a:t>
+              <a:t> rewrite to use multiple queries if appropriate.</a:t>
             </a:r>
             <a:endParaRPr lang="en-US" dirty="0"/>
           </a:p>
@@ -6727,13 +8035,532 @@
               <a:t>http://josephdaigle.me</a:t>
             </a:r>
             <a:endParaRPr lang="en-US"/>
+          </a:p>
+        </p:txBody>
+      </p:sp>
+      <p:sp>
+        <p:nvSpPr>
+          <p:cNvPr id="5" name="Rectangle 4"/>
+          <p:cNvSpPr/>
+          <p:nvPr/>
+        </p:nvSpPr>
+        <p:spPr>
+          <a:xfrm>
+            <a:off x="2097881" y="2788028"/>
+            <a:ext cx="7996238" cy="3139321"/>
+          </a:xfrm>
+          <a:prstGeom prst="rect">
+            <a:avLst/>
+          </a:prstGeom>
+        </p:spPr>
+        <p:txBody>
+          <a:bodyPr wrap="square">
+            <a:spAutoFit/>
+          </a:bodyPr>
+          <a:lstStyle/>
+          <a:p>
+            <a:r>
+              <a:rPr lang="en-US" dirty="0" err="1">
+                <a:solidFill>
+                  <a:srgbClr val="000000"/>
+                </a:solidFill>
+                <a:highlight>
+                  <a:srgbClr val="FFFFFF"/>
+                </a:highlight>
+                <a:latin typeface="Consolas" charset="0"/>
+              </a:rPr>
+              <a:t>db.Set</a:t>
+            </a:r>
+            <a:r>
+              <a:rPr lang="en-US" dirty="0">
+                <a:solidFill>
+                  <a:srgbClr val="000000"/>
+                </a:solidFill>
+                <a:highlight>
+                  <a:srgbClr val="FFFFFF"/>
+                </a:highlight>
+                <a:latin typeface="Consolas" charset="0"/>
+              </a:rPr>
+              <a:t>&lt;</a:t>
+            </a:r>
+            <a:r>
+              <a:rPr lang="en-US" dirty="0">
+                <a:solidFill>
+                  <a:srgbClr val="2B91AF"/>
+                </a:solidFill>
+                <a:highlight>
+                  <a:srgbClr val="FFFFFF"/>
+                </a:highlight>
+                <a:latin typeface="Consolas" charset="0"/>
+              </a:rPr>
+              <a:t>Company</a:t>
+            </a:r>
+            <a:r>
+              <a:rPr lang="en-US" dirty="0">
+                <a:solidFill>
+                  <a:srgbClr val="000000"/>
+                </a:solidFill>
+                <a:highlight>
+                  <a:srgbClr val="FFFFFF"/>
+                </a:highlight>
+                <a:latin typeface="Consolas" charset="0"/>
+              </a:rPr>
+              <a:t>&gt;()</a:t>
+            </a:r>
+          </a:p>
+          <a:p>
+            <a:r>
+              <a:rPr lang="en-US" dirty="0">
+                <a:solidFill>
+                  <a:srgbClr val="000000"/>
+                </a:solidFill>
+                <a:highlight>
+                  <a:srgbClr val="FFFFFF"/>
+                </a:highlight>
+                <a:latin typeface="Consolas" charset="0"/>
+              </a:rPr>
+              <a:t>    .Where(c =&gt; </a:t>
+            </a:r>
+            <a:r>
+              <a:rPr lang="en-US" dirty="0" err="1">
+                <a:solidFill>
+                  <a:srgbClr val="000000"/>
+                </a:solidFill>
+                <a:highlight>
+                  <a:srgbClr val="FFFFFF"/>
+                </a:highlight>
+                <a:latin typeface="Consolas" charset="0"/>
+              </a:rPr>
+              <a:t>c.CompanyRegion</a:t>
+            </a:r>
+            <a:r>
+              <a:rPr lang="en-US" dirty="0">
+                <a:solidFill>
+                  <a:srgbClr val="000000"/>
+                </a:solidFill>
+                <a:highlight>
+                  <a:srgbClr val="FFFFFF"/>
+                </a:highlight>
+                <a:latin typeface="Consolas" charset="0"/>
+              </a:rPr>
+              <a:t> = 5)</a:t>
+            </a:r>
+          </a:p>
+          <a:p>
+            <a:r>
+              <a:rPr lang="it-IT" dirty="0">
+                <a:solidFill>
+                  <a:srgbClr val="000000"/>
+                </a:solidFill>
+                <a:highlight>
+                  <a:srgbClr val="FFFFFF"/>
+                </a:highlight>
+                <a:latin typeface="Consolas" charset="0"/>
+              </a:rPr>
+              <a:t>    .</a:t>
+            </a:r>
+            <a:r>
+              <a:rPr lang="it-IT" dirty="0" err="1">
+                <a:solidFill>
+                  <a:srgbClr val="000000"/>
+                </a:solidFill>
+                <a:highlight>
+                  <a:srgbClr val="FFFFFF"/>
+                </a:highlight>
+                <a:latin typeface="Consolas" charset="0"/>
+              </a:rPr>
+              <a:t>ToList</a:t>
+            </a:r>
+            <a:r>
+              <a:rPr lang="it-IT" dirty="0">
+                <a:solidFill>
+                  <a:srgbClr val="000000"/>
+                </a:solidFill>
+                <a:highlight>
+                  <a:srgbClr val="FFFFFF"/>
+                </a:highlight>
+                <a:latin typeface="Consolas" charset="0"/>
+              </a:rPr>
+              <a:t>();</a:t>
+            </a:r>
+          </a:p>
+          <a:p>
+            <a:endParaRPr lang="it-IT" dirty="0">
+              <a:solidFill>
+                <a:srgbClr val="000000"/>
+              </a:solidFill>
+              <a:highlight>
+                <a:srgbClr val="FFFFFF"/>
+              </a:highlight>
+              <a:latin typeface="Consolas" charset="0"/>
+            </a:endParaRPr>
+          </a:p>
+          <a:p>
+            <a:r>
+              <a:rPr lang="it-IT" dirty="0" err="1">
+                <a:solidFill>
+                  <a:srgbClr val="000000"/>
+                </a:solidFill>
+                <a:highlight>
+                  <a:srgbClr val="FFFFFF"/>
+                </a:highlight>
+                <a:latin typeface="Consolas" charset="0"/>
+              </a:rPr>
+              <a:t>db.Set</a:t>
+            </a:r>
+            <a:r>
+              <a:rPr lang="it-IT" dirty="0">
+                <a:solidFill>
+                  <a:srgbClr val="000000"/>
+                </a:solidFill>
+                <a:highlight>
+                  <a:srgbClr val="FFFFFF"/>
+                </a:highlight>
+                <a:latin typeface="Consolas" charset="0"/>
+              </a:rPr>
+              <a:t>&lt;</a:t>
+            </a:r>
+            <a:r>
+              <a:rPr lang="it-IT" dirty="0" err="1">
+                <a:solidFill>
+                  <a:srgbClr val="2B91AF"/>
+                </a:solidFill>
+                <a:highlight>
+                  <a:srgbClr val="FFFFFF"/>
+                </a:highlight>
+                <a:latin typeface="Consolas" charset="0"/>
+              </a:rPr>
+              <a:t>CompanyStaff</a:t>
+            </a:r>
+            <a:r>
+              <a:rPr lang="it-IT" dirty="0">
+                <a:solidFill>
+                  <a:srgbClr val="000000"/>
+                </a:solidFill>
+                <a:highlight>
+                  <a:srgbClr val="FFFFFF"/>
+                </a:highlight>
+                <a:latin typeface="Consolas" charset="0"/>
+              </a:rPr>
+              <a:t>&gt;()</a:t>
+            </a:r>
+          </a:p>
+          <a:p>
+            <a:r>
+              <a:rPr lang="it-IT" dirty="0">
+                <a:solidFill>
+                  <a:srgbClr val="000000"/>
+                </a:solidFill>
+                <a:highlight>
+                  <a:srgbClr val="FFFFFF"/>
+                </a:highlight>
+                <a:latin typeface="Consolas" charset="0"/>
+              </a:rPr>
+              <a:t>    .</a:t>
+            </a:r>
+            <a:r>
+              <a:rPr lang="it-IT" dirty="0" err="1">
+                <a:solidFill>
+                  <a:srgbClr val="000000"/>
+                </a:solidFill>
+                <a:highlight>
+                  <a:srgbClr val="FFFFFF"/>
+                </a:highlight>
+                <a:latin typeface="Consolas" charset="0"/>
+              </a:rPr>
+              <a:t>Where</a:t>
+            </a:r>
+            <a:r>
+              <a:rPr lang="it-IT" dirty="0">
+                <a:solidFill>
+                  <a:srgbClr val="000000"/>
+                </a:solidFill>
+                <a:highlight>
+                  <a:srgbClr val="FFFFFF"/>
+                </a:highlight>
+                <a:latin typeface="Consolas" charset="0"/>
+              </a:rPr>
+              <a:t>(</a:t>
+            </a:r>
+            <a:r>
+              <a:rPr lang="it-IT" dirty="0" err="1">
+                <a:solidFill>
+                  <a:srgbClr val="000000"/>
+                </a:solidFill>
+                <a:highlight>
+                  <a:srgbClr val="FFFFFF"/>
+                </a:highlight>
+                <a:latin typeface="Consolas" charset="0"/>
+              </a:rPr>
+              <a:t>s</a:t>
+            </a:r>
+            <a:r>
+              <a:rPr lang="it-IT" dirty="0">
+                <a:solidFill>
+                  <a:srgbClr val="000000"/>
+                </a:solidFill>
+                <a:highlight>
+                  <a:srgbClr val="FFFFFF"/>
+                </a:highlight>
+                <a:latin typeface="Consolas" charset="0"/>
+              </a:rPr>
+              <a:t> =&gt; </a:t>
+            </a:r>
+            <a:r>
+              <a:rPr lang="it-IT" dirty="0" err="1">
+                <a:solidFill>
+                  <a:srgbClr val="000000"/>
+                </a:solidFill>
+                <a:highlight>
+                  <a:srgbClr val="FFFFFF"/>
+                </a:highlight>
+                <a:latin typeface="Consolas" charset="0"/>
+              </a:rPr>
+              <a:t>s.Company.Region</a:t>
+            </a:r>
+            <a:r>
+              <a:rPr lang="it-IT" dirty="0">
+                <a:solidFill>
+                  <a:srgbClr val="000000"/>
+                </a:solidFill>
+                <a:highlight>
+                  <a:srgbClr val="FFFFFF"/>
+                </a:highlight>
+                <a:latin typeface="Consolas" charset="0"/>
+              </a:rPr>
+              <a:t> = 5)</a:t>
+            </a:r>
+          </a:p>
+          <a:p>
+            <a:r>
+              <a:rPr lang="it-IT" dirty="0">
+                <a:solidFill>
+                  <a:srgbClr val="000000"/>
+                </a:solidFill>
+                <a:highlight>
+                  <a:srgbClr val="FFFFFF"/>
+                </a:highlight>
+                <a:latin typeface="Consolas" charset="0"/>
+              </a:rPr>
+              <a:t>    .</a:t>
+            </a:r>
+            <a:r>
+              <a:rPr lang="it-IT" dirty="0" err="1">
+                <a:solidFill>
+                  <a:srgbClr val="000000"/>
+                </a:solidFill>
+                <a:highlight>
+                  <a:srgbClr val="FFFFFF"/>
+                </a:highlight>
+                <a:latin typeface="Consolas" charset="0"/>
+              </a:rPr>
+              <a:t>ToList</a:t>
+            </a:r>
+            <a:r>
+              <a:rPr lang="it-IT" dirty="0">
+                <a:solidFill>
+                  <a:srgbClr val="000000"/>
+                </a:solidFill>
+                <a:highlight>
+                  <a:srgbClr val="FFFFFF"/>
+                </a:highlight>
+                <a:latin typeface="Consolas" charset="0"/>
+              </a:rPr>
+              <a:t>();</a:t>
+            </a:r>
+          </a:p>
+          <a:p>
+            <a:endParaRPr lang="it-IT" dirty="0">
+              <a:solidFill>
+                <a:srgbClr val="000000"/>
+              </a:solidFill>
+              <a:highlight>
+                <a:srgbClr val="FFFFFF"/>
+              </a:highlight>
+              <a:latin typeface="Consolas" charset="0"/>
+            </a:endParaRPr>
+          </a:p>
+          <a:p>
+            <a:r>
+              <a:rPr lang="it-IT" dirty="0" err="1">
+                <a:solidFill>
+                  <a:srgbClr val="000000"/>
+                </a:solidFill>
+                <a:highlight>
+                  <a:srgbClr val="FFFFFF"/>
+                </a:highlight>
+                <a:latin typeface="Consolas" charset="0"/>
+              </a:rPr>
+              <a:t>db.Set</a:t>
+            </a:r>
+            <a:r>
+              <a:rPr lang="it-IT" dirty="0">
+                <a:solidFill>
+                  <a:srgbClr val="000000"/>
+                </a:solidFill>
+                <a:highlight>
+                  <a:srgbClr val="FFFFFF"/>
+                </a:highlight>
+                <a:latin typeface="Consolas" charset="0"/>
+              </a:rPr>
+              <a:t>&lt;</a:t>
+            </a:r>
+            <a:r>
+              <a:rPr lang="it-IT" dirty="0" err="1">
+                <a:solidFill>
+                  <a:srgbClr val="2B91AF"/>
+                </a:solidFill>
+                <a:highlight>
+                  <a:srgbClr val="FFFFFF"/>
+                </a:highlight>
+                <a:latin typeface="Consolas" charset="0"/>
+              </a:rPr>
+              <a:t>UserProfile</a:t>
+            </a:r>
+            <a:r>
+              <a:rPr lang="it-IT" dirty="0">
+                <a:solidFill>
+                  <a:srgbClr val="000000"/>
+                </a:solidFill>
+                <a:highlight>
+                  <a:srgbClr val="FFFFFF"/>
+                </a:highlight>
+                <a:latin typeface="Consolas" charset="0"/>
+              </a:rPr>
+              <a:t>&gt;()</a:t>
+            </a:r>
+          </a:p>
+          <a:p>
+            <a:r>
+              <a:rPr lang="it-IT" dirty="0">
+                <a:solidFill>
+                  <a:srgbClr val="000000"/>
+                </a:solidFill>
+                <a:highlight>
+                  <a:srgbClr val="FFFFFF"/>
+                </a:highlight>
+                <a:latin typeface="Consolas" charset="0"/>
+              </a:rPr>
+              <a:t>    .</a:t>
+            </a:r>
+            <a:r>
+              <a:rPr lang="it-IT" dirty="0" err="1">
+                <a:solidFill>
+                  <a:srgbClr val="000000"/>
+                </a:solidFill>
+                <a:highlight>
+                  <a:srgbClr val="FFFFFF"/>
+                </a:highlight>
+                <a:latin typeface="Consolas" charset="0"/>
+              </a:rPr>
+              <a:t>Where</a:t>
+            </a:r>
+            <a:r>
+              <a:rPr lang="it-IT" dirty="0">
+                <a:solidFill>
+                  <a:srgbClr val="000000"/>
+                </a:solidFill>
+                <a:highlight>
+                  <a:srgbClr val="FFFFFF"/>
+                </a:highlight>
+                <a:latin typeface="Consolas" charset="0"/>
+              </a:rPr>
+              <a:t>(</a:t>
+            </a:r>
+            <a:r>
+              <a:rPr lang="it-IT" dirty="0" err="1">
+                <a:solidFill>
+                  <a:srgbClr val="000000"/>
+                </a:solidFill>
+                <a:highlight>
+                  <a:srgbClr val="FFFFFF"/>
+                </a:highlight>
+                <a:latin typeface="Consolas" charset="0"/>
+              </a:rPr>
+              <a:t>s</a:t>
+            </a:r>
+            <a:r>
+              <a:rPr lang="it-IT" dirty="0">
+                <a:solidFill>
+                  <a:srgbClr val="000000"/>
+                </a:solidFill>
+                <a:highlight>
+                  <a:srgbClr val="FFFFFF"/>
+                </a:highlight>
+                <a:latin typeface="Consolas" charset="0"/>
+              </a:rPr>
+              <a:t> =&gt; </a:t>
+            </a:r>
+            <a:r>
+              <a:rPr lang="it-IT" dirty="0" err="1">
+                <a:solidFill>
+                  <a:srgbClr val="000000"/>
+                </a:solidFill>
+                <a:highlight>
+                  <a:srgbClr val="FFFFFF"/>
+                </a:highlight>
+                <a:latin typeface="Consolas" charset="0"/>
+              </a:rPr>
+              <a:t>s.Company.Region</a:t>
+            </a:r>
+            <a:r>
+              <a:rPr lang="it-IT" dirty="0">
+                <a:solidFill>
+                  <a:srgbClr val="000000"/>
+                </a:solidFill>
+                <a:highlight>
+                  <a:srgbClr val="FFFFFF"/>
+                </a:highlight>
+                <a:latin typeface="Consolas" charset="0"/>
+              </a:rPr>
+              <a:t> = 5)</a:t>
+            </a:r>
+          </a:p>
+          <a:p>
+            <a:r>
+              <a:rPr lang="it-IT" dirty="0">
+                <a:solidFill>
+                  <a:srgbClr val="000000"/>
+                </a:solidFill>
+                <a:highlight>
+                  <a:srgbClr val="FFFFFF"/>
+                </a:highlight>
+                <a:latin typeface="Consolas" charset="0"/>
+              </a:rPr>
+              <a:t>    .</a:t>
+            </a:r>
+            <a:r>
+              <a:rPr lang="it-IT" dirty="0" err="1">
+                <a:solidFill>
+                  <a:srgbClr val="000000"/>
+                </a:solidFill>
+                <a:highlight>
+                  <a:srgbClr val="FFFFFF"/>
+                </a:highlight>
+                <a:latin typeface="Consolas" charset="0"/>
+              </a:rPr>
+              <a:t>ToList</a:t>
+            </a:r>
+            <a:r>
+              <a:rPr lang="it-IT" dirty="0">
+                <a:solidFill>
+                  <a:srgbClr val="000000"/>
+                </a:solidFill>
+                <a:highlight>
+                  <a:srgbClr val="FFFFFF"/>
+                </a:highlight>
+                <a:latin typeface="Consolas" charset="0"/>
+              </a:rPr>
+              <a:t>();</a:t>
+            </a:r>
+            <a:endParaRPr lang="en-US" dirty="0"/>
           </a:p>
         </p:txBody>
       </p:sp>
     </p:spTree>
     <p:extLst>
       <p:ext uri="{BB962C8B-B14F-4D97-AF65-F5344CB8AC3E}">
-        <p14:creationId xmlns:p14="http://schemas.microsoft.com/office/powerpoint/2010/main" val="1021338940"/>
+        <p14:creationId xmlns:p14="http://schemas.microsoft.com/office/powerpoint/2010/main" val="2008645956"/>
       </p:ext>
     </p:extLst>
   </p:cSld>
@@ -6810,11 +8637,11 @@
             </a:pPr>
             <a:r>
               <a:rPr lang="en-US" b="1" i="1" dirty="0" smtClean="0"/>
-              <a:t>Do</a:t>
+              <a:t>Don’t</a:t>
             </a:r>
             <a:r>
               <a:rPr lang="en-US" dirty="0" smtClean="0"/>
-              <a:t> use projections and DTOs.</a:t>
+              <a:t> return excessive amounts of data.</a:t>
             </a:r>
             <a:endParaRPr lang="en-US" dirty="0"/>
           </a:p>
@@ -6840,13 +8667,532 @@
               <a:t>http://josephdaigle.me</a:t>
             </a:r>
             <a:endParaRPr lang="en-US"/>
+          </a:p>
+        </p:txBody>
+      </p:sp>
+      <p:sp>
+        <p:nvSpPr>
+          <p:cNvPr id="5" name="Rectangle 4"/>
+          <p:cNvSpPr/>
+          <p:nvPr/>
+        </p:nvSpPr>
+        <p:spPr>
+          <a:xfrm>
+            <a:off x="2097881" y="2788028"/>
+            <a:ext cx="7996238" cy="3139321"/>
+          </a:xfrm>
+          <a:prstGeom prst="rect">
+            <a:avLst/>
+          </a:prstGeom>
+        </p:spPr>
+        <p:txBody>
+          <a:bodyPr wrap="square">
+            <a:spAutoFit/>
+          </a:bodyPr>
+          <a:lstStyle/>
+          <a:p>
+            <a:r>
+              <a:rPr lang="en-US" dirty="0" err="1">
+                <a:solidFill>
+                  <a:srgbClr val="000000"/>
+                </a:solidFill>
+                <a:highlight>
+                  <a:srgbClr val="FFFFFF"/>
+                </a:highlight>
+                <a:latin typeface="Consolas" charset="0"/>
+              </a:rPr>
+              <a:t>db.Set</a:t>
+            </a:r>
+            <a:r>
+              <a:rPr lang="en-US" dirty="0">
+                <a:solidFill>
+                  <a:srgbClr val="000000"/>
+                </a:solidFill>
+                <a:highlight>
+                  <a:srgbClr val="FFFFFF"/>
+                </a:highlight>
+                <a:latin typeface="Consolas" charset="0"/>
+              </a:rPr>
+              <a:t>&lt;</a:t>
+            </a:r>
+            <a:r>
+              <a:rPr lang="en-US" dirty="0">
+                <a:solidFill>
+                  <a:srgbClr val="2B91AF"/>
+                </a:solidFill>
+                <a:highlight>
+                  <a:srgbClr val="FFFFFF"/>
+                </a:highlight>
+                <a:latin typeface="Consolas" charset="0"/>
+              </a:rPr>
+              <a:t>Company</a:t>
+            </a:r>
+            <a:r>
+              <a:rPr lang="en-US" dirty="0">
+                <a:solidFill>
+                  <a:srgbClr val="000000"/>
+                </a:solidFill>
+                <a:highlight>
+                  <a:srgbClr val="FFFFFF"/>
+                </a:highlight>
+                <a:latin typeface="Consolas" charset="0"/>
+              </a:rPr>
+              <a:t>&gt;()</a:t>
+            </a:r>
+          </a:p>
+          <a:p>
+            <a:r>
+              <a:rPr lang="en-US" dirty="0">
+                <a:solidFill>
+                  <a:srgbClr val="000000"/>
+                </a:solidFill>
+                <a:highlight>
+                  <a:srgbClr val="FFFFFF"/>
+                </a:highlight>
+                <a:latin typeface="Consolas" charset="0"/>
+              </a:rPr>
+              <a:t>    .Where(c =&gt; </a:t>
+            </a:r>
+            <a:r>
+              <a:rPr lang="en-US" dirty="0" err="1">
+                <a:solidFill>
+                  <a:srgbClr val="000000"/>
+                </a:solidFill>
+                <a:highlight>
+                  <a:srgbClr val="FFFFFF"/>
+                </a:highlight>
+                <a:latin typeface="Consolas" charset="0"/>
+              </a:rPr>
+              <a:t>c.CompanyRegion</a:t>
+            </a:r>
+            <a:r>
+              <a:rPr lang="en-US" dirty="0">
+                <a:solidFill>
+                  <a:srgbClr val="000000"/>
+                </a:solidFill>
+                <a:highlight>
+                  <a:srgbClr val="FFFFFF"/>
+                </a:highlight>
+                <a:latin typeface="Consolas" charset="0"/>
+              </a:rPr>
+              <a:t> = 5)</a:t>
+            </a:r>
+          </a:p>
+          <a:p>
+            <a:r>
+              <a:rPr lang="it-IT" dirty="0">
+                <a:solidFill>
+                  <a:srgbClr val="000000"/>
+                </a:solidFill>
+                <a:highlight>
+                  <a:srgbClr val="FFFFFF"/>
+                </a:highlight>
+                <a:latin typeface="Consolas" charset="0"/>
+              </a:rPr>
+              <a:t>    .</a:t>
+            </a:r>
+            <a:r>
+              <a:rPr lang="it-IT" dirty="0" err="1">
+                <a:solidFill>
+                  <a:srgbClr val="000000"/>
+                </a:solidFill>
+                <a:highlight>
+                  <a:srgbClr val="FFFFFF"/>
+                </a:highlight>
+                <a:latin typeface="Consolas" charset="0"/>
+              </a:rPr>
+              <a:t>ToList</a:t>
+            </a:r>
+            <a:r>
+              <a:rPr lang="it-IT" dirty="0">
+                <a:solidFill>
+                  <a:srgbClr val="000000"/>
+                </a:solidFill>
+                <a:highlight>
+                  <a:srgbClr val="FFFFFF"/>
+                </a:highlight>
+                <a:latin typeface="Consolas" charset="0"/>
+              </a:rPr>
+              <a:t>();</a:t>
+            </a:r>
+          </a:p>
+          <a:p>
+            <a:endParaRPr lang="it-IT" dirty="0">
+              <a:solidFill>
+                <a:srgbClr val="000000"/>
+              </a:solidFill>
+              <a:highlight>
+                <a:srgbClr val="FFFFFF"/>
+              </a:highlight>
+              <a:latin typeface="Consolas" charset="0"/>
+            </a:endParaRPr>
+          </a:p>
+          <a:p>
+            <a:r>
+              <a:rPr lang="it-IT" dirty="0" err="1">
+                <a:solidFill>
+                  <a:srgbClr val="000000"/>
+                </a:solidFill>
+                <a:highlight>
+                  <a:srgbClr val="FFFFFF"/>
+                </a:highlight>
+                <a:latin typeface="Consolas" charset="0"/>
+              </a:rPr>
+              <a:t>db.Set</a:t>
+            </a:r>
+            <a:r>
+              <a:rPr lang="it-IT" dirty="0">
+                <a:solidFill>
+                  <a:srgbClr val="000000"/>
+                </a:solidFill>
+                <a:highlight>
+                  <a:srgbClr val="FFFFFF"/>
+                </a:highlight>
+                <a:latin typeface="Consolas" charset="0"/>
+              </a:rPr>
+              <a:t>&lt;</a:t>
+            </a:r>
+            <a:r>
+              <a:rPr lang="it-IT" dirty="0" err="1">
+                <a:solidFill>
+                  <a:srgbClr val="2B91AF"/>
+                </a:solidFill>
+                <a:highlight>
+                  <a:srgbClr val="FFFFFF"/>
+                </a:highlight>
+                <a:latin typeface="Consolas" charset="0"/>
+              </a:rPr>
+              <a:t>CompanyStaff</a:t>
+            </a:r>
+            <a:r>
+              <a:rPr lang="it-IT" dirty="0">
+                <a:solidFill>
+                  <a:srgbClr val="000000"/>
+                </a:solidFill>
+                <a:highlight>
+                  <a:srgbClr val="FFFFFF"/>
+                </a:highlight>
+                <a:latin typeface="Consolas" charset="0"/>
+              </a:rPr>
+              <a:t>&gt;()</a:t>
+            </a:r>
+          </a:p>
+          <a:p>
+            <a:r>
+              <a:rPr lang="it-IT" dirty="0">
+                <a:solidFill>
+                  <a:srgbClr val="000000"/>
+                </a:solidFill>
+                <a:highlight>
+                  <a:srgbClr val="FFFFFF"/>
+                </a:highlight>
+                <a:latin typeface="Consolas" charset="0"/>
+              </a:rPr>
+              <a:t>    .</a:t>
+            </a:r>
+            <a:r>
+              <a:rPr lang="it-IT" dirty="0" err="1">
+                <a:solidFill>
+                  <a:srgbClr val="000000"/>
+                </a:solidFill>
+                <a:highlight>
+                  <a:srgbClr val="FFFFFF"/>
+                </a:highlight>
+                <a:latin typeface="Consolas" charset="0"/>
+              </a:rPr>
+              <a:t>Where</a:t>
+            </a:r>
+            <a:r>
+              <a:rPr lang="it-IT" dirty="0">
+                <a:solidFill>
+                  <a:srgbClr val="000000"/>
+                </a:solidFill>
+                <a:highlight>
+                  <a:srgbClr val="FFFFFF"/>
+                </a:highlight>
+                <a:latin typeface="Consolas" charset="0"/>
+              </a:rPr>
+              <a:t>(</a:t>
+            </a:r>
+            <a:r>
+              <a:rPr lang="it-IT" dirty="0" err="1">
+                <a:solidFill>
+                  <a:srgbClr val="000000"/>
+                </a:solidFill>
+                <a:highlight>
+                  <a:srgbClr val="FFFFFF"/>
+                </a:highlight>
+                <a:latin typeface="Consolas" charset="0"/>
+              </a:rPr>
+              <a:t>s</a:t>
+            </a:r>
+            <a:r>
+              <a:rPr lang="it-IT" dirty="0">
+                <a:solidFill>
+                  <a:srgbClr val="000000"/>
+                </a:solidFill>
+                <a:highlight>
+                  <a:srgbClr val="FFFFFF"/>
+                </a:highlight>
+                <a:latin typeface="Consolas" charset="0"/>
+              </a:rPr>
+              <a:t> =&gt; </a:t>
+            </a:r>
+            <a:r>
+              <a:rPr lang="it-IT" dirty="0" err="1">
+                <a:solidFill>
+                  <a:srgbClr val="000000"/>
+                </a:solidFill>
+                <a:highlight>
+                  <a:srgbClr val="FFFFFF"/>
+                </a:highlight>
+                <a:latin typeface="Consolas" charset="0"/>
+              </a:rPr>
+              <a:t>s.Company.Region</a:t>
+            </a:r>
+            <a:r>
+              <a:rPr lang="it-IT" dirty="0">
+                <a:solidFill>
+                  <a:srgbClr val="000000"/>
+                </a:solidFill>
+                <a:highlight>
+                  <a:srgbClr val="FFFFFF"/>
+                </a:highlight>
+                <a:latin typeface="Consolas" charset="0"/>
+              </a:rPr>
+              <a:t> = 5)</a:t>
+            </a:r>
+          </a:p>
+          <a:p>
+            <a:r>
+              <a:rPr lang="it-IT" dirty="0">
+                <a:solidFill>
+                  <a:srgbClr val="000000"/>
+                </a:solidFill>
+                <a:highlight>
+                  <a:srgbClr val="FFFFFF"/>
+                </a:highlight>
+                <a:latin typeface="Consolas" charset="0"/>
+              </a:rPr>
+              <a:t>    .</a:t>
+            </a:r>
+            <a:r>
+              <a:rPr lang="it-IT" dirty="0" err="1">
+                <a:solidFill>
+                  <a:srgbClr val="000000"/>
+                </a:solidFill>
+                <a:highlight>
+                  <a:srgbClr val="FFFFFF"/>
+                </a:highlight>
+                <a:latin typeface="Consolas" charset="0"/>
+              </a:rPr>
+              <a:t>ToList</a:t>
+            </a:r>
+            <a:r>
+              <a:rPr lang="it-IT" dirty="0">
+                <a:solidFill>
+                  <a:srgbClr val="000000"/>
+                </a:solidFill>
+                <a:highlight>
+                  <a:srgbClr val="FFFFFF"/>
+                </a:highlight>
+                <a:latin typeface="Consolas" charset="0"/>
+              </a:rPr>
+              <a:t>();</a:t>
+            </a:r>
+          </a:p>
+          <a:p>
+            <a:endParaRPr lang="it-IT" dirty="0">
+              <a:solidFill>
+                <a:srgbClr val="000000"/>
+              </a:solidFill>
+              <a:highlight>
+                <a:srgbClr val="FFFFFF"/>
+              </a:highlight>
+              <a:latin typeface="Consolas" charset="0"/>
+            </a:endParaRPr>
+          </a:p>
+          <a:p>
+            <a:r>
+              <a:rPr lang="it-IT" dirty="0" err="1">
+                <a:solidFill>
+                  <a:srgbClr val="000000"/>
+                </a:solidFill>
+                <a:highlight>
+                  <a:srgbClr val="FFFFFF"/>
+                </a:highlight>
+                <a:latin typeface="Consolas" charset="0"/>
+              </a:rPr>
+              <a:t>db.Set</a:t>
+            </a:r>
+            <a:r>
+              <a:rPr lang="it-IT" dirty="0">
+                <a:solidFill>
+                  <a:srgbClr val="000000"/>
+                </a:solidFill>
+                <a:highlight>
+                  <a:srgbClr val="FFFFFF"/>
+                </a:highlight>
+                <a:latin typeface="Consolas" charset="0"/>
+              </a:rPr>
+              <a:t>&lt;</a:t>
+            </a:r>
+            <a:r>
+              <a:rPr lang="it-IT" dirty="0" err="1">
+                <a:solidFill>
+                  <a:srgbClr val="2B91AF"/>
+                </a:solidFill>
+                <a:highlight>
+                  <a:srgbClr val="FFFFFF"/>
+                </a:highlight>
+                <a:latin typeface="Consolas" charset="0"/>
+              </a:rPr>
+              <a:t>UserProfile</a:t>
+            </a:r>
+            <a:r>
+              <a:rPr lang="it-IT" dirty="0">
+                <a:solidFill>
+                  <a:srgbClr val="000000"/>
+                </a:solidFill>
+                <a:highlight>
+                  <a:srgbClr val="FFFFFF"/>
+                </a:highlight>
+                <a:latin typeface="Consolas" charset="0"/>
+              </a:rPr>
+              <a:t>&gt;()</a:t>
+            </a:r>
+          </a:p>
+          <a:p>
+            <a:r>
+              <a:rPr lang="it-IT" dirty="0">
+                <a:solidFill>
+                  <a:srgbClr val="000000"/>
+                </a:solidFill>
+                <a:highlight>
+                  <a:srgbClr val="FFFFFF"/>
+                </a:highlight>
+                <a:latin typeface="Consolas" charset="0"/>
+              </a:rPr>
+              <a:t>    .</a:t>
+            </a:r>
+            <a:r>
+              <a:rPr lang="it-IT" dirty="0" err="1">
+                <a:solidFill>
+                  <a:srgbClr val="000000"/>
+                </a:solidFill>
+                <a:highlight>
+                  <a:srgbClr val="FFFFFF"/>
+                </a:highlight>
+                <a:latin typeface="Consolas" charset="0"/>
+              </a:rPr>
+              <a:t>Where</a:t>
+            </a:r>
+            <a:r>
+              <a:rPr lang="it-IT" dirty="0">
+                <a:solidFill>
+                  <a:srgbClr val="000000"/>
+                </a:solidFill>
+                <a:highlight>
+                  <a:srgbClr val="FFFFFF"/>
+                </a:highlight>
+                <a:latin typeface="Consolas" charset="0"/>
+              </a:rPr>
+              <a:t>(</a:t>
+            </a:r>
+            <a:r>
+              <a:rPr lang="it-IT" dirty="0" err="1">
+                <a:solidFill>
+                  <a:srgbClr val="000000"/>
+                </a:solidFill>
+                <a:highlight>
+                  <a:srgbClr val="FFFFFF"/>
+                </a:highlight>
+                <a:latin typeface="Consolas" charset="0"/>
+              </a:rPr>
+              <a:t>s</a:t>
+            </a:r>
+            <a:r>
+              <a:rPr lang="it-IT" dirty="0">
+                <a:solidFill>
+                  <a:srgbClr val="000000"/>
+                </a:solidFill>
+                <a:highlight>
+                  <a:srgbClr val="FFFFFF"/>
+                </a:highlight>
+                <a:latin typeface="Consolas" charset="0"/>
+              </a:rPr>
+              <a:t> =&gt; </a:t>
+            </a:r>
+            <a:r>
+              <a:rPr lang="it-IT" dirty="0" err="1">
+                <a:solidFill>
+                  <a:srgbClr val="000000"/>
+                </a:solidFill>
+                <a:highlight>
+                  <a:srgbClr val="FFFFFF"/>
+                </a:highlight>
+                <a:latin typeface="Consolas" charset="0"/>
+              </a:rPr>
+              <a:t>s.Company.Region</a:t>
+            </a:r>
+            <a:r>
+              <a:rPr lang="it-IT" dirty="0">
+                <a:solidFill>
+                  <a:srgbClr val="000000"/>
+                </a:solidFill>
+                <a:highlight>
+                  <a:srgbClr val="FFFFFF"/>
+                </a:highlight>
+                <a:latin typeface="Consolas" charset="0"/>
+              </a:rPr>
+              <a:t> = 5)</a:t>
+            </a:r>
+          </a:p>
+          <a:p>
+            <a:r>
+              <a:rPr lang="it-IT" dirty="0">
+                <a:solidFill>
+                  <a:srgbClr val="000000"/>
+                </a:solidFill>
+                <a:highlight>
+                  <a:srgbClr val="FFFFFF"/>
+                </a:highlight>
+                <a:latin typeface="Consolas" charset="0"/>
+              </a:rPr>
+              <a:t>    .</a:t>
+            </a:r>
+            <a:r>
+              <a:rPr lang="it-IT" dirty="0" err="1">
+                <a:solidFill>
+                  <a:srgbClr val="000000"/>
+                </a:solidFill>
+                <a:highlight>
+                  <a:srgbClr val="FFFFFF"/>
+                </a:highlight>
+                <a:latin typeface="Consolas" charset="0"/>
+              </a:rPr>
+              <a:t>ToList</a:t>
+            </a:r>
+            <a:r>
+              <a:rPr lang="it-IT" dirty="0">
+                <a:solidFill>
+                  <a:srgbClr val="000000"/>
+                </a:solidFill>
+                <a:highlight>
+                  <a:srgbClr val="FFFFFF"/>
+                </a:highlight>
+                <a:latin typeface="Consolas" charset="0"/>
+              </a:rPr>
+              <a:t>();</a:t>
+            </a:r>
+            <a:endParaRPr lang="en-US" dirty="0"/>
           </a:p>
         </p:txBody>
       </p:sp>
     </p:spTree>
     <p:extLst>
       <p:ext uri="{BB962C8B-B14F-4D97-AF65-F5344CB8AC3E}">
-        <p14:creationId xmlns:p14="http://schemas.microsoft.com/office/powerpoint/2010/main" val="1175838181"/>
+        <p14:creationId xmlns:p14="http://schemas.microsoft.com/office/powerpoint/2010/main" val="1021338940"/>
       </p:ext>
     </p:extLst>
   </p:cSld>
@@ -6897,7 +9243,7 @@
           <a:p>
             <a:r>
               <a:rPr lang="en-US" dirty="0" smtClean="0"/>
-              <a:t>Spare the Network</a:t>
+              <a:t>“Big Data”</a:t>
             </a:r>
             <a:endParaRPr lang="en-US" dirty="0"/>
           </a:p>
@@ -6923,11 +9269,11 @@
             </a:pPr>
             <a:r>
               <a:rPr lang="en-US" b="1" i="1" dirty="0" smtClean="0"/>
-              <a:t>Don’t</a:t>
+              <a:t>Do</a:t>
             </a:r>
             <a:r>
               <a:rPr lang="en-US" dirty="0" smtClean="0"/>
-              <a:t> execute more round-trips than you need.</a:t>
+              <a:t> use projections and DTOs.</a:t>
             </a:r>
             <a:endParaRPr lang="en-US" dirty="0"/>
           </a:p>
@@ -6959,7 +9305,7 @@
     </p:spTree>
     <p:extLst>
       <p:ext uri="{BB962C8B-B14F-4D97-AF65-F5344CB8AC3E}">
-        <p14:creationId xmlns:p14="http://schemas.microsoft.com/office/powerpoint/2010/main" val="1531582234"/>
+        <p14:creationId xmlns:p14="http://schemas.microsoft.com/office/powerpoint/2010/main" val="1175838181"/>
       </p:ext>
     </p:extLst>
   </p:cSld>
@@ -7036,11 +9382,11 @@
             </a:pPr>
             <a:r>
               <a:rPr lang="en-US" b="1" i="1" dirty="0" smtClean="0"/>
-              <a:t>Do</a:t>
+              <a:t>Don’t</a:t>
             </a:r>
             <a:r>
               <a:rPr lang="en-US" dirty="0" smtClean="0"/>
-              <a:t> batch your queries.</a:t>
+              <a:t> execute more round-trips than you need.</a:t>
             </a:r>
             <a:endParaRPr lang="en-US" dirty="0"/>
           </a:p>
@@ -7066,13 +9412,532 @@
               <a:t>http://josephdaigle.me</a:t>
             </a:r>
             <a:endParaRPr lang="en-US"/>
+          </a:p>
+        </p:txBody>
+      </p:sp>
+      <p:sp>
+        <p:nvSpPr>
+          <p:cNvPr id="5" name="Rectangle 4"/>
+          <p:cNvSpPr/>
+          <p:nvPr/>
+        </p:nvSpPr>
+        <p:spPr>
+          <a:xfrm>
+            <a:off x="2097881" y="2431633"/>
+            <a:ext cx="7996238" cy="3139321"/>
+          </a:xfrm>
+          <a:prstGeom prst="rect">
+            <a:avLst/>
+          </a:prstGeom>
+        </p:spPr>
+        <p:txBody>
+          <a:bodyPr wrap="square">
+            <a:spAutoFit/>
+          </a:bodyPr>
+          <a:lstStyle/>
+          <a:p>
+            <a:r>
+              <a:rPr lang="en-US" dirty="0" err="1">
+                <a:solidFill>
+                  <a:srgbClr val="000000"/>
+                </a:solidFill>
+                <a:highlight>
+                  <a:srgbClr val="FFFFFF"/>
+                </a:highlight>
+                <a:latin typeface="Consolas" charset="0"/>
+              </a:rPr>
+              <a:t>db.Set</a:t>
+            </a:r>
+            <a:r>
+              <a:rPr lang="en-US" dirty="0">
+                <a:solidFill>
+                  <a:srgbClr val="000000"/>
+                </a:solidFill>
+                <a:highlight>
+                  <a:srgbClr val="FFFFFF"/>
+                </a:highlight>
+                <a:latin typeface="Consolas" charset="0"/>
+              </a:rPr>
+              <a:t>&lt;</a:t>
+            </a:r>
+            <a:r>
+              <a:rPr lang="en-US" dirty="0">
+                <a:solidFill>
+                  <a:srgbClr val="2B91AF"/>
+                </a:solidFill>
+                <a:highlight>
+                  <a:srgbClr val="FFFFFF"/>
+                </a:highlight>
+                <a:latin typeface="Consolas" charset="0"/>
+              </a:rPr>
+              <a:t>Company</a:t>
+            </a:r>
+            <a:r>
+              <a:rPr lang="en-US" dirty="0">
+                <a:solidFill>
+                  <a:srgbClr val="000000"/>
+                </a:solidFill>
+                <a:highlight>
+                  <a:srgbClr val="FFFFFF"/>
+                </a:highlight>
+                <a:latin typeface="Consolas" charset="0"/>
+              </a:rPr>
+              <a:t>&gt;()</a:t>
+            </a:r>
+          </a:p>
+          <a:p>
+            <a:r>
+              <a:rPr lang="en-US" dirty="0">
+                <a:solidFill>
+                  <a:srgbClr val="000000"/>
+                </a:solidFill>
+                <a:highlight>
+                  <a:srgbClr val="FFFFFF"/>
+                </a:highlight>
+                <a:latin typeface="Consolas" charset="0"/>
+              </a:rPr>
+              <a:t>    .Where(c =&gt; </a:t>
+            </a:r>
+            <a:r>
+              <a:rPr lang="en-US" dirty="0" err="1">
+                <a:solidFill>
+                  <a:srgbClr val="000000"/>
+                </a:solidFill>
+                <a:highlight>
+                  <a:srgbClr val="FFFFFF"/>
+                </a:highlight>
+                <a:latin typeface="Consolas" charset="0"/>
+              </a:rPr>
+              <a:t>c.CompanyRegion</a:t>
+            </a:r>
+            <a:r>
+              <a:rPr lang="en-US" dirty="0">
+                <a:solidFill>
+                  <a:srgbClr val="000000"/>
+                </a:solidFill>
+                <a:highlight>
+                  <a:srgbClr val="FFFFFF"/>
+                </a:highlight>
+                <a:latin typeface="Consolas" charset="0"/>
+              </a:rPr>
+              <a:t> = 5)</a:t>
+            </a:r>
+          </a:p>
+          <a:p>
+            <a:r>
+              <a:rPr lang="it-IT" dirty="0">
+                <a:solidFill>
+                  <a:srgbClr val="000000"/>
+                </a:solidFill>
+                <a:highlight>
+                  <a:srgbClr val="FFFFFF"/>
+                </a:highlight>
+                <a:latin typeface="Consolas" charset="0"/>
+              </a:rPr>
+              <a:t>    .</a:t>
+            </a:r>
+            <a:r>
+              <a:rPr lang="it-IT" dirty="0" err="1">
+                <a:solidFill>
+                  <a:srgbClr val="000000"/>
+                </a:solidFill>
+                <a:highlight>
+                  <a:srgbClr val="FFFFFF"/>
+                </a:highlight>
+                <a:latin typeface="Consolas" charset="0"/>
+              </a:rPr>
+              <a:t>ToList</a:t>
+            </a:r>
+            <a:r>
+              <a:rPr lang="it-IT" dirty="0">
+                <a:solidFill>
+                  <a:srgbClr val="000000"/>
+                </a:solidFill>
+                <a:highlight>
+                  <a:srgbClr val="FFFFFF"/>
+                </a:highlight>
+                <a:latin typeface="Consolas" charset="0"/>
+              </a:rPr>
+              <a:t>();</a:t>
+            </a:r>
+          </a:p>
+          <a:p>
+            <a:endParaRPr lang="it-IT" dirty="0">
+              <a:solidFill>
+                <a:srgbClr val="000000"/>
+              </a:solidFill>
+              <a:highlight>
+                <a:srgbClr val="FFFFFF"/>
+              </a:highlight>
+              <a:latin typeface="Consolas" charset="0"/>
+            </a:endParaRPr>
+          </a:p>
+          <a:p>
+            <a:r>
+              <a:rPr lang="it-IT" dirty="0" err="1">
+                <a:solidFill>
+                  <a:srgbClr val="000000"/>
+                </a:solidFill>
+                <a:highlight>
+                  <a:srgbClr val="FFFFFF"/>
+                </a:highlight>
+                <a:latin typeface="Consolas" charset="0"/>
+              </a:rPr>
+              <a:t>db.Set</a:t>
+            </a:r>
+            <a:r>
+              <a:rPr lang="it-IT" dirty="0">
+                <a:solidFill>
+                  <a:srgbClr val="000000"/>
+                </a:solidFill>
+                <a:highlight>
+                  <a:srgbClr val="FFFFFF"/>
+                </a:highlight>
+                <a:latin typeface="Consolas" charset="0"/>
+              </a:rPr>
+              <a:t>&lt;</a:t>
+            </a:r>
+            <a:r>
+              <a:rPr lang="it-IT" dirty="0" err="1">
+                <a:solidFill>
+                  <a:srgbClr val="2B91AF"/>
+                </a:solidFill>
+                <a:highlight>
+                  <a:srgbClr val="FFFFFF"/>
+                </a:highlight>
+                <a:latin typeface="Consolas" charset="0"/>
+              </a:rPr>
+              <a:t>CompanyStaff</a:t>
+            </a:r>
+            <a:r>
+              <a:rPr lang="it-IT" dirty="0">
+                <a:solidFill>
+                  <a:srgbClr val="000000"/>
+                </a:solidFill>
+                <a:highlight>
+                  <a:srgbClr val="FFFFFF"/>
+                </a:highlight>
+                <a:latin typeface="Consolas" charset="0"/>
+              </a:rPr>
+              <a:t>&gt;()</a:t>
+            </a:r>
+          </a:p>
+          <a:p>
+            <a:r>
+              <a:rPr lang="it-IT" dirty="0">
+                <a:solidFill>
+                  <a:srgbClr val="000000"/>
+                </a:solidFill>
+                <a:highlight>
+                  <a:srgbClr val="FFFFFF"/>
+                </a:highlight>
+                <a:latin typeface="Consolas" charset="0"/>
+              </a:rPr>
+              <a:t>    .</a:t>
+            </a:r>
+            <a:r>
+              <a:rPr lang="it-IT" dirty="0" err="1">
+                <a:solidFill>
+                  <a:srgbClr val="000000"/>
+                </a:solidFill>
+                <a:highlight>
+                  <a:srgbClr val="FFFFFF"/>
+                </a:highlight>
+                <a:latin typeface="Consolas" charset="0"/>
+              </a:rPr>
+              <a:t>Where</a:t>
+            </a:r>
+            <a:r>
+              <a:rPr lang="it-IT" dirty="0">
+                <a:solidFill>
+                  <a:srgbClr val="000000"/>
+                </a:solidFill>
+                <a:highlight>
+                  <a:srgbClr val="FFFFFF"/>
+                </a:highlight>
+                <a:latin typeface="Consolas" charset="0"/>
+              </a:rPr>
+              <a:t>(</a:t>
+            </a:r>
+            <a:r>
+              <a:rPr lang="it-IT" dirty="0" err="1">
+                <a:solidFill>
+                  <a:srgbClr val="000000"/>
+                </a:solidFill>
+                <a:highlight>
+                  <a:srgbClr val="FFFFFF"/>
+                </a:highlight>
+                <a:latin typeface="Consolas" charset="0"/>
+              </a:rPr>
+              <a:t>s</a:t>
+            </a:r>
+            <a:r>
+              <a:rPr lang="it-IT" dirty="0">
+                <a:solidFill>
+                  <a:srgbClr val="000000"/>
+                </a:solidFill>
+                <a:highlight>
+                  <a:srgbClr val="FFFFFF"/>
+                </a:highlight>
+                <a:latin typeface="Consolas" charset="0"/>
+              </a:rPr>
+              <a:t> =&gt; </a:t>
+            </a:r>
+            <a:r>
+              <a:rPr lang="it-IT" dirty="0" err="1">
+                <a:solidFill>
+                  <a:srgbClr val="000000"/>
+                </a:solidFill>
+                <a:highlight>
+                  <a:srgbClr val="FFFFFF"/>
+                </a:highlight>
+                <a:latin typeface="Consolas" charset="0"/>
+              </a:rPr>
+              <a:t>s.Company.Region</a:t>
+            </a:r>
+            <a:r>
+              <a:rPr lang="it-IT" dirty="0">
+                <a:solidFill>
+                  <a:srgbClr val="000000"/>
+                </a:solidFill>
+                <a:highlight>
+                  <a:srgbClr val="FFFFFF"/>
+                </a:highlight>
+                <a:latin typeface="Consolas" charset="0"/>
+              </a:rPr>
+              <a:t> = 5)</a:t>
+            </a:r>
+          </a:p>
+          <a:p>
+            <a:r>
+              <a:rPr lang="it-IT" dirty="0">
+                <a:solidFill>
+                  <a:srgbClr val="000000"/>
+                </a:solidFill>
+                <a:highlight>
+                  <a:srgbClr val="FFFFFF"/>
+                </a:highlight>
+                <a:latin typeface="Consolas" charset="0"/>
+              </a:rPr>
+              <a:t>    .</a:t>
+            </a:r>
+            <a:r>
+              <a:rPr lang="it-IT" dirty="0" err="1">
+                <a:solidFill>
+                  <a:srgbClr val="000000"/>
+                </a:solidFill>
+                <a:highlight>
+                  <a:srgbClr val="FFFFFF"/>
+                </a:highlight>
+                <a:latin typeface="Consolas" charset="0"/>
+              </a:rPr>
+              <a:t>ToList</a:t>
+            </a:r>
+            <a:r>
+              <a:rPr lang="it-IT" dirty="0">
+                <a:solidFill>
+                  <a:srgbClr val="000000"/>
+                </a:solidFill>
+                <a:highlight>
+                  <a:srgbClr val="FFFFFF"/>
+                </a:highlight>
+                <a:latin typeface="Consolas" charset="0"/>
+              </a:rPr>
+              <a:t>();</a:t>
+            </a:r>
+          </a:p>
+          <a:p>
+            <a:endParaRPr lang="it-IT" dirty="0">
+              <a:solidFill>
+                <a:srgbClr val="000000"/>
+              </a:solidFill>
+              <a:highlight>
+                <a:srgbClr val="FFFFFF"/>
+              </a:highlight>
+              <a:latin typeface="Consolas" charset="0"/>
+            </a:endParaRPr>
+          </a:p>
+          <a:p>
+            <a:r>
+              <a:rPr lang="it-IT" dirty="0" err="1">
+                <a:solidFill>
+                  <a:srgbClr val="000000"/>
+                </a:solidFill>
+                <a:highlight>
+                  <a:srgbClr val="FFFFFF"/>
+                </a:highlight>
+                <a:latin typeface="Consolas" charset="0"/>
+              </a:rPr>
+              <a:t>db.Set</a:t>
+            </a:r>
+            <a:r>
+              <a:rPr lang="it-IT" dirty="0">
+                <a:solidFill>
+                  <a:srgbClr val="000000"/>
+                </a:solidFill>
+                <a:highlight>
+                  <a:srgbClr val="FFFFFF"/>
+                </a:highlight>
+                <a:latin typeface="Consolas" charset="0"/>
+              </a:rPr>
+              <a:t>&lt;</a:t>
+            </a:r>
+            <a:r>
+              <a:rPr lang="it-IT" dirty="0" err="1">
+                <a:solidFill>
+                  <a:srgbClr val="2B91AF"/>
+                </a:solidFill>
+                <a:highlight>
+                  <a:srgbClr val="FFFFFF"/>
+                </a:highlight>
+                <a:latin typeface="Consolas" charset="0"/>
+              </a:rPr>
+              <a:t>UserProfile</a:t>
+            </a:r>
+            <a:r>
+              <a:rPr lang="it-IT" dirty="0">
+                <a:solidFill>
+                  <a:srgbClr val="000000"/>
+                </a:solidFill>
+                <a:highlight>
+                  <a:srgbClr val="FFFFFF"/>
+                </a:highlight>
+                <a:latin typeface="Consolas" charset="0"/>
+              </a:rPr>
+              <a:t>&gt;()</a:t>
+            </a:r>
+          </a:p>
+          <a:p>
+            <a:r>
+              <a:rPr lang="it-IT" dirty="0">
+                <a:solidFill>
+                  <a:srgbClr val="000000"/>
+                </a:solidFill>
+                <a:highlight>
+                  <a:srgbClr val="FFFFFF"/>
+                </a:highlight>
+                <a:latin typeface="Consolas" charset="0"/>
+              </a:rPr>
+              <a:t>    .</a:t>
+            </a:r>
+            <a:r>
+              <a:rPr lang="it-IT" dirty="0" err="1">
+                <a:solidFill>
+                  <a:srgbClr val="000000"/>
+                </a:solidFill>
+                <a:highlight>
+                  <a:srgbClr val="FFFFFF"/>
+                </a:highlight>
+                <a:latin typeface="Consolas" charset="0"/>
+              </a:rPr>
+              <a:t>Where</a:t>
+            </a:r>
+            <a:r>
+              <a:rPr lang="it-IT" dirty="0">
+                <a:solidFill>
+                  <a:srgbClr val="000000"/>
+                </a:solidFill>
+                <a:highlight>
+                  <a:srgbClr val="FFFFFF"/>
+                </a:highlight>
+                <a:latin typeface="Consolas" charset="0"/>
+              </a:rPr>
+              <a:t>(</a:t>
+            </a:r>
+            <a:r>
+              <a:rPr lang="it-IT" dirty="0" err="1">
+                <a:solidFill>
+                  <a:srgbClr val="000000"/>
+                </a:solidFill>
+                <a:highlight>
+                  <a:srgbClr val="FFFFFF"/>
+                </a:highlight>
+                <a:latin typeface="Consolas" charset="0"/>
+              </a:rPr>
+              <a:t>s</a:t>
+            </a:r>
+            <a:r>
+              <a:rPr lang="it-IT" dirty="0">
+                <a:solidFill>
+                  <a:srgbClr val="000000"/>
+                </a:solidFill>
+                <a:highlight>
+                  <a:srgbClr val="FFFFFF"/>
+                </a:highlight>
+                <a:latin typeface="Consolas" charset="0"/>
+              </a:rPr>
+              <a:t> =&gt; </a:t>
+            </a:r>
+            <a:r>
+              <a:rPr lang="it-IT" dirty="0" err="1">
+                <a:solidFill>
+                  <a:srgbClr val="000000"/>
+                </a:solidFill>
+                <a:highlight>
+                  <a:srgbClr val="FFFFFF"/>
+                </a:highlight>
+                <a:latin typeface="Consolas" charset="0"/>
+              </a:rPr>
+              <a:t>s.Company.Region</a:t>
+            </a:r>
+            <a:r>
+              <a:rPr lang="it-IT" dirty="0">
+                <a:solidFill>
+                  <a:srgbClr val="000000"/>
+                </a:solidFill>
+                <a:highlight>
+                  <a:srgbClr val="FFFFFF"/>
+                </a:highlight>
+                <a:latin typeface="Consolas" charset="0"/>
+              </a:rPr>
+              <a:t> = 5)</a:t>
+            </a:r>
+          </a:p>
+          <a:p>
+            <a:r>
+              <a:rPr lang="it-IT" dirty="0">
+                <a:solidFill>
+                  <a:srgbClr val="000000"/>
+                </a:solidFill>
+                <a:highlight>
+                  <a:srgbClr val="FFFFFF"/>
+                </a:highlight>
+                <a:latin typeface="Consolas" charset="0"/>
+              </a:rPr>
+              <a:t>    .</a:t>
+            </a:r>
+            <a:r>
+              <a:rPr lang="it-IT" dirty="0" err="1">
+                <a:solidFill>
+                  <a:srgbClr val="000000"/>
+                </a:solidFill>
+                <a:highlight>
+                  <a:srgbClr val="FFFFFF"/>
+                </a:highlight>
+                <a:latin typeface="Consolas" charset="0"/>
+              </a:rPr>
+              <a:t>ToList</a:t>
+            </a:r>
+            <a:r>
+              <a:rPr lang="it-IT" dirty="0">
+                <a:solidFill>
+                  <a:srgbClr val="000000"/>
+                </a:solidFill>
+                <a:highlight>
+                  <a:srgbClr val="FFFFFF"/>
+                </a:highlight>
+                <a:latin typeface="Consolas" charset="0"/>
+              </a:rPr>
+              <a:t>();</a:t>
+            </a:r>
+            <a:endParaRPr lang="en-US" dirty="0"/>
           </a:p>
         </p:txBody>
       </p:sp>
     </p:spTree>
     <p:extLst>
       <p:ext uri="{BB962C8B-B14F-4D97-AF65-F5344CB8AC3E}">
-        <p14:creationId xmlns:p14="http://schemas.microsoft.com/office/powerpoint/2010/main" val="183200439"/>
+        <p14:creationId xmlns:p14="http://schemas.microsoft.com/office/powerpoint/2010/main" val="1531582234"/>
       </p:ext>
     </p:extLst>
   </p:cSld>
@@ -7123,7 +9988,7 @@
           <a:p>
             <a:r>
               <a:rPr lang="en-US" dirty="0" smtClean="0"/>
-              <a:t>Unintended Consequences</a:t>
+              <a:t>Spare the Network</a:t>
             </a:r>
             <a:endParaRPr lang="en-US" dirty="0"/>
           </a:p>
@@ -7149,11 +10014,11 @@
             </a:pPr>
             <a:r>
               <a:rPr lang="en-US" b="1" i="1" dirty="0" smtClean="0"/>
-              <a:t>Don’t</a:t>
+              <a:t>Do</a:t>
             </a:r>
             <a:r>
               <a:rPr lang="en-US" dirty="0" smtClean="0"/>
-              <a:t> defer execution.</a:t>
+              <a:t> batch your queries.</a:t>
             </a:r>
             <a:endParaRPr lang="en-US" dirty="0"/>
           </a:p>
@@ -7179,13 +10044,737 @@
               <a:t>http://josephdaigle.me</a:t>
             </a:r>
             <a:endParaRPr lang="en-US"/>
+          </a:p>
+        </p:txBody>
+      </p:sp>
+      <p:sp>
+        <p:nvSpPr>
+          <p:cNvPr id="5" name="Rectangle 4"/>
+          <p:cNvSpPr/>
+          <p:nvPr/>
+        </p:nvSpPr>
+        <p:spPr>
+          <a:xfrm>
+            <a:off x="2097881" y="2381923"/>
+            <a:ext cx="7996238" cy="3970318"/>
+          </a:xfrm>
+          <a:prstGeom prst="rect">
+            <a:avLst/>
+          </a:prstGeom>
+        </p:spPr>
+        <p:txBody>
+          <a:bodyPr wrap="square">
+            <a:spAutoFit/>
+          </a:bodyPr>
+          <a:lstStyle/>
+          <a:p>
+            <a:r>
+              <a:rPr lang="en-US" dirty="0" err="1" smtClean="0">
+                <a:solidFill>
+                  <a:srgbClr val="000000"/>
+                </a:solidFill>
+                <a:highlight>
+                  <a:srgbClr val="FFFFFF"/>
+                </a:highlight>
+                <a:latin typeface="Consolas" charset="0"/>
+              </a:rPr>
+              <a:t>var</a:t>
+            </a:r>
+            <a:r>
+              <a:rPr lang="en-US" dirty="0" smtClean="0">
+                <a:solidFill>
+                  <a:srgbClr val="000000"/>
+                </a:solidFill>
+                <a:highlight>
+                  <a:srgbClr val="FFFFFF"/>
+                </a:highlight>
+                <a:latin typeface="Consolas" charset="0"/>
+              </a:rPr>
+              <a:t> a = </a:t>
+            </a:r>
+            <a:r>
+              <a:rPr lang="en-US" dirty="0" err="1" smtClean="0">
+                <a:solidFill>
+                  <a:srgbClr val="000000"/>
+                </a:solidFill>
+                <a:highlight>
+                  <a:srgbClr val="FFFFFF"/>
+                </a:highlight>
+                <a:latin typeface="Consolas" charset="0"/>
+              </a:rPr>
+              <a:t>db.Set</a:t>
+            </a:r>
+            <a:r>
+              <a:rPr lang="en-US" dirty="0" smtClean="0">
+                <a:solidFill>
+                  <a:srgbClr val="000000"/>
+                </a:solidFill>
+                <a:highlight>
+                  <a:srgbClr val="FFFFFF"/>
+                </a:highlight>
+                <a:latin typeface="Consolas" charset="0"/>
+              </a:rPr>
+              <a:t>&lt;</a:t>
+            </a:r>
+            <a:r>
+              <a:rPr lang="en-US" dirty="0" smtClean="0">
+                <a:solidFill>
+                  <a:srgbClr val="2B91AF"/>
+                </a:solidFill>
+                <a:highlight>
+                  <a:srgbClr val="FFFFFF"/>
+                </a:highlight>
+                <a:latin typeface="Consolas" charset="0"/>
+              </a:rPr>
+              <a:t>Company</a:t>
+            </a:r>
+            <a:r>
+              <a:rPr lang="en-US" dirty="0">
+                <a:solidFill>
+                  <a:srgbClr val="000000"/>
+                </a:solidFill>
+                <a:highlight>
+                  <a:srgbClr val="FFFFFF"/>
+                </a:highlight>
+                <a:latin typeface="Consolas" charset="0"/>
+              </a:rPr>
+              <a:t>&gt;()</a:t>
+            </a:r>
+          </a:p>
+          <a:p>
+            <a:r>
+              <a:rPr lang="en-US" dirty="0">
+                <a:solidFill>
+                  <a:srgbClr val="000000"/>
+                </a:solidFill>
+                <a:highlight>
+                  <a:srgbClr val="FFFFFF"/>
+                </a:highlight>
+                <a:latin typeface="Consolas" charset="0"/>
+              </a:rPr>
+              <a:t>    .Where(c =&gt; </a:t>
+            </a:r>
+            <a:r>
+              <a:rPr lang="en-US" dirty="0" err="1">
+                <a:solidFill>
+                  <a:srgbClr val="000000"/>
+                </a:solidFill>
+                <a:highlight>
+                  <a:srgbClr val="FFFFFF"/>
+                </a:highlight>
+                <a:latin typeface="Consolas" charset="0"/>
+              </a:rPr>
+              <a:t>c.CompanyRegion</a:t>
+            </a:r>
+            <a:r>
+              <a:rPr lang="en-US" dirty="0">
+                <a:solidFill>
+                  <a:srgbClr val="000000"/>
+                </a:solidFill>
+                <a:highlight>
+                  <a:srgbClr val="FFFFFF"/>
+                </a:highlight>
+                <a:latin typeface="Consolas" charset="0"/>
+              </a:rPr>
+              <a:t> = 5)</a:t>
+            </a:r>
+          </a:p>
+          <a:p>
+            <a:r>
+              <a:rPr lang="it-IT" dirty="0">
+                <a:solidFill>
+                  <a:srgbClr val="000000"/>
+                </a:solidFill>
+                <a:highlight>
+                  <a:srgbClr val="FFFFFF"/>
+                </a:highlight>
+                <a:latin typeface="Consolas" charset="0"/>
+              </a:rPr>
+              <a:t>    </a:t>
+            </a:r>
+            <a:r>
+              <a:rPr lang="it-IT" dirty="0" smtClean="0">
+                <a:solidFill>
+                  <a:srgbClr val="000000"/>
+                </a:solidFill>
+                <a:highlight>
+                  <a:srgbClr val="FFFFFF"/>
+                </a:highlight>
+                <a:latin typeface="Consolas" charset="0"/>
+              </a:rPr>
+              <a:t>.Future();</a:t>
+            </a:r>
+            <a:endParaRPr lang="it-IT" dirty="0">
+              <a:solidFill>
+                <a:srgbClr val="000000"/>
+              </a:solidFill>
+              <a:highlight>
+                <a:srgbClr val="FFFFFF"/>
+              </a:highlight>
+              <a:latin typeface="Consolas" charset="0"/>
+            </a:endParaRPr>
+          </a:p>
+          <a:p>
+            <a:endParaRPr lang="it-IT" dirty="0">
+              <a:solidFill>
+                <a:srgbClr val="000000"/>
+              </a:solidFill>
+              <a:highlight>
+                <a:srgbClr val="FFFFFF"/>
+              </a:highlight>
+              <a:latin typeface="Consolas" charset="0"/>
+            </a:endParaRPr>
+          </a:p>
+          <a:p>
+            <a:r>
+              <a:rPr lang="it-IT" dirty="0" err="1" smtClean="0">
+                <a:solidFill>
+                  <a:srgbClr val="000000"/>
+                </a:solidFill>
+                <a:highlight>
+                  <a:srgbClr val="FFFFFF"/>
+                </a:highlight>
+                <a:latin typeface="Consolas" charset="0"/>
+              </a:rPr>
+              <a:t>var</a:t>
+            </a:r>
+            <a:r>
+              <a:rPr lang="it-IT" dirty="0" smtClean="0">
+                <a:solidFill>
+                  <a:srgbClr val="000000"/>
+                </a:solidFill>
+                <a:highlight>
+                  <a:srgbClr val="FFFFFF"/>
+                </a:highlight>
+                <a:latin typeface="Consolas" charset="0"/>
+              </a:rPr>
+              <a:t> b = </a:t>
+            </a:r>
+            <a:r>
+              <a:rPr lang="it-IT" dirty="0" err="1" smtClean="0">
+                <a:solidFill>
+                  <a:srgbClr val="000000"/>
+                </a:solidFill>
+                <a:highlight>
+                  <a:srgbClr val="FFFFFF"/>
+                </a:highlight>
+                <a:latin typeface="Consolas" charset="0"/>
+              </a:rPr>
+              <a:t>db.Set</a:t>
+            </a:r>
+            <a:r>
+              <a:rPr lang="it-IT" dirty="0" smtClean="0">
+                <a:solidFill>
+                  <a:srgbClr val="000000"/>
+                </a:solidFill>
+                <a:highlight>
+                  <a:srgbClr val="FFFFFF"/>
+                </a:highlight>
+                <a:latin typeface="Consolas" charset="0"/>
+              </a:rPr>
+              <a:t>&lt;</a:t>
+            </a:r>
+            <a:r>
+              <a:rPr lang="it-IT" dirty="0" err="1" smtClean="0">
+                <a:solidFill>
+                  <a:srgbClr val="2B91AF"/>
+                </a:solidFill>
+                <a:highlight>
+                  <a:srgbClr val="FFFFFF"/>
+                </a:highlight>
+                <a:latin typeface="Consolas" charset="0"/>
+              </a:rPr>
+              <a:t>CompanyStaff</a:t>
+            </a:r>
+            <a:r>
+              <a:rPr lang="it-IT" dirty="0">
+                <a:solidFill>
+                  <a:srgbClr val="000000"/>
+                </a:solidFill>
+                <a:highlight>
+                  <a:srgbClr val="FFFFFF"/>
+                </a:highlight>
+                <a:latin typeface="Consolas" charset="0"/>
+              </a:rPr>
+              <a:t>&gt;()</a:t>
+            </a:r>
+          </a:p>
+          <a:p>
+            <a:r>
+              <a:rPr lang="it-IT" dirty="0">
+                <a:solidFill>
+                  <a:srgbClr val="000000"/>
+                </a:solidFill>
+                <a:highlight>
+                  <a:srgbClr val="FFFFFF"/>
+                </a:highlight>
+                <a:latin typeface="Consolas" charset="0"/>
+              </a:rPr>
+              <a:t>    .</a:t>
+            </a:r>
+            <a:r>
+              <a:rPr lang="it-IT" dirty="0" err="1">
+                <a:solidFill>
+                  <a:srgbClr val="000000"/>
+                </a:solidFill>
+                <a:highlight>
+                  <a:srgbClr val="FFFFFF"/>
+                </a:highlight>
+                <a:latin typeface="Consolas" charset="0"/>
+              </a:rPr>
+              <a:t>Where</a:t>
+            </a:r>
+            <a:r>
+              <a:rPr lang="it-IT" dirty="0">
+                <a:solidFill>
+                  <a:srgbClr val="000000"/>
+                </a:solidFill>
+                <a:highlight>
+                  <a:srgbClr val="FFFFFF"/>
+                </a:highlight>
+                <a:latin typeface="Consolas" charset="0"/>
+              </a:rPr>
+              <a:t>(</a:t>
+            </a:r>
+            <a:r>
+              <a:rPr lang="it-IT" dirty="0" err="1">
+                <a:solidFill>
+                  <a:srgbClr val="000000"/>
+                </a:solidFill>
+                <a:highlight>
+                  <a:srgbClr val="FFFFFF"/>
+                </a:highlight>
+                <a:latin typeface="Consolas" charset="0"/>
+              </a:rPr>
+              <a:t>s</a:t>
+            </a:r>
+            <a:r>
+              <a:rPr lang="it-IT" dirty="0">
+                <a:solidFill>
+                  <a:srgbClr val="000000"/>
+                </a:solidFill>
+                <a:highlight>
+                  <a:srgbClr val="FFFFFF"/>
+                </a:highlight>
+                <a:latin typeface="Consolas" charset="0"/>
+              </a:rPr>
+              <a:t> =&gt; </a:t>
+            </a:r>
+            <a:r>
+              <a:rPr lang="it-IT" dirty="0" err="1">
+                <a:solidFill>
+                  <a:srgbClr val="000000"/>
+                </a:solidFill>
+                <a:highlight>
+                  <a:srgbClr val="FFFFFF"/>
+                </a:highlight>
+                <a:latin typeface="Consolas" charset="0"/>
+              </a:rPr>
+              <a:t>s.Company.Region</a:t>
+            </a:r>
+            <a:r>
+              <a:rPr lang="it-IT" dirty="0">
+                <a:solidFill>
+                  <a:srgbClr val="000000"/>
+                </a:solidFill>
+                <a:highlight>
+                  <a:srgbClr val="FFFFFF"/>
+                </a:highlight>
+                <a:latin typeface="Consolas" charset="0"/>
+              </a:rPr>
+              <a:t> = 5)</a:t>
+            </a:r>
+          </a:p>
+          <a:p>
+            <a:r>
+              <a:rPr lang="it-IT" dirty="0">
+                <a:solidFill>
+                  <a:srgbClr val="000000"/>
+                </a:solidFill>
+                <a:highlight>
+                  <a:srgbClr val="FFFFFF"/>
+                </a:highlight>
+                <a:latin typeface="Consolas" charset="0"/>
+              </a:rPr>
+              <a:t>    </a:t>
+            </a:r>
+            <a:r>
+              <a:rPr lang="it-IT" dirty="0" smtClean="0">
+                <a:solidFill>
+                  <a:srgbClr val="000000"/>
+                </a:solidFill>
+                <a:highlight>
+                  <a:srgbClr val="FFFFFF"/>
+                </a:highlight>
+                <a:latin typeface="Consolas" charset="0"/>
+              </a:rPr>
+              <a:t>.Future();</a:t>
+            </a:r>
+            <a:endParaRPr lang="it-IT" dirty="0">
+              <a:solidFill>
+                <a:srgbClr val="000000"/>
+              </a:solidFill>
+              <a:highlight>
+                <a:srgbClr val="FFFFFF"/>
+              </a:highlight>
+              <a:latin typeface="Consolas" charset="0"/>
+            </a:endParaRPr>
+          </a:p>
+          <a:p>
+            <a:endParaRPr lang="it-IT" dirty="0">
+              <a:solidFill>
+                <a:srgbClr val="000000"/>
+              </a:solidFill>
+              <a:highlight>
+                <a:srgbClr val="FFFFFF"/>
+              </a:highlight>
+              <a:latin typeface="Consolas" charset="0"/>
+            </a:endParaRPr>
+          </a:p>
+          <a:p>
+            <a:r>
+              <a:rPr lang="it-IT" dirty="0" err="1" smtClean="0">
+                <a:solidFill>
+                  <a:srgbClr val="000000"/>
+                </a:solidFill>
+                <a:highlight>
+                  <a:srgbClr val="FFFFFF"/>
+                </a:highlight>
+                <a:latin typeface="Consolas" charset="0"/>
+              </a:rPr>
+              <a:t>var</a:t>
+            </a:r>
+            <a:r>
+              <a:rPr lang="it-IT" dirty="0" smtClean="0">
+                <a:solidFill>
+                  <a:srgbClr val="000000"/>
+                </a:solidFill>
+                <a:highlight>
+                  <a:srgbClr val="FFFFFF"/>
+                </a:highlight>
+                <a:latin typeface="Consolas" charset="0"/>
+              </a:rPr>
+              <a:t> c = </a:t>
+            </a:r>
+            <a:r>
+              <a:rPr lang="it-IT" dirty="0" err="1" smtClean="0">
+                <a:solidFill>
+                  <a:srgbClr val="000000"/>
+                </a:solidFill>
+                <a:highlight>
+                  <a:srgbClr val="FFFFFF"/>
+                </a:highlight>
+                <a:latin typeface="Consolas" charset="0"/>
+              </a:rPr>
+              <a:t>db.Set</a:t>
+            </a:r>
+            <a:r>
+              <a:rPr lang="it-IT" dirty="0" smtClean="0">
+                <a:solidFill>
+                  <a:srgbClr val="000000"/>
+                </a:solidFill>
+                <a:highlight>
+                  <a:srgbClr val="FFFFFF"/>
+                </a:highlight>
+                <a:latin typeface="Consolas" charset="0"/>
+              </a:rPr>
+              <a:t>&lt;</a:t>
+            </a:r>
+            <a:r>
+              <a:rPr lang="it-IT" dirty="0" err="1" smtClean="0">
+                <a:solidFill>
+                  <a:srgbClr val="2B91AF"/>
+                </a:solidFill>
+                <a:highlight>
+                  <a:srgbClr val="FFFFFF"/>
+                </a:highlight>
+                <a:latin typeface="Consolas" charset="0"/>
+              </a:rPr>
+              <a:t>UserProfile</a:t>
+            </a:r>
+            <a:r>
+              <a:rPr lang="it-IT" dirty="0">
+                <a:solidFill>
+                  <a:srgbClr val="000000"/>
+                </a:solidFill>
+                <a:highlight>
+                  <a:srgbClr val="FFFFFF"/>
+                </a:highlight>
+                <a:latin typeface="Consolas" charset="0"/>
+              </a:rPr>
+              <a:t>&gt;()</a:t>
+            </a:r>
+          </a:p>
+          <a:p>
+            <a:r>
+              <a:rPr lang="it-IT" dirty="0">
+                <a:solidFill>
+                  <a:srgbClr val="000000"/>
+                </a:solidFill>
+                <a:highlight>
+                  <a:srgbClr val="FFFFFF"/>
+                </a:highlight>
+                <a:latin typeface="Consolas" charset="0"/>
+              </a:rPr>
+              <a:t>    .</a:t>
+            </a:r>
+            <a:r>
+              <a:rPr lang="it-IT" dirty="0" err="1">
+                <a:solidFill>
+                  <a:srgbClr val="000000"/>
+                </a:solidFill>
+                <a:highlight>
+                  <a:srgbClr val="FFFFFF"/>
+                </a:highlight>
+                <a:latin typeface="Consolas" charset="0"/>
+              </a:rPr>
+              <a:t>Where</a:t>
+            </a:r>
+            <a:r>
+              <a:rPr lang="it-IT" dirty="0">
+                <a:solidFill>
+                  <a:srgbClr val="000000"/>
+                </a:solidFill>
+                <a:highlight>
+                  <a:srgbClr val="FFFFFF"/>
+                </a:highlight>
+                <a:latin typeface="Consolas" charset="0"/>
+              </a:rPr>
+              <a:t>(</a:t>
+            </a:r>
+            <a:r>
+              <a:rPr lang="it-IT" dirty="0" err="1">
+                <a:solidFill>
+                  <a:srgbClr val="000000"/>
+                </a:solidFill>
+                <a:highlight>
+                  <a:srgbClr val="FFFFFF"/>
+                </a:highlight>
+                <a:latin typeface="Consolas" charset="0"/>
+              </a:rPr>
+              <a:t>s</a:t>
+            </a:r>
+            <a:r>
+              <a:rPr lang="it-IT" dirty="0">
+                <a:solidFill>
+                  <a:srgbClr val="000000"/>
+                </a:solidFill>
+                <a:highlight>
+                  <a:srgbClr val="FFFFFF"/>
+                </a:highlight>
+                <a:latin typeface="Consolas" charset="0"/>
+              </a:rPr>
+              <a:t> =&gt; </a:t>
+            </a:r>
+            <a:r>
+              <a:rPr lang="it-IT" dirty="0" err="1">
+                <a:solidFill>
+                  <a:srgbClr val="000000"/>
+                </a:solidFill>
+                <a:highlight>
+                  <a:srgbClr val="FFFFFF"/>
+                </a:highlight>
+                <a:latin typeface="Consolas" charset="0"/>
+              </a:rPr>
+              <a:t>s.Company.Region</a:t>
+            </a:r>
+            <a:r>
+              <a:rPr lang="it-IT" dirty="0">
+                <a:solidFill>
+                  <a:srgbClr val="000000"/>
+                </a:solidFill>
+                <a:highlight>
+                  <a:srgbClr val="FFFFFF"/>
+                </a:highlight>
+                <a:latin typeface="Consolas" charset="0"/>
+              </a:rPr>
+              <a:t> = 5)</a:t>
+            </a:r>
+          </a:p>
+          <a:p>
+            <a:r>
+              <a:rPr lang="it-IT" dirty="0">
+                <a:solidFill>
+                  <a:srgbClr val="000000"/>
+                </a:solidFill>
+                <a:highlight>
+                  <a:srgbClr val="FFFFFF"/>
+                </a:highlight>
+                <a:latin typeface="Consolas" charset="0"/>
+              </a:rPr>
+              <a:t>    </a:t>
+            </a:r>
+            <a:r>
+              <a:rPr lang="it-IT" dirty="0" smtClean="0">
+                <a:solidFill>
+                  <a:srgbClr val="000000"/>
+                </a:solidFill>
+                <a:highlight>
+                  <a:srgbClr val="FFFFFF"/>
+                </a:highlight>
+                <a:latin typeface="Consolas" charset="0"/>
+              </a:rPr>
+              <a:t>.Future();</a:t>
+            </a:r>
+          </a:p>
+          <a:p>
+            <a:endParaRPr lang="it-IT" dirty="0">
+              <a:solidFill>
+                <a:srgbClr val="000000"/>
+              </a:solidFill>
+              <a:highlight>
+                <a:srgbClr val="FFFFFF"/>
+              </a:highlight>
+              <a:latin typeface="Consolas" charset="0"/>
+            </a:endParaRPr>
+          </a:p>
+          <a:p>
+            <a:r>
+              <a:rPr lang="it-IT" dirty="0" smtClean="0">
+                <a:solidFill>
+                  <a:srgbClr val="000000"/>
+                </a:solidFill>
+                <a:highlight>
+                  <a:srgbClr val="FFFFFF"/>
+                </a:highlight>
+                <a:latin typeface="Consolas" charset="0"/>
+              </a:rPr>
+              <a:t>// </a:t>
+            </a:r>
+            <a:r>
+              <a:rPr lang="it-IT" dirty="0" err="1" smtClean="0">
+                <a:solidFill>
+                  <a:srgbClr val="000000"/>
+                </a:solidFill>
+                <a:highlight>
+                  <a:srgbClr val="FFFFFF"/>
+                </a:highlight>
+                <a:latin typeface="Consolas" charset="0"/>
+              </a:rPr>
+              <a:t>triggers</a:t>
+            </a:r>
+            <a:r>
+              <a:rPr lang="it-IT" dirty="0" smtClean="0">
+                <a:solidFill>
+                  <a:srgbClr val="000000"/>
+                </a:solidFill>
+                <a:highlight>
+                  <a:srgbClr val="FFFFFF"/>
+                </a:highlight>
+                <a:latin typeface="Consolas" charset="0"/>
+              </a:rPr>
+              <a:t> </a:t>
+            </a:r>
+            <a:r>
+              <a:rPr lang="it-IT" dirty="0" err="1" smtClean="0">
+                <a:solidFill>
+                  <a:srgbClr val="000000"/>
+                </a:solidFill>
+                <a:highlight>
+                  <a:srgbClr val="FFFFFF"/>
+                </a:highlight>
+                <a:latin typeface="Consolas" charset="0"/>
+              </a:rPr>
+              <a:t>all</a:t>
+            </a:r>
+            <a:r>
+              <a:rPr lang="it-IT" dirty="0">
+                <a:solidFill>
+                  <a:srgbClr val="000000"/>
+                </a:solidFill>
+                <a:highlight>
+                  <a:srgbClr val="FFFFFF"/>
+                </a:highlight>
+                <a:latin typeface="Consolas" charset="0"/>
+              </a:rPr>
+              <a:t> </a:t>
+            </a:r>
+            <a:r>
+              <a:rPr lang="it-IT" dirty="0" smtClean="0">
+                <a:solidFill>
+                  <a:srgbClr val="000000"/>
+                </a:solidFill>
+                <a:highlight>
+                  <a:srgbClr val="FFFFFF"/>
+                </a:highlight>
+                <a:latin typeface="Consolas" charset="0"/>
+              </a:rPr>
+              <a:t>3 </a:t>
+            </a:r>
+            <a:r>
+              <a:rPr lang="it-IT" dirty="0" err="1" smtClean="0">
+                <a:solidFill>
+                  <a:srgbClr val="000000"/>
+                </a:solidFill>
+                <a:highlight>
+                  <a:srgbClr val="FFFFFF"/>
+                </a:highlight>
+                <a:latin typeface="Consolas" charset="0"/>
+              </a:rPr>
+              <a:t>queries</a:t>
+            </a:r>
+            <a:r>
+              <a:rPr lang="it-IT" dirty="0" smtClean="0">
+                <a:solidFill>
+                  <a:srgbClr val="000000"/>
+                </a:solidFill>
+                <a:highlight>
+                  <a:srgbClr val="FFFFFF"/>
+                </a:highlight>
+                <a:latin typeface="Consolas" charset="0"/>
+              </a:rPr>
+              <a:t> to </a:t>
+            </a:r>
+            <a:r>
+              <a:rPr lang="it-IT" dirty="0" err="1" smtClean="0">
+                <a:solidFill>
+                  <a:srgbClr val="000000"/>
+                </a:solidFill>
+                <a:highlight>
+                  <a:srgbClr val="FFFFFF"/>
+                </a:highlight>
+                <a:latin typeface="Consolas" charset="0"/>
+              </a:rPr>
+              <a:t>execute</a:t>
+            </a:r>
+            <a:r>
+              <a:rPr lang="it-IT" dirty="0" smtClean="0">
+                <a:solidFill>
+                  <a:srgbClr val="000000"/>
+                </a:solidFill>
+                <a:highlight>
+                  <a:srgbClr val="FFFFFF"/>
+                </a:highlight>
+                <a:latin typeface="Consolas" charset="0"/>
+              </a:rPr>
+              <a:t> in a batch</a:t>
+            </a:r>
+          </a:p>
+          <a:p>
+            <a:r>
+              <a:rPr lang="it-IT" dirty="0" err="1" smtClean="0"/>
+              <a:t>var</a:t>
+            </a:r>
+            <a:r>
+              <a:rPr lang="it-IT" dirty="0" smtClean="0"/>
+              <a:t> companies = </a:t>
+            </a:r>
+            <a:r>
+              <a:rPr lang="it-IT" dirty="0" err="1" smtClean="0"/>
+              <a:t>a.ToList</a:t>
+            </a:r>
+            <a:r>
+              <a:rPr lang="it-IT" dirty="0" smtClean="0"/>
+              <a:t>();</a:t>
+            </a:r>
+            <a:endParaRPr lang="en-US" dirty="0"/>
           </a:p>
         </p:txBody>
       </p:sp>
     </p:spTree>
     <p:extLst>
       <p:ext uri="{BB962C8B-B14F-4D97-AF65-F5344CB8AC3E}">
-        <p14:creationId xmlns:p14="http://schemas.microsoft.com/office/powerpoint/2010/main" val="1356031477"/>
+        <p14:creationId xmlns:p14="http://schemas.microsoft.com/office/powerpoint/2010/main" val="183200439"/>
       </p:ext>
     </p:extLst>
   </p:cSld>
@@ -7236,7 +10825,7 @@
           <a:p>
             <a:r>
               <a:rPr lang="en-US" dirty="0" smtClean="0"/>
-              <a:t>Maintainability</a:t>
+              <a:t>Unintended Consequences</a:t>
             </a:r>
             <a:endParaRPr lang="en-US" dirty="0"/>
           </a:p>
@@ -7266,7 +10855,7 @@
             </a:r>
             <a:r>
               <a:rPr lang="en-US" dirty="0" smtClean="0"/>
-              <a:t> write cryptic LINQ expressions.</a:t>
+              <a:t> defer execution.</a:t>
             </a:r>
             <a:endParaRPr lang="en-US" dirty="0"/>
           </a:p>
@@ -7292,13 +10881,354 @@
               <a:t>http://josephdaigle.me</a:t>
             </a:r>
             <a:endParaRPr lang="en-US"/>
+          </a:p>
+        </p:txBody>
+      </p:sp>
+      <p:sp>
+        <p:nvSpPr>
+          <p:cNvPr id="6" name="Rectangle 5"/>
+          <p:cNvSpPr/>
+          <p:nvPr/>
+        </p:nvSpPr>
+        <p:spPr>
+          <a:xfrm>
+            <a:off x="838200" y="3031798"/>
+            <a:ext cx="10768011" cy="1938992"/>
+          </a:xfrm>
+          <a:prstGeom prst="rect">
+            <a:avLst/>
+          </a:prstGeom>
+        </p:spPr>
+        <p:txBody>
+          <a:bodyPr wrap="square">
+            <a:spAutoFit/>
+          </a:bodyPr>
+          <a:lstStyle/>
+          <a:p>
+            <a:r>
+              <a:rPr lang="en-US" sz="2000" dirty="0" err="1">
+                <a:solidFill>
+                  <a:srgbClr val="0000FF"/>
+                </a:solidFill>
+                <a:highlight>
+                  <a:srgbClr val="FFFFFF"/>
+                </a:highlight>
+                <a:latin typeface="Consolas" charset="0"/>
+              </a:rPr>
+              <a:t>var</a:t>
+            </a:r>
+            <a:r>
+              <a:rPr lang="en-US" sz="2000" dirty="0">
+                <a:solidFill>
+                  <a:srgbClr val="000000"/>
+                </a:solidFill>
+                <a:highlight>
+                  <a:srgbClr val="FFFFFF"/>
+                </a:highlight>
+                <a:latin typeface="Consolas" charset="0"/>
+              </a:rPr>
+              <a:t> </a:t>
+            </a:r>
+            <a:r>
+              <a:rPr lang="en-US" sz="2000" dirty="0" err="1">
+                <a:solidFill>
+                  <a:srgbClr val="000000"/>
+                </a:solidFill>
+                <a:highlight>
+                  <a:srgbClr val="FFFFFF"/>
+                </a:highlight>
+                <a:latin typeface="Consolas" charset="0"/>
+              </a:rPr>
+              <a:t>activeCompanies</a:t>
+            </a:r>
+            <a:r>
+              <a:rPr lang="en-US" sz="2000" dirty="0">
+                <a:solidFill>
+                  <a:srgbClr val="000000"/>
+                </a:solidFill>
+                <a:highlight>
+                  <a:srgbClr val="FFFFFF"/>
+                </a:highlight>
+                <a:latin typeface="Consolas" charset="0"/>
+              </a:rPr>
+              <a:t> = </a:t>
+            </a:r>
+            <a:r>
+              <a:rPr lang="en-US" sz="2000" dirty="0" err="1">
+                <a:solidFill>
+                  <a:srgbClr val="000000"/>
+                </a:solidFill>
+                <a:highlight>
+                  <a:srgbClr val="FFFFFF"/>
+                </a:highlight>
+                <a:latin typeface="Consolas" charset="0"/>
+              </a:rPr>
+              <a:t>db.Set</a:t>
+            </a:r>
+            <a:r>
+              <a:rPr lang="en-US" sz="2000" dirty="0">
+                <a:solidFill>
+                  <a:srgbClr val="000000"/>
+                </a:solidFill>
+                <a:highlight>
+                  <a:srgbClr val="FFFFFF"/>
+                </a:highlight>
+                <a:latin typeface="Consolas" charset="0"/>
+              </a:rPr>
+              <a:t>&lt;</a:t>
+            </a:r>
+            <a:r>
+              <a:rPr lang="en-US" sz="2000" dirty="0">
+                <a:solidFill>
+                  <a:srgbClr val="2B91AF"/>
+                </a:solidFill>
+                <a:highlight>
+                  <a:srgbClr val="FFFFFF"/>
+                </a:highlight>
+                <a:latin typeface="Consolas" charset="0"/>
+              </a:rPr>
+              <a:t>Company</a:t>
+            </a:r>
+            <a:r>
+              <a:rPr lang="en-US" sz="2000" dirty="0">
+                <a:solidFill>
+                  <a:srgbClr val="000000"/>
+                </a:solidFill>
+                <a:highlight>
+                  <a:srgbClr val="FFFFFF"/>
+                </a:highlight>
+                <a:latin typeface="Consolas" charset="0"/>
+              </a:rPr>
+              <a:t>&gt;().Where(c =&gt; </a:t>
+            </a:r>
+            <a:r>
+              <a:rPr lang="en-US" sz="2000" dirty="0" err="1">
+                <a:solidFill>
+                  <a:srgbClr val="000000"/>
+                </a:solidFill>
+                <a:highlight>
+                  <a:srgbClr val="FFFFFF"/>
+                </a:highlight>
+                <a:latin typeface="Consolas" charset="0"/>
+              </a:rPr>
+              <a:t>c.Deleted</a:t>
+            </a:r>
+            <a:r>
+              <a:rPr lang="en-US" sz="2000" dirty="0">
+                <a:solidFill>
+                  <a:srgbClr val="000000"/>
+                </a:solidFill>
+                <a:highlight>
+                  <a:srgbClr val="FFFFFF"/>
+                </a:highlight>
+                <a:latin typeface="Consolas" charset="0"/>
+              </a:rPr>
+              <a:t> == </a:t>
+            </a:r>
+            <a:r>
+              <a:rPr lang="en-US" sz="2000" dirty="0">
+                <a:solidFill>
+                  <a:srgbClr val="0000FF"/>
+                </a:solidFill>
+                <a:highlight>
+                  <a:srgbClr val="FFFFFF"/>
+                </a:highlight>
+                <a:latin typeface="Consolas" charset="0"/>
+              </a:rPr>
+              <a:t>false</a:t>
+            </a:r>
+            <a:r>
+              <a:rPr lang="en-US" sz="2000" dirty="0">
+                <a:solidFill>
+                  <a:srgbClr val="000000"/>
+                </a:solidFill>
+                <a:highlight>
+                  <a:srgbClr val="FFFFFF"/>
+                </a:highlight>
+                <a:latin typeface="Consolas" charset="0"/>
+              </a:rPr>
+              <a:t>);</a:t>
+            </a:r>
+          </a:p>
+          <a:p>
+            <a:endParaRPr lang="en-US" sz="2000" dirty="0">
+              <a:solidFill>
+                <a:srgbClr val="000000"/>
+              </a:solidFill>
+              <a:highlight>
+                <a:srgbClr val="FFFFFF"/>
+              </a:highlight>
+              <a:latin typeface="Consolas" charset="0"/>
+            </a:endParaRPr>
+          </a:p>
+          <a:p>
+            <a:r>
+              <a:rPr lang="en-US" sz="2000" dirty="0" err="1">
+                <a:solidFill>
+                  <a:srgbClr val="0000FF"/>
+                </a:solidFill>
+                <a:highlight>
+                  <a:srgbClr val="FFFFFF"/>
+                </a:highlight>
+                <a:latin typeface="Consolas" charset="0"/>
+              </a:rPr>
+              <a:t>var</a:t>
+            </a:r>
+            <a:r>
+              <a:rPr lang="en-US" sz="2000" dirty="0">
+                <a:solidFill>
+                  <a:srgbClr val="000000"/>
+                </a:solidFill>
+                <a:highlight>
+                  <a:srgbClr val="FFFFFF"/>
+                </a:highlight>
+                <a:latin typeface="Consolas" charset="0"/>
+              </a:rPr>
+              <a:t> </a:t>
+            </a:r>
+            <a:r>
+              <a:rPr lang="en-US" sz="2000" dirty="0" err="1">
+                <a:solidFill>
+                  <a:srgbClr val="000000"/>
+                </a:solidFill>
+                <a:highlight>
+                  <a:srgbClr val="FFFFFF"/>
+                </a:highlight>
+                <a:latin typeface="Consolas" charset="0"/>
+              </a:rPr>
+              <a:t>viewModel</a:t>
+            </a:r>
+            <a:r>
+              <a:rPr lang="en-US" sz="2000" dirty="0">
+                <a:solidFill>
+                  <a:srgbClr val="000000"/>
+                </a:solidFill>
+                <a:highlight>
+                  <a:srgbClr val="FFFFFF"/>
+                </a:highlight>
+                <a:latin typeface="Consolas" charset="0"/>
+              </a:rPr>
+              <a:t> = </a:t>
+            </a:r>
+            <a:r>
+              <a:rPr lang="en-US" sz="2000" dirty="0">
+                <a:solidFill>
+                  <a:srgbClr val="0000FF"/>
+                </a:solidFill>
+                <a:highlight>
+                  <a:srgbClr val="FFFFFF"/>
+                </a:highlight>
+                <a:latin typeface="Consolas" charset="0"/>
+              </a:rPr>
+              <a:t>new</a:t>
+            </a:r>
+            <a:r>
+              <a:rPr lang="en-US" sz="2000" dirty="0">
+                <a:solidFill>
+                  <a:srgbClr val="000000"/>
+                </a:solidFill>
+                <a:highlight>
+                  <a:srgbClr val="FFFFFF"/>
+                </a:highlight>
+                <a:latin typeface="Consolas" charset="0"/>
+              </a:rPr>
+              <a:t> </a:t>
+            </a:r>
+            <a:r>
+              <a:rPr lang="en-US" sz="2000" dirty="0" err="1">
+                <a:solidFill>
+                  <a:srgbClr val="2B91AF"/>
+                </a:solidFill>
+                <a:highlight>
+                  <a:srgbClr val="FFFFFF"/>
+                </a:highlight>
+                <a:latin typeface="Consolas" charset="0"/>
+              </a:rPr>
+              <a:t>ViewModel</a:t>
+            </a:r>
+            <a:endParaRPr lang="en-US" sz="2000" dirty="0">
+              <a:solidFill>
+                <a:srgbClr val="000000"/>
+              </a:solidFill>
+              <a:highlight>
+                <a:srgbClr val="FFFFFF"/>
+              </a:highlight>
+              <a:latin typeface="Consolas" charset="0"/>
+            </a:endParaRPr>
+          </a:p>
+          <a:p>
+            <a:r>
+              <a:rPr lang="en-US" sz="2000" dirty="0">
+                <a:solidFill>
+                  <a:srgbClr val="000000"/>
+                </a:solidFill>
+                <a:highlight>
+                  <a:srgbClr val="FFFFFF"/>
+                </a:highlight>
+                <a:latin typeface="Consolas" charset="0"/>
+              </a:rPr>
+              <a:t>{</a:t>
+            </a:r>
+          </a:p>
+          <a:p>
+            <a:r>
+              <a:rPr lang="en-US" sz="2000" dirty="0">
+                <a:solidFill>
+                  <a:srgbClr val="000000"/>
+                </a:solidFill>
+                <a:highlight>
+                  <a:srgbClr val="FFFFFF"/>
+                </a:highlight>
+                <a:latin typeface="Consolas" charset="0"/>
+              </a:rPr>
+              <a:t>    Companies = </a:t>
+            </a:r>
+            <a:r>
+              <a:rPr lang="en-US" sz="2000" dirty="0" err="1">
+                <a:solidFill>
+                  <a:srgbClr val="000000"/>
+                </a:solidFill>
+                <a:highlight>
+                  <a:srgbClr val="FFFFFF"/>
+                </a:highlight>
+                <a:latin typeface="Consolas" charset="0"/>
+              </a:rPr>
+              <a:t>activeCompanies</a:t>
+            </a:r>
+            <a:r>
+              <a:rPr lang="en-US" sz="2000" dirty="0">
+                <a:solidFill>
+                  <a:srgbClr val="000000"/>
+                </a:solidFill>
+                <a:highlight>
+                  <a:srgbClr val="FFFFFF"/>
+                </a:highlight>
+                <a:latin typeface="Consolas" charset="0"/>
+              </a:rPr>
+              <a:t>,</a:t>
+            </a:r>
+          </a:p>
+          <a:p>
+            <a:r>
+              <a:rPr lang="uk-UA" sz="2000" dirty="0">
+                <a:solidFill>
+                  <a:srgbClr val="000000"/>
+                </a:solidFill>
+                <a:highlight>
+                  <a:srgbClr val="FFFFFF"/>
+                </a:highlight>
+                <a:latin typeface="Consolas" charset="0"/>
+              </a:rPr>
+              <a:t>};</a:t>
+            </a:r>
+            <a:endParaRPr lang="en-US" sz="2000" dirty="0"/>
           </a:p>
         </p:txBody>
       </p:sp>
     </p:spTree>
     <p:extLst>
       <p:ext uri="{BB962C8B-B14F-4D97-AF65-F5344CB8AC3E}">
-        <p14:creationId xmlns:p14="http://schemas.microsoft.com/office/powerpoint/2010/main" val="1529767926"/>
+        <p14:creationId xmlns:p14="http://schemas.microsoft.com/office/powerpoint/2010/main" val="1356031477"/>
       </p:ext>
     </p:extLst>
   </p:cSld>
@@ -7375,11 +11305,11 @@
             </a:pPr>
             <a:r>
               <a:rPr lang="en-US" b="1" i="1" dirty="0" smtClean="0"/>
-              <a:t>Do</a:t>
+              <a:t>Don’t</a:t>
             </a:r>
             <a:r>
               <a:rPr lang="en-US" dirty="0" smtClean="0"/>
-              <a:t> write raw SQL.</a:t>
+              <a:t> write cryptic LINQ expressions.</a:t>
             </a:r>
             <a:endParaRPr lang="en-US" dirty="0"/>
           </a:p>
@@ -7411,7 +11341,7 @@
     </p:spTree>
     <p:extLst>
       <p:ext uri="{BB962C8B-B14F-4D97-AF65-F5344CB8AC3E}">
-        <p14:creationId xmlns:p14="http://schemas.microsoft.com/office/powerpoint/2010/main" val="1382724084"/>
+        <p14:creationId xmlns:p14="http://schemas.microsoft.com/office/powerpoint/2010/main" val="1529767926"/>
       </p:ext>
     </p:extLst>
   </p:cSld>
@@ -7492,7 +11422,7 @@
             </a:r>
             <a:r>
               <a:rPr lang="en-US" dirty="0" smtClean="0"/>
-              <a:t> use lightweight “mapper” libraries.</a:t>
+              <a:t> write raw SQL.</a:t>
             </a:r>
             <a:endParaRPr lang="en-US" dirty="0"/>
           </a:p>
@@ -7524,7 +11454,7 @@
     </p:spTree>
     <p:extLst>
       <p:ext uri="{BB962C8B-B14F-4D97-AF65-F5344CB8AC3E}">
-        <p14:creationId xmlns:p14="http://schemas.microsoft.com/office/powerpoint/2010/main" val="714910673"/>
+        <p14:creationId xmlns:p14="http://schemas.microsoft.com/office/powerpoint/2010/main" val="1382724084"/>
       </p:ext>
     </p:extLst>
   </p:cSld>
@@ -8162,7 +12092,7 @@
           <a:p>
             <a:r>
               <a:rPr lang="en-US" dirty="0" smtClean="0"/>
-              <a:t>Data Access Patterns</a:t>
+              <a:t>Maintainability</a:t>
             </a:r>
             <a:endParaRPr lang="en-US" dirty="0"/>
           </a:p>
@@ -8188,11 +12118,11 @@
             </a:pPr>
             <a:r>
               <a:rPr lang="en-US" b="1" i="1" dirty="0" smtClean="0"/>
-              <a:t>Don’t</a:t>
+              <a:t>Do</a:t>
             </a:r>
             <a:r>
               <a:rPr lang="en-US" dirty="0" smtClean="0"/>
-              <a:t> use “active records”.</a:t>
+              <a:t> use lightweight “mapper” libraries.</a:t>
             </a:r>
             <a:endParaRPr lang="en-US" dirty="0"/>
           </a:p>
@@ -8224,7 +12154,7 @@
     </p:spTree>
     <p:extLst>
       <p:ext uri="{BB962C8B-B14F-4D97-AF65-F5344CB8AC3E}">
-        <p14:creationId xmlns:p14="http://schemas.microsoft.com/office/powerpoint/2010/main" val="829514779"/>
+        <p14:creationId xmlns:p14="http://schemas.microsoft.com/office/powerpoint/2010/main" val="714910673"/>
       </p:ext>
     </p:extLst>
   </p:cSld>
@@ -8274,7 +12204,7 @@
           <a:lstStyle/>
           <a:p>
             <a:r>
-              <a:rPr lang="en-US" smtClean="0"/>
+              <a:rPr lang="en-US" dirty="0" smtClean="0"/>
               <a:t>Data Access Patterns</a:t>
             </a:r>
             <a:endParaRPr lang="en-US" dirty="0"/>
@@ -8305,7 +12235,7 @@
             </a:r>
             <a:r>
               <a:rPr lang="en-US" dirty="0" smtClean="0"/>
-              <a:t> use “repositories”.</a:t>
+              <a:t> use “active records”.</a:t>
             </a:r>
             <a:endParaRPr lang="en-US" dirty="0"/>
           </a:p>
@@ -8337,7 +12267,7 @@
     </p:spTree>
     <p:extLst>
       <p:ext uri="{BB962C8B-B14F-4D97-AF65-F5344CB8AC3E}">
-        <p14:creationId xmlns:p14="http://schemas.microsoft.com/office/powerpoint/2010/main" val="1276740161"/>
+        <p14:creationId xmlns:p14="http://schemas.microsoft.com/office/powerpoint/2010/main" val="829514779"/>
       </p:ext>
     </p:extLst>
   </p:cSld>
@@ -8414,11 +12344,11 @@
             </a:pPr>
             <a:r>
               <a:rPr lang="en-US" b="1" i="1" dirty="0" smtClean="0"/>
-              <a:t>Do</a:t>
+              <a:t>Don’t</a:t>
             </a:r>
             <a:r>
               <a:rPr lang="en-US" dirty="0" smtClean="0"/>
-              <a:t> use “commands” and “queries”.</a:t>
+              <a:t> use “repositories”.</a:t>
             </a:r>
             <a:endParaRPr lang="en-US" dirty="0"/>
           </a:p>
@@ -8450,7 +12380,7 @@
     </p:spTree>
     <p:extLst>
       <p:ext uri="{BB962C8B-B14F-4D97-AF65-F5344CB8AC3E}">
-        <p14:creationId xmlns:p14="http://schemas.microsoft.com/office/powerpoint/2010/main" val="102349546"/>
+        <p14:creationId xmlns:p14="http://schemas.microsoft.com/office/powerpoint/2010/main" val="1276740161"/>
       </p:ext>
     </p:extLst>
   </p:cSld>
@@ -8500,8 +12430,8 @@
           <a:lstStyle/>
           <a:p>
             <a:r>
-              <a:rPr lang="en-US" dirty="0" smtClean="0"/>
-              <a:t>Unintended Consequences</a:t>
+              <a:rPr lang="en-US" smtClean="0"/>
+              <a:t>Data Access Patterns</a:t>
             </a:r>
             <a:endParaRPr lang="en-US" dirty="0"/>
           </a:p>
@@ -8527,11 +12457,11 @@
             </a:pPr>
             <a:r>
               <a:rPr lang="en-US" b="1" i="1" dirty="0" smtClean="0"/>
-              <a:t>Don’t</a:t>
+              <a:t>Do</a:t>
             </a:r>
             <a:r>
               <a:rPr lang="en-US" dirty="0" smtClean="0"/>
-              <a:t> rely on implicit transaction.</a:t>
+              <a:t> use “commands” and “queries”.</a:t>
             </a:r>
             <a:endParaRPr lang="en-US" dirty="0"/>
           </a:p>
@@ -8563,7 +12493,7 @@
     </p:spTree>
     <p:extLst>
       <p:ext uri="{BB962C8B-B14F-4D97-AF65-F5344CB8AC3E}">
-        <p14:creationId xmlns:p14="http://schemas.microsoft.com/office/powerpoint/2010/main" val="876614346"/>
+        <p14:creationId xmlns:p14="http://schemas.microsoft.com/office/powerpoint/2010/main" val="102349546"/>
       </p:ext>
     </p:extLst>
   </p:cSld>
@@ -8640,11 +12570,11 @@
             </a:pPr>
             <a:r>
               <a:rPr lang="en-US" b="1" i="1" dirty="0" smtClean="0"/>
-              <a:t>Do</a:t>
+              <a:t>Don’t</a:t>
             </a:r>
             <a:r>
               <a:rPr lang="en-US" dirty="0" smtClean="0"/>
-              <a:t> use explicit transactions.</a:t>
+              <a:t> rely on implicit transaction.</a:t>
             </a:r>
             <a:endParaRPr lang="en-US" dirty="0"/>
           </a:p>
@@ -8676,7 +12606,7 @@
     </p:spTree>
     <p:extLst>
       <p:ext uri="{BB962C8B-B14F-4D97-AF65-F5344CB8AC3E}">
-        <p14:creationId xmlns:p14="http://schemas.microsoft.com/office/powerpoint/2010/main" val="1970666366"/>
+        <p14:creationId xmlns:p14="http://schemas.microsoft.com/office/powerpoint/2010/main" val="876614346"/>
       </p:ext>
     </p:extLst>
   </p:cSld>
@@ -8727,7 +12657,7 @@
           <a:p>
             <a:r>
               <a:rPr lang="en-US" dirty="0" smtClean="0"/>
-              <a:t>Tools of the Trade</a:t>
+              <a:t>Unintended Consequences</a:t>
             </a:r>
             <a:endParaRPr lang="en-US" dirty="0"/>
           </a:p>
@@ -8753,19 +12683,11 @@
             </a:pPr>
             <a:r>
               <a:rPr lang="en-US" b="1" i="1" dirty="0" smtClean="0"/>
-              <a:t>Don</a:t>
-            </a:r>
-            <a:r>
-              <a:rPr lang="uk-UA" b="1" i="1" dirty="0" smtClean="0"/>
-              <a:t>’</a:t>
-            </a:r>
-            <a:r>
-              <a:rPr lang="en-US" b="1" i="1" dirty="0"/>
-              <a:t>t</a:t>
+              <a:t>Do</a:t>
             </a:r>
             <a:r>
               <a:rPr lang="en-US" dirty="0" smtClean="0"/>
-              <a:t> let your ORM define your database schema.</a:t>
+              <a:t> use explicit transactions.</a:t>
             </a:r>
             <a:endParaRPr lang="en-US" dirty="0"/>
           </a:p>
@@ -8797,7 +12719,7 @@
     </p:spTree>
     <p:extLst>
       <p:ext uri="{BB962C8B-B14F-4D97-AF65-F5344CB8AC3E}">
-        <p14:creationId xmlns:p14="http://schemas.microsoft.com/office/powerpoint/2010/main" val="2082213182"/>
+        <p14:creationId xmlns:p14="http://schemas.microsoft.com/office/powerpoint/2010/main" val="1970666366"/>
       </p:ext>
     </p:extLst>
   </p:cSld>
@@ -8886,7 +12808,7 @@
             </a:r>
             <a:r>
               <a:rPr lang="en-US" dirty="0" smtClean="0"/>
-              <a:t> auto-generate data access code from your database.</a:t>
+              <a:t> let your ORM define your database schema.</a:t>
             </a:r>
             <a:endParaRPr lang="en-US" dirty="0"/>
           </a:p>
@@ -8912,13 +12834,1026 @@
               <a:t>http://josephdaigle.me</a:t>
             </a:r>
             <a:endParaRPr lang="en-US"/>
+          </a:p>
+        </p:txBody>
+      </p:sp>
+      <p:sp>
+        <p:nvSpPr>
+          <p:cNvPr id="5" name="Rectangle 4"/>
+          <p:cNvSpPr/>
+          <p:nvPr/>
+        </p:nvSpPr>
+        <p:spPr>
+          <a:xfrm>
+            <a:off x="2162174" y="2287486"/>
+            <a:ext cx="9553575" cy="4247317"/>
+          </a:xfrm>
+          <a:prstGeom prst="rect">
+            <a:avLst/>
+          </a:prstGeom>
+        </p:spPr>
+        <p:txBody>
+          <a:bodyPr wrap="square">
+            <a:spAutoFit/>
+          </a:bodyPr>
+          <a:lstStyle/>
+          <a:p>
+            <a:r>
+              <a:rPr lang="en-US" dirty="0">
+                <a:solidFill>
+                  <a:srgbClr val="0000FF"/>
+                </a:solidFill>
+                <a:highlight>
+                  <a:srgbClr val="FFFFFF"/>
+                </a:highlight>
+                <a:latin typeface="Consolas" charset="0"/>
+              </a:rPr>
+              <a:t>public</a:t>
+            </a:r>
+            <a:r>
+              <a:rPr lang="en-US" dirty="0">
+                <a:solidFill>
+                  <a:srgbClr val="000000"/>
+                </a:solidFill>
+                <a:highlight>
+                  <a:srgbClr val="FFFFFF"/>
+                </a:highlight>
+                <a:latin typeface="Consolas" charset="0"/>
+              </a:rPr>
+              <a:t> </a:t>
+            </a:r>
+            <a:r>
+              <a:rPr lang="en-US" dirty="0">
+                <a:solidFill>
+                  <a:srgbClr val="0000FF"/>
+                </a:solidFill>
+                <a:highlight>
+                  <a:srgbClr val="FFFFFF"/>
+                </a:highlight>
+                <a:latin typeface="Consolas" charset="0"/>
+              </a:rPr>
+              <a:t>class</a:t>
+            </a:r>
+            <a:r>
+              <a:rPr lang="en-US" dirty="0">
+                <a:solidFill>
+                  <a:srgbClr val="000000"/>
+                </a:solidFill>
+                <a:highlight>
+                  <a:srgbClr val="FFFFFF"/>
+                </a:highlight>
+                <a:latin typeface="Consolas" charset="0"/>
+              </a:rPr>
+              <a:t> </a:t>
+            </a:r>
+            <a:r>
+              <a:rPr lang="en-US" dirty="0" err="1">
+                <a:solidFill>
+                  <a:srgbClr val="2B91AF"/>
+                </a:solidFill>
+                <a:highlight>
+                  <a:srgbClr val="FFFFFF"/>
+                </a:highlight>
+                <a:latin typeface="Consolas" charset="0"/>
+              </a:rPr>
+              <a:t>ProductReview</a:t>
+            </a:r>
+            <a:endParaRPr lang="en-US" dirty="0">
+              <a:solidFill>
+                <a:srgbClr val="000000"/>
+              </a:solidFill>
+              <a:highlight>
+                <a:srgbClr val="FFFFFF"/>
+              </a:highlight>
+              <a:latin typeface="Consolas" charset="0"/>
+            </a:endParaRPr>
+          </a:p>
+          <a:p>
+            <a:r>
+              <a:rPr lang="en-US" dirty="0">
+                <a:solidFill>
+                  <a:srgbClr val="000000"/>
+                </a:solidFill>
+                <a:highlight>
+                  <a:srgbClr val="FFFFFF"/>
+                </a:highlight>
+                <a:latin typeface="Consolas" charset="0"/>
+              </a:rPr>
+              <a:t>{</a:t>
+            </a:r>
+          </a:p>
+          <a:p>
+            <a:r>
+              <a:rPr lang="en-US" dirty="0">
+                <a:solidFill>
+                  <a:srgbClr val="000000"/>
+                </a:solidFill>
+                <a:highlight>
+                  <a:srgbClr val="FFFFFF"/>
+                </a:highlight>
+                <a:latin typeface="Consolas" charset="0"/>
+              </a:rPr>
+              <a:t>    [</a:t>
+            </a:r>
+            <a:r>
+              <a:rPr lang="en-US" dirty="0">
+                <a:solidFill>
+                  <a:srgbClr val="2B91AF"/>
+                </a:solidFill>
+                <a:highlight>
+                  <a:srgbClr val="FFFFFF"/>
+                </a:highlight>
+                <a:latin typeface="Consolas" charset="0"/>
+              </a:rPr>
+              <a:t>Key</a:t>
+            </a:r>
+            <a:r>
+              <a:rPr lang="en-US" dirty="0">
+                <a:solidFill>
+                  <a:srgbClr val="000000"/>
+                </a:solidFill>
+                <a:highlight>
+                  <a:srgbClr val="FFFFFF"/>
+                </a:highlight>
+                <a:latin typeface="Consolas" charset="0"/>
+              </a:rPr>
+              <a:t>]</a:t>
+            </a:r>
+          </a:p>
+          <a:p>
+            <a:r>
+              <a:rPr lang="en-US" dirty="0">
+                <a:solidFill>
+                  <a:srgbClr val="000000"/>
+                </a:solidFill>
+                <a:highlight>
+                  <a:srgbClr val="FFFFFF"/>
+                </a:highlight>
+                <a:latin typeface="Consolas" charset="0"/>
+              </a:rPr>
+              <a:t>    </a:t>
+            </a:r>
+            <a:r>
+              <a:rPr lang="en-US" dirty="0">
+                <a:solidFill>
+                  <a:srgbClr val="0000FF"/>
+                </a:solidFill>
+                <a:highlight>
+                  <a:srgbClr val="FFFFFF"/>
+                </a:highlight>
+                <a:latin typeface="Consolas" charset="0"/>
+              </a:rPr>
+              <a:t>public</a:t>
+            </a:r>
+            <a:r>
+              <a:rPr lang="en-US" dirty="0">
+                <a:solidFill>
+                  <a:srgbClr val="000000"/>
+                </a:solidFill>
+                <a:highlight>
+                  <a:srgbClr val="FFFFFF"/>
+                </a:highlight>
+                <a:latin typeface="Consolas" charset="0"/>
+              </a:rPr>
+              <a:t> </a:t>
+            </a:r>
+            <a:r>
+              <a:rPr lang="en-US" dirty="0" err="1">
+                <a:solidFill>
+                  <a:srgbClr val="0000FF"/>
+                </a:solidFill>
+                <a:highlight>
+                  <a:srgbClr val="FFFFFF"/>
+                </a:highlight>
+                <a:latin typeface="Consolas" charset="0"/>
+              </a:rPr>
+              <a:t>int</a:t>
+            </a:r>
+            <a:r>
+              <a:rPr lang="en-US" dirty="0">
+                <a:solidFill>
+                  <a:srgbClr val="000000"/>
+                </a:solidFill>
+                <a:highlight>
+                  <a:srgbClr val="FFFFFF"/>
+                </a:highlight>
+                <a:latin typeface="Consolas" charset="0"/>
+              </a:rPr>
+              <a:t> </a:t>
+            </a:r>
+            <a:r>
+              <a:rPr lang="en-US" dirty="0" err="1">
+                <a:solidFill>
+                  <a:srgbClr val="000000"/>
+                </a:solidFill>
+                <a:highlight>
+                  <a:srgbClr val="FFFFFF"/>
+                </a:highlight>
+                <a:latin typeface="Consolas" charset="0"/>
+              </a:rPr>
+              <a:t>ProductReviewID</a:t>
+            </a:r>
+            <a:r>
+              <a:rPr lang="en-US" dirty="0">
+                <a:solidFill>
+                  <a:srgbClr val="000000"/>
+                </a:solidFill>
+                <a:highlight>
+                  <a:srgbClr val="FFFFFF"/>
+                </a:highlight>
+                <a:latin typeface="Consolas" charset="0"/>
+              </a:rPr>
+              <a:t> { </a:t>
+            </a:r>
+            <a:r>
+              <a:rPr lang="en-US" dirty="0">
+                <a:solidFill>
+                  <a:srgbClr val="0000FF"/>
+                </a:solidFill>
+                <a:highlight>
+                  <a:srgbClr val="FFFFFF"/>
+                </a:highlight>
+                <a:latin typeface="Consolas" charset="0"/>
+              </a:rPr>
+              <a:t>get</a:t>
+            </a:r>
+            <a:r>
+              <a:rPr lang="en-US" dirty="0">
+                <a:solidFill>
+                  <a:srgbClr val="000000"/>
+                </a:solidFill>
+                <a:highlight>
+                  <a:srgbClr val="FFFFFF"/>
+                </a:highlight>
+                <a:latin typeface="Consolas" charset="0"/>
+              </a:rPr>
+              <a:t>; </a:t>
+            </a:r>
+            <a:r>
+              <a:rPr lang="en-US" dirty="0">
+                <a:solidFill>
+                  <a:srgbClr val="0000FF"/>
+                </a:solidFill>
+                <a:highlight>
+                  <a:srgbClr val="FFFFFF"/>
+                </a:highlight>
+                <a:latin typeface="Consolas" charset="0"/>
+              </a:rPr>
+              <a:t>set</a:t>
+            </a:r>
+            <a:r>
+              <a:rPr lang="en-US" dirty="0">
+                <a:solidFill>
+                  <a:srgbClr val="000000"/>
+                </a:solidFill>
+                <a:highlight>
+                  <a:srgbClr val="FFFFFF"/>
+                </a:highlight>
+                <a:latin typeface="Consolas" charset="0"/>
+              </a:rPr>
+              <a:t>; }</a:t>
+            </a:r>
+          </a:p>
+          <a:p>
+            <a:endParaRPr lang="en-US" dirty="0">
+              <a:solidFill>
+                <a:srgbClr val="000000"/>
+              </a:solidFill>
+              <a:highlight>
+                <a:srgbClr val="FFFFFF"/>
+              </a:highlight>
+              <a:latin typeface="Consolas" charset="0"/>
+            </a:endParaRPr>
+          </a:p>
+          <a:p>
+            <a:r>
+              <a:rPr lang="en-US" dirty="0">
+                <a:solidFill>
+                  <a:srgbClr val="000000"/>
+                </a:solidFill>
+                <a:highlight>
+                  <a:srgbClr val="FFFFFF"/>
+                </a:highlight>
+                <a:latin typeface="Consolas" charset="0"/>
+              </a:rPr>
+              <a:t>    </a:t>
+            </a:r>
+            <a:r>
+              <a:rPr lang="en-US" dirty="0">
+                <a:solidFill>
+                  <a:srgbClr val="0000FF"/>
+                </a:solidFill>
+                <a:highlight>
+                  <a:srgbClr val="FFFFFF"/>
+                </a:highlight>
+                <a:latin typeface="Consolas" charset="0"/>
+              </a:rPr>
+              <a:t>public</a:t>
+            </a:r>
+            <a:r>
+              <a:rPr lang="en-US" dirty="0">
+                <a:solidFill>
+                  <a:srgbClr val="000000"/>
+                </a:solidFill>
+                <a:highlight>
+                  <a:srgbClr val="FFFFFF"/>
+                </a:highlight>
+                <a:latin typeface="Consolas" charset="0"/>
+              </a:rPr>
+              <a:t> </a:t>
+            </a:r>
+            <a:r>
+              <a:rPr lang="en-US" dirty="0" err="1">
+                <a:solidFill>
+                  <a:srgbClr val="0000FF"/>
+                </a:solidFill>
+                <a:highlight>
+                  <a:srgbClr val="FFFFFF"/>
+                </a:highlight>
+                <a:latin typeface="Consolas" charset="0"/>
+              </a:rPr>
+              <a:t>int</a:t>
+            </a:r>
+            <a:r>
+              <a:rPr lang="en-US" dirty="0">
+                <a:solidFill>
+                  <a:srgbClr val="000000"/>
+                </a:solidFill>
+                <a:highlight>
+                  <a:srgbClr val="FFFFFF"/>
+                </a:highlight>
+                <a:latin typeface="Consolas" charset="0"/>
+              </a:rPr>
+              <a:t> </a:t>
+            </a:r>
+            <a:r>
+              <a:rPr lang="en-US" dirty="0" err="1">
+                <a:solidFill>
+                  <a:srgbClr val="000000"/>
+                </a:solidFill>
+                <a:highlight>
+                  <a:srgbClr val="FFFFFF"/>
+                </a:highlight>
+                <a:latin typeface="Consolas" charset="0"/>
+              </a:rPr>
+              <a:t>ProductId</a:t>
+            </a:r>
+            <a:r>
+              <a:rPr lang="en-US" dirty="0">
+                <a:solidFill>
+                  <a:srgbClr val="000000"/>
+                </a:solidFill>
+                <a:highlight>
+                  <a:srgbClr val="FFFFFF"/>
+                </a:highlight>
+                <a:latin typeface="Consolas" charset="0"/>
+              </a:rPr>
+              <a:t> { </a:t>
+            </a:r>
+            <a:r>
+              <a:rPr lang="en-US" dirty="0">
+                <a:solidFill>
+                  <a:srgbClr val="0000FF"/>
+                </a:solidFill>
+                <a:highlight>
+                  <a:srgbClr val="FFFFFF"/>
+                </a:highlight>
+                <a:latin typeface="Consolas" charset="0"/>
+              </a:rPr>
+              <a:t>get</a:t>
+            </a:r>
+            <a:r>
+              <a:rPr lang="en-US" dirty="0">
+                <a:solidFill>
+                  <a:srgbClr val="000000"/>
+                </a:solidFill>
+                <a:highlight>
+                  <a:srgbClr val="FFFFFF"/>
+                </a:highlight>
+                <a:latin typeface="Consolas" charset="0"/>
+              </a:rPr>
+              <a:t>; </a:t>
+            </a:r>
+            <a:r>
+              <a:rPr lang="en-US" dirty="0">
+                <a:solidFill>
+                  <a:srgbClr val="0000FF"/>
+                </a:solidFill>
+                <a:highlight>
+                  <a:srgbClr val="FFFFFF"/>
+                </a:highlight>
+                <a:latin typeface="Consolas" charset="0"/>
+              </a:rPr>
+              <a:t>set</a:t>
+            </a:r>
+            <a:r>
+              <a:rPr lang="en-US" dirty="0">
+                <a:solidFill>
+                  <a:srgbClr val="000000"/>
+                </a:solidFill>
+                <a:highlight>
+                  <a:srgbClr val="FFFFFF"/>
+                </a:highlight>
+                <a:latin typeface="Consolas" charset="0"/>
+              </a:rPr>
+              <a:t>; }</a:t>
+            </a:r>
+          </a:p>
+          <a:p>
+            <a:endParaRPr lang="en-US" dirty="0">
+              <a:solidFill>
+                <a:srgbClr val="000000"/>
+              </a:solidFill>
+              <a:highlight>
+                <a:srgbClr val="FFFFFF"/>
+              </a:highlight>
+              <a:latin typeface="Consolas" charset="0"/>
+            </a:endParaRPr>
+          </a:p>
+          <a:p>
+            <a:r>
+              <a:rPr lang="en-US" dirty="0">
+                <a:solidFill>
+                  <a:srgbClr val="000000"/>
+                </a:solidFill>
+                <a:highlight>
+                  <a:srgbClr val="FFFFFF"/>
+                </a:highlight>
+                <a:latin typeface="Consolas" charset="0"/>
+              </a:rPr>
+              <a:t>    [</a:t>
+            </a:r>
+            <a:r>
+              <a:rPr lang="en-US" dirty="0">
+                <a:solidFill>
+                  <a:srgbClr val="2B91AF"/>
+                </a:solidFill>
+                <a:highlight>
+                  <a:srgbClr val="FFFFFF"/>
+                </a:highlight>
+                <a:latin typeface="Consolas" charset="0"/>
+              </a:rPr>
+              <a:t>Required</a:t>
+            </a:r>
+            <a:r>
+              <a:rPr lang="en-US" dirty="0">
+                <a:solidFill>
+                  <a:srgbClr val="000000"/>
+                </a:solidFill>
+                <a:highlight>
+                  <a:srgbClr val="FFFFFF"/>
+                </a:highlight>
+                <a:latin typeface="Consolas" charset="0"/>
+              </a:rPr>
+              <a:t>]</a:t>
+            </a:r>
+          </a:p>
+          <a:p>
+            <a:r>
+              <a:rPr lang="en-US" dirty="0">
+                <a:solidFill>
+                  <a:srgbClr val="000000"/>
+                </a:solidFill>
+                <a:highlight>
+                  <a:srgbClr val="FFFFFF"/>
+                </a:highlight>
+                <a:latin typeface="Consolas" charset="0"/>
+              </a:rPr>
+              <a:t>    [</a:t>
+            </a:r>
+            <a:r>
+              <a:rPr lang="en-US" dirty="0" err="1">
+                <a:solidFill>
+                  <a:srgbClr val="2B91AF"/>
+                </a:solidFill>
+                <a:highlight>
+                  <a:srgbClr val="FFFFFF"/>
+                </a:highlight>
+                <a:latin typeface="Consolas" charset="0"/>
+              </a:rPr>
+              <a:t>StringLength</a:t>
+            </a:r>
+            <a:r>
+              <a:rPr lang="en-US" dirty="0">
+                <a:solidFill>
+                  <a:srgbClr val="000000"/>
+                </a:solidFill>
+                <a:highlight>
+                  <a:srgbClr val="FFFFFF"/>
+                </a:highlight>
+                <a:latin typeface="Consolas" charset="0"/>
+              </a:rPr>
+              <a:t>(100)]</a:t>
+            </a:r>
+          </a:p>
+          <a:p>
+            <a:r>
+              <a:rPr lang="en-US" dirty="0">
+                <a:solidFill>
+                  <a:srgbClr val="000000"/>
+                </a:solidFill>
+                <a:highlight>
+                  <a:srgbClr val="FFFFFF"/>
+                </a:highlight>
+                <a:latin typeface="Consolas" charset="0"/>
+              </a:rPr>
+              <a:t>    </a:t>
+            </a:r>
+            <a:r>
+              <a:rPr lang="en-US" dirty="0">
+                <a:solidFill>
+                  <a:srgbClr val="0000FF"/>
+                </a:solidFill>
+                <a:highlight>
+                  <a:srgbClr val="FFFFFF"/>
+                </a:highlight>
+                <a:latin typeface="Consolas" charset="0"/>
+              </a:rPr>
+              <a:t>public</a:t>
+            </a:r>
+            <a:r>
+              <a:rPr lang="en-US" dirty="0">
+                <a:solidFill>
+                  <a:srgbClr val="000000"/>
+                </a:solidFill>
+                <a:highlight>
+                  <a:srgbClr val="FFFFFF"/>
+                </a:highlight>
+                <a:latin typeface="Consolas" charset="0"/>
+              </a:rPr>
+              <a:t> </a:t>
+            </a:r>
+            <a:r>
+              <a:rPr lang="en-US" dirty="0">
+                <a:solidFill>
+                  <a:srgbClr val="0000FF"/>
+                </a:solidFill>
+                <a:highlight>
+                  <a:srgbClr val="FFFFFF"/>
+                </a:highlight>
+                <a:latin typeface="Consolas" charset="0"/>
+              </a:rPr>
+              <a:t>string</a:t>
+            </a:r>
+            <a:r>
+              <a:rPr lang="en-US" dirty="0">
+                <a:solidFill>
+                  <a:srgbClr val="000000"/>
+                </a:solidFill>
+                <a:highlight>
+                  <a:srgbClr val="FFFFFF"/>
+                </a:highlight>
+                <a:latin typeface="Consolas" charset="0"/>
+              </a:rPr>
+              <a:t> </a:t>
+            </a:r>
+            <a:r>
+              <a:rPr lang="en-US" dirty="0" err="1">
+                <a:solidFill>
+                  <a:srgbClr val="000000"/>
+                </a:solidFill>
+                <a:highlight>
+                  <a:srgbClr val="FFFFFF"/>
+                </a:highlight>
+                <a:latin typeface="Consolas" charset="0"/>
+              </a:rPr>
+              <a:t>ReviewerName</a:t>
+            </a:r>
+            <a:r>
+              <a:rPr lang="en-US" dirty="0">
+                <a:solidFill>
+                  <a:srgbClr val="000000"/>
+                </a:solidFill>
+                <a:highlight>
+                  <a:srgbClr val="FFFFFF"/>
+                </a:highlight>
+                <a:latin typeface="Consolas" charset="0"/>
+              </a:rPr>
+              <a:t> { </a:t>
+            </a:r>
+            <a:r>
+              <a:rPr lang="en-US" dirty="0">
+                <a:solidFill>
+                  <a:srgbClr val="0000FF"/>
+                </a:solidFill>
+                <a:highlight>
+                  <a:srgbClr val="FFFFFF"/>
+                </a:highlight>
+                <a:latin typeface="Consolas" charset="0"/>
+              </a:rPr>
+              <a:t>get</a:t>
+            </a:r>
+            <a:r>
+              <a:rPr lang="en-US" dirty="0">
+                <a:solidFill>
+                  <a:srgbClr val="000000"/>
+                </a:solidFill>
+                <a:highlight>
+                  <a:srgbClr val="FFFFFF"/>
+                </a:highlight>
+                <a:latin typeface="Consolas" charset="0"/>
+              </a:rPr>
+              <a:t>; </a:t>
+            </a:r>
+            <a:r>
+              <a:rPr lang="en-US" dirty="0">
+                <a:solidFill>
+                  <a:srgbClr val="0000FF"/>
+                </a:solidFill>
+                <a:highlight>
+                  <a:srgbClr val="FFFFFF"/>
+                </a:highlight>
+                <a:latin typeface="Consolas" charset="0"/>
+              </a:rPr>
+              <a:t>set</a:t>
+            </a:r>
+            <a:r>
+              <a:rPr lang="en-US" dirty="0">
+                <a:solidFill>
+                  <a:srgbClr val="000000"/>
+                </a:solidFill>
+                <a:highlight>
+                  <a:srgbClr val="FFFFFF"/>
+                </a:highlight>
+                <a:latin typeface="Consolas" charset="0"/>
+              </a:rPr>
+              <a:t>; </a:t>
+            </a:r>
+            <a:r>
+              <a:rPr lang="en-US" dirty="0" smtClean="0">
+                <a:solidFill>
+                  <a:srgbClr val="000000"/>
+                </a:solidFill>
+                <a:highlight>
+                  <a:srgbClr val="FFFFFF"/>
+                </a:highlight>
+                <a:latin typeface="Consolas" charset="0"/>
+              </a:rPr>
+              <a:t>}</a:t>
+            </a:r>
+          </a:p>
+          <a:p>
+            <a:r>
+              <a:rPr lang="en-US" dirty="0">
+                <a:solidFill>
+                  <a:srgbClr val="000000"/>
+                </a:solidFill>
+                <a:highlight>
+                  <a:srgbClr val="FFFFFF"/>
+                </a:highlight>
+                <a:latin typeface="Consolas" charset="0"/>
+              </a:rPr>
+              <a:t> </a:t>
+            </a:r>
+            <a:r>
+              <a:rPr lang="en-US" dirty="0" smtClean="0">
+                <a:solidFill>
+                  <a:srgbClr val="000000"/>
+                </a:solidFill>
+                <a:highlight>
+                  <a:srgbClr val="FFFFFF"/>
+                </a:highlight>
+                <a:latin typeface="Consolas" charset="0"/>
+              </a:rPr>
+              <a:t>   [</a:t>
+            </a:r>
+            <a:r>
+              <a:rPr lang="en-US" dirty="0">
+                <a:solidFill>
+                  <a:srgbClr val="2B91AF"/>
+                </a:solidFill>
+                <a:highlight>
+                  <a:srgbClr val="FFFFFF"/>
+                </a:highlight>
+                <a:latin typeface="Consolas" charset="0"/>
+              </a:rPr>
+              <a:t>Required</a:t>
+            </a:r>
+            <a:r>
+              <a:rPr lang="en-US" dirty="0">
+                <a:solidFill>
+                  <a:srgbClr val="000000"/>
+                </a:solidFill>
+                <a:highlight>
+                  <a:srgbClr val="FFFFFF"/>
+                </a:highlight>
+                <a:latin typeface="Consolas" charset="0"/>
+              </a:rPr>
+              <a:t>]</a:t>
+            </a:r>
+          </a:p>
+          <a:p>
+            <a:r>
+              <a:rPr lang="en-US" dirty="0">
+                <a:solidFill>
+                  <a:srgbClr val="000000"/>
+                </a:solidFill>
+                <a:highlight>
+                  <a:srgbClr val="FFFFFF"/>
+                </a:highlight>
+                <a:latin typeface="Consolas" charset="0"/>
+              </a:rPr>
+              <a:t>    [</a:t>
+            </a:r>
+            <a:r>
+              <a:rPr lang="en-US" dirty="0" err="1">
+                <a:solidFill>
+                  <a:srgbClr val="2B91AF"/>
+                </a:solidFill>
+                <a:highlight>
+                  <a:srgbClr val="FFFFFF"/>
+                </a:highlight>
+                <a:latin typeface="Consolas" charset="0"/>
+              </a:rPr>
+              <a:t>StringLength</a:t>
+            </a:r>
+            <a:r>
+              <a:rPr lang="en-US" dirty="0">
+                <a:solidFill>
+                  <a:srgbClr val="000000"/>
+                </a:solidFill>
+                <a:highlight>
+                  <a:srgbClr val="FFFFFF"/>
+                </a:highlight>
+                <a:latin typeface="Consolas" charset="0"/>
+              </a:rPr>
+              <a:t>(8000)]</a:t>
+            </a:r>
+          </a:p>
+          <a:p>
+            <a:r>
+              <a:rPr lang="en-US" dirty="0">
+                <a:solidFill>
+                  <a:srgbClr val="000000"/>
+                </a:solidFill>
+                <a:highlight>
+                  <a:srgbClr val="FFFFFF"/>
+                </a:highlight>
+                <a:latin typeface="Consolas" charset="0"/>
+              </a:rPr>
+              <a:t>    </a:t>
+            </a:r>
+            <a:r>
+              <a:rPr lang="en-US" dirty="0">
+                <a:solidFill>
+                  <a:srgbClr val="0000FF"/>
+                </a:solidFill>
+                <a:highlight>
+                  <a:srgbClr val="FFFFFF"/>
+                </a:highlight>
+                <a:latin typeface="Consolas" charset="0"/>
+              </a:rPr>
+              <a:t>public</a:t>
+            </a:r>
+            <a:r>
+              <a:rPr lang="en-US" dirty="0">
+                <a:solidFill>
+                  <a:srgbClr val="000000"/>
+                </a:solidFill>
+                <a:highlight>
+                  <a:srgbClr val="FFFFFF"/>
+                </a:highlight>
+                <a:latin typeface="Consolas" charset="0"/>
+              </a:rPr>
+              <a:t> </a:t>
+            </a:r>
+            <a:r>
+              <a:rPr lang="en-US" dirty="0">
+                <a:solidFill>
+                  <a:srgbClr val="0000FF"/>
+                </a:solidFill>
+                <a:highlight>
+                  <a:srgbClr val="FFFFFF"/>
+                </a:highlight>
+                <a:latin typeface="Consolas" charset="0"/>
+              </a:rPr>
+              <a:t>string</a:t>
+            </a:r>
+            <a:r>
+              <a:rPr lang="en-US" dirty="0">
+                <a:solidFill>
+                  <a:srgbClr val="000000"/>
+                </a:solidFill>
+                <a:highlight>
+                  <a:srgbClr val="FFFFFF"/>
+                </a:highlight>
+                <a:latin typeface="Consolas" charset="0"/>
+              </a:rPr>
+              <a:t> Comments { </a:t>
+            </a:r>
+            <a:r>
+              <a:rPr lang="en-US" dirty="0">
+                <a:solidFill>
+                  <a:srgbClr val="0000FF"/>
+                </a:solidFill>
+                <a:highlight>
+                  <a:srgbClr val="FFFFFF"/>
+                </a:highlight>
+                <a:latin typeface="Consolas" charset="0"/>
+              </a:rPr>
+              <a:t>get</a:t>
+            </a:r>
+            <a:r>
+              <a:rPr lang="en-US" dirty="0">
+                <a:solidFill>
+                  <a:srgbClr val="000000"/>
+                </a:solidFill>
+                <a:highlight>
+                  <a:srgbClr val="FFFFFF"/>
+                </a:highlight>
+                <a:latin typeface="Consolas" charset="0"/>
+              </a:rPr>
+              <a:t>; </a:t>
+            </a:r>
+            <a:r>
+              <a:rPr lang="en-US" dirty="0">
+                <a:solidFill>
+                  <a:srgbClr val="0000FF"/>
+                </a:solidFill>
+                <a:highlight>
+                  <a:srgbClr val="FFFFFF"/>
+                </a:highlight>
+                <a:latin typeface="Consolas" charset="0"/>
+              </a:rPr>
+              <a:t>set</a:t>
+            </a:r>
+            <a:r>
+              <a:rPr lang="en-US" dirty="0">
+                <a:solidFill>
+                  <a:srgbClr val="000000"/>
+                </a:solidFill>
+                <a:highlight>
+                  <a:srgbClr val="FFFFFF"/>
+                </a:highlight>
+                <a:latin typeface="Consolas" charset="0"/>
+              </a:rPr>
+              <a:t>; }</a:t>
+            </a:r>
+          </a:p>
+          <a:p>
+            <a:endParaRPr lang="en-US" dirty="0">
+              <a:solidFill>
+                <a:srgbClr val="000000"/>
+              </a:solidFill>
+              <a:highlight>
+                <a:srgbClr val="FFFFFF"/>
+              </a:highlight>
+              <a:latin typeface="Consolas" charset="0"/>
+            </a:endParaRPr>
+          </a:p>
+          <a:p>
+            <a:r>
+              <a:rPr lang="en-US" dirty="0">
+                <a:solidFill>
+                  <a:srgbClr val="000000"/>
+                </a:solidFill>
+                <a:highlight>
+                  <a:srgbClr val="FFFFFF"/>
+                </a:highlight>
+                <a:latin typeface="Consolas" charset="0"/>
+              </a:rPr>
+              <a:t>    </a:t>
+            </a:r>
+            <a:r>
+              <a:rPr lang="en-US" dirty="0">
+                <a:solidFill>
+                  <a:srgbClr val="0000FF"/>
+                </a:solidFill>
+                <a:highlight>
+                  <a:srgbClr val="FFFFFF"/>
+                </a:highlight>
+                <a:latin typeface="Consolas" charset="0"/>
+              </a:rPr>
+              <a:t>public</a:t>
+            </a:r>
+            <a:r>
+              <a:rPr lang="en-US" dirty="0">
+                <a:solidFill>
+                  <a:srgbClr val="000000"/>
+                </a:solidFill>
+                <a:highlight>
+                  <a:srgbClr val="FFFFFF"/>
+                </a:highlight>
+                <a:latin typeface="Consolas" charset="0"/>
+              </a:rPr>
+              <a:t> </a:t>
+            </a:r>
+            <a:r>
+              <a:rPr lang="en-US" dirty="0" err="1">
+                <a:solidFill>
+                  <a:srgbClr val="2B91AF"/>
+                </a:solidFill>
+                <a:highlight>
+                  <a:srgbClr val="FFFFFF"/>
+                </a:highlight>
+                <a:latin typeface="Consolas" charset="0"/>
+              </a:rPr>
+              <a:t>DateTime</a:t>
+            </a:r>
+            <a:r>
+              <a:rPr lang="en-US" dirty="0">
+                <a:solidFill>
+                  <a:srgbClr val="000000"/>
+                </a:solidFill>
+                <a:highlight>
+                  <a:srgbClr val="FFFFFF"/>
+                </a:highlight>
+                <a:latin typeface="Consolas" charset="0"/>
+              </a:rPr>
+              <a:t> </a:t>
+            </a:r>
+            <a:r>
+              <a:rPr lang="en-US" dirty="0" err="1">
+                <a:solidFill>
+                  <a:srgbClr val="000000"/>
+                </a:solidFill>
+                <a:highlight>
+                  <a:srgbClr val="FFFFFF"/>
+                </a:highlight>
+                <a:latin typeface="Consolas" charset="0"/>
+              </a:rPr>
+              <a:t>ReviewDate</a:t>
+            </a:r>
+            <a:r>
+              <a:rPr lang="en-US" dirty="0">
+                <a:solidFill>
+                  <a:srgbClr val="000000"/>
+                </a:solidFill>
+                <a:highlight>
+                  <a:srgbClr val="FFFFFF"/>
+                </a:highlight>
+                <a:latin typeface="Consolas" charset="0"/>
+              </a:rPr>
+              <a:t> { </a:t>
+            </a:r>
+            <a:r>
+              <a:rPr lang="en-US" dirty="0">
+                <a:solidFill>
+                  <a:srgbClr val="0000FF"/>
+                </a:solidFill>
+                <a:highlight>
+                  <a:srgbClr val="FFFFFF"/>
+                </a:highlight>
+                <a:latin typeface="Consolas" charset="0"/>
+              </a:rPr>
+              <a:t>get</a:t>
+            </a:r>
+            <a:r>
+              <a:rPr lang="en-US" dirty="0">
+                <a:solidFill>
+                  <a:srgbClr val="000000"/>
+                </a:solidFill>
+                <a:highlight>
+                  <a:srgbClr val="FFFFFF"/>
+                </a:highlight>
+                <a:latin typeface="Consolas" charset="0"/>
+              </a:rPr>
+              <a:t>; </a:t>
+            </a:r>
+            <a:r>
+              <a:rPr lang="en-US" dirty="0">
+                <a:solidFill>
+                  <a:srgbClr val="0000FF"/>
+                </a:solidFill>
+                <a:highlight>
+                  <a:srgbClr val="FFFFFF"/>
+                </a:highlight>
+                <a:latin typeface="Consolas" charset="0"/>
+              </a:rPr>
+              <a:t>set</a:t>
+            </a:r>
+            <a:r>
+              <a:rPr lang="en-US" dirty="0">
+                <a:solidFill>
+                  <a:srgbClr val="000000"/>
+                </a:solidFill>
+                <a:highlight>
+                  <a:srgbClr val="FFFFFF"/>
+                </a:highlight>
+                <a:latin typeface="Consolas" charset="0"/>
+              </a:rPr>
+              <a:t>; </a:t>
+            </a:r>
+            <a:r>
+              <a:rPr lang="en-US" dirty="0" smtClean="0">
+                <a:solidFill>
+                  <a:srgbClr val="000000"/>
+                </a:solidFill>
+                <a:highlight>
+                  <a:srgbClr val="FFFFFF"/>
+                </a:highlight>
+                <a:latin typeface="Consolas" charset="0"/>
+              </a:rPr>
+              <a:t>}}</a:t>
+            </a:r>
+            <a:endParaRPr lang="en-US" dirty="0"/>
           </a:p>
         </p:txBody>
       </p:sp>
     </p:spTree>
     <p:extLst>
       <p:ext uri="{BB962C8B-B14F-4D97-AF65-F5344CB8AC3E}">
-        <p14:creationId xmlns:p14="http://schemas.microsoft.com/office/powerpoint/2010/main" val="2137318281"/>
+        <p14:creationId xmlns:p14="http://schemas.microsoft.com/office/powerpoint/2010/main" val="2082213182"/>
       </p:ext>
     </p:extLst>
   </p:cSld>
@@ -9007,7 +13942,7 @@
             </a:r>
             <a:r>
               <a:rPr lang="en-US" dirty="0" smtClean="0"/>
-              <a:t> let your ORM automatically modify your database schema.</a:t>
+              <a:t> auto-generate data access code from your database.</a:t>
             </a:r>
             <a:endParaRPr lang="en-US" dirty="0"/>
           </a:p>
@@ -9039,7 +13974,7 @@
     </p:spTree>
     <p:extLst>
       <p:ext uri="{BB962C8B-B14F-4D97-AF65-F5344CB8AC3E}">
-        <p14:creationId xmlns:p14="http://schemas.microsoft.com/office/powerpoint/2010/main" val="504416981"/>
+        <p14:creationId xmlns:p14="http://schemas.microsoft.com/office/powerpoint/2010/main" val="2137318281"/>
       </p:ext>
     </p:extLst>
   </p:cSld>
@@ -9128,7 +14063,7 @@
             </a:r>
             <a:r>
               <a:rPr lang="en-US" dirty="0" smtClean="0"/>
-              <a:t> couple database versioning (i.e. migrations) to your ORM.</a:t>
+              <a:t> let your ORM automatically modify your database schema.</a:t>
             </a:r>
             <a:endParaRPr lang="en-US" dirty="0"/>
           </a:p>
@@ -9154,13 +14089,184 @@
               <a:t>http://josephdaigle.me</a:t>
             </a:r>
             <a:endParaRPr lang="en-US"/>
+          </a:p>
+        </p:txBody>
+      </p:sp>
+      <p:sp>
+        <p:nvSpPr>
+          <p:cNvPr id="6" name="Rectangle 5"/>
+          <p:cNvSpPr/>
+          <p:nvPr/>
+        </p:nvSpPr>
+        <p:spPr>
+          <a:xfrm>
+            <a:off x="1157288" y="3276124"/>
+            <a:ext cx="11801474" cy="830997"/>
+          </a:xfrm>
+          <a:prstGeom prst="rect">
+            <a:avLst/>
+          </a:prstGeom>
+        </p:spPr>
+        <p:txBody>
+          <a:bodyPr wrap="square">
+            <a:spAutoFit/>
+          </a:bodyPr>
+          <a:lstStyle/>
+          <a:p>
+            <a:r>
+              <a:rPr lang="en-US" sz="2400" dirty="0" err="1">
+                <a:solidFill>
+                  <a:srgbClr val="2B91AF"/>
+                </a:solidFill>
+                <a:highlight>
+                  <a:srgbClr val="FFFFFF"/>
+                </a:highlight>
+                <a:latin typeface="Consolas" charset="0"/>
+              </a:rPr>
+              <a:t>Database</a:t>
+            </a:r>
+            <a:r>
+              <a:rPr lang="en-US" sz="2400" dirty="0" err="1">
+                <a:solidFill>
+                  <a:srgbClr val="000000"/>
+                </a:solidFill>
+                <a:highlight>
+                  <a:srgbClr val="FFFFFF"/>
+                </a:highlight>
+                <a:latin typeface="Consolas" charset="0"/>
+              </a:rPr>
+              <a:t>.SetInitializer</a:t>
+            </a:r>
+            <a:r>
+              <a:rPr lang="en-US" sz="2400" dirty="0">
+                <a:solidFill>
+                  <a:srgbClr val="000000"/>
+                </a:solidFill>
+                <a:highlight>
+                  <a:srgbClr val="FFFFFF"/>
+                </a:highlight>
+                <a:latin typeface="Consolas" charset="0"/>
+              </a:rPr>
+              <a:t>&lt;</a:t>
+            </a:r>
+            <a:r>
+              <a:rPr lang="en-US" sz="2400" dirty="0" err="1">
+                <a:solidFill>
+                  <a:srgbClr val="2B91AF"/>
+                </a:solidFill>
+                <a:highlight>
+                  <a:srgbClr val="FFFFFF"/>
+                </a:highlight>
+                <a:latin typeface="Consolas" charset="0"/>
+              </a:rPr>
+              <a:t>AdventureWorksDbContext</a:t>
+            </a:r>
+            <a:r>
+              <a:rPr lang="en-US" sz="2400" dirty="0">
+                <a:solidFill>
+                  <a:srgbClr val="000000"/>
+                </a:solidFill>
+                <a:highlight>
+                  <a:srgbClr val="FFFFFF"/>
+                </a:highlight>
+                <a:latin typeface="Consolas" charset="0"/>
+              </a:rPr>
+              <a:t>&gt;(</a:t>
+            </a:r>
+          </a:p>
+          <a:p>
+            <a:r>
+              <a:rPr lang="en-US" sz="2400" dirty="0">
+                <a:solidFill>
+                  <a:srgbClr val="000000"/>
+                </a:solidFill>
+                <a:highlight>
+                  <a:srgbClr val="FFFFFF"/>
+                </a:highlight>
+                <a:latin typeface="Consolas" charset="0"/>
+              </a:rPr>
+              <a:t>    </a:t>
+            </a:r>
+            <a:r>
+              <a:rPr lang="en-US" sz="2400" dirty="0">
+                <a:solidFill>
+                  <a:srgbClr val="0000FF"/>
+                </a:solidFill>
+                <a:highlight>
+                  <a:srgbClr val="FFFFFF"/>
+                </a:highlight>
+                <a:latin typeface="Consolas" charset="0"/>
+              </a:rPr>
+              <a:t>new</a:t>
+            </a:r>
+            <a:r>
+              <a:rPr lang="en-US" sz="2400" dirty="0">
+                <a:solidFill>
+                  <a:srgbClr val="000000"/>
+                </a:solidFill>
+                <a:highlight>
+                  <a:srgbClr val="FFFFFF"/>
+                </a:highlight>
+                <a:latin typeface="Consolas" charset="0"/>
+              </a:rPr>
+              <a:t> </a:t>
+            </a:r>
+            <a:r>
+              <a:rPr lang="en-US" sz="2400" dirty="0" err="1">
+                <a:solidFill>
+                  <a:srgbClr val="2B91AF"/>
+                </a:solidFill>
+                <a:highlight>
+                  <a:srgbClr val="FFFFFF"/>
+                </a:highlight>
+                <a:latin typeface="Consolas" charset="0"/>
+              </a:rPr>
+              <a:t>NullDatabaseInitializer</a:t>
+            </a:r>
+            <a:r>
+              <a:rPr lang="en-US" sz="2400" dirty="0">
+                <a:solidFill>
+                  <a:srgbClr val="000000"/>
+                </a:solidFill>
+                <a:highlight>
+                  <a:srgbClr val="FFFFFF"/>
+                </a:highlight>
+                <a:latin typeface="Consolas" charset="0"/>
+              </a:rPr>
+              <a:t>&lt;</a:t>
+            </a:r>
+            <a:r>
+              <a:rPr lang="en-US" sz="2400" dirty="0" err="1">
+                <a:solidFill>
+                  <a:srgbClr val="2B91AF"/>
+                </a:solidFill>
+                <a:highlight>
+                  <a:srgbClr val="FFFFFF"/>
+                </a:highlight>
+                <a:latin typeface="Consolas" charset="0"/>
+              </a:rPr>
+              <a:t>AdventureWorksDbContext</a:t>
+            </a:r>
+            <a:r>
+              <a:rPr lang="en-US" sz="2400" dirty="0">
+                <a:solidFill>
+                  <a:srgbClr val="000000"/>
+                </a:solidFill>
+                <a:highlight>
+                  <a:srgbClr val="FFFFFF"/>
+                </a:highlight>
+                <a:latin typeface="Consolas" charset="0"/>
+              </a:rPr>
+              <a:t>&gt;());</a:t>
+            </a:r>
+            <a:endParaRPr lang="en-US" sz="2400" dirty="0"/>
           </a:p>
         </p:txBody>
       </p:sp>
     </p:spTree>
     <p:extLst>
       <p:ext uri="{BB962C8B-B14F-4D97-AF65-F5344CB8AC3E}">
-        <p14:creationId xmlns:p14="http://schemas.microsoft.com/office/powerpoint/2010/main" val="273066562"/>
+        <p14:creationId xmlns:p14="http://schemas.microsoft.com/office/powerpoint/2010/main" val="504416981"/>
       </p:ext>
     </p:extLst>
   </p:cSld>
@@ -9237,11 +14343,19 @@
             </a:pPr>
             <a:r>
               <a:rPr lang="en-US" b="1" i="1" dirty="0" smtClean="0"/>
-              <a:t>Do</a:t>
+              <a:t>Don</a:t>
+            </a:r>
+            <a:r>
+              <a:rPr lang="uk-UA" b="1" i="1" dirty="0" smtClean="0"/>
+              <a:t>’</a:t>
+            </a:r>
+            <a:r>
+              <a:rPr lang="en-US" b="1" i="1" dirty="0"/>
+              <a:t>t</a:t>
             </a:r>
             <a:r>
               <a:rPr lang="en-US" dirty="0" smtClean="0"/>
-              <a:t> know and understand the SQL dialect of your RDBMS.</a:t>
+              <a:t> couple database versioning (i.e. migrations) to your ORM.</a:t>
             </a:r>
             <a:endParaRPr lang="en-US" dirty="0"/>
           </a:p>
@@ -9273,7 +14387,7 @@
     </p:spTree>
     <p:extLst>
       <p:ext uri="{BB962C8B-B14F-4D97-AF65-F5344CB8AC3E}">
-        <p14:creationId xmlns:p14="http://schemas.microsoft.com/office/powerpoint/2010/main" val="1020558100"/>
+        <p14:creationId xmlns:p14="http://schemas.microsoft.com/office/powerpoint/2010/main" val="273066562"/>
       </p:ext>
     </p:extLst>
   </p:cSld>
@@ -9457,7 +14571,7 @@
             </a:r>
             <a:r>
               <a:rPr lang="en-US" dirty="0" smtClean="0"/>
-              <a:t> use ORM Profilers.</a:t>
+              <a:t> know and understand the SQL dialect of your RDBMS.</a:t>
             </a:r>
             <a:endParaRPr lang="en-US" dirty="0"/>
           </a:p>
@@ -9486,6 +14600,983 @@
           </a:p>
         </p:txBody>
       </p:sp>
+      <p:sp>
+        <p:nvSpPr>
+          <p:cNvPr id="6" name="Rectangle 5"/>
+          <p:cNvSpPr/>
+          <p:nvPr/>
+        </p:nvSpPr>
+        <p:spPr>
+          <a:xfrm>
+            <a:off x="1971674" y="2717383"/>
+            <a:ext cx="9382125" cy="3139321"/>
+          </a:xfrm>
+          <a:prstGeom prst="rect">
+            <a:avLst/>
+          </a:prstGeom>
+        </p:spPr>
+        <p:txBody>
+          <a:bodyPr wrap="square">
+            <a:spAutoFit/>
+          </a:bodyPr>
+          <a:lstStyle/>
+          <a:p>
+            <a:r>
+              <a:rPr lang="en-US" dirty="0">
+                <a:solidFill>
+                  <a:srgbClr val="0000FF"/>
+                </a:solidFill>
+                <a:latin typeface="Helvetica" charset="0"/>
+              </a:rPr>
+              <a:t>WITH</a:t>
+            </a:r>
+            <a:r>
+              <a:rPr lang="en-US" dirty="0">
+                <a:solidFill>
+                  <a:prstClr val="black"/>
+                </a:solidFill>
+                <a:latin typeface="Helvetica" charset="0"/>
+              </a:rPr>
+              <a:t> </a:t>
+            </a:r>
+            <a:r>
+              <a:rPr lang="en-US" dirty="0" err="1">
+                <a:solidFill>
+                  <a:prstClr val="black"/>
+                </a:solidFill>
+                <a:latin typeface="Helvetica" charset="0"/>
+              </a:rPr>
+              <a:t>Sales_CTE</a:t>
+            </a:r>
+            <a:r>
+              <a:rPr lang="en-US" dirty="0">
+                <a:solidFill>
+                  <a:srgbClr val="0000FF"/>
+                </a:solidFill>
+                <a:latin typeface="Helvetica" charset="0"/>
+              </a:rPr>
+              <a:t> </a:t>
+            </a:r>
+            <a:r>
+              <a:rPr lang="en-US" dirty="0">
+                <a:solidFill>
+                  <a:srgbClr val="808080"/>
+                </a:solidFill>
+                <a:latin typeface="Helvetica" charset="0"/>
+              </a:rPr>
+              <a:t>(</a:t>
+            </a:r>
+            <a:r>
+              <a:rPr lang="en-US" dirty="0" err="1">
+                <a:solidFill>
+                  <a:prstClr val="black"/>
+                </a:solidFill>
+                <a:latin typeface="Helvetica" charset="0"/>
+              </a:rPr>
+              <a:t>SalesPersonID</a:t>
+            </a:r>
+            <a:r>
+              <a:rPr lang="en-US" dirty="0">
+                <a:solidFill>
+                  <a:srgbClr val="808080"/>
+                </a:solidFill>
+                <a:latin typeface="Helvetica" charset="0"/>
+              </a:rPr>
+              <a:t>,</a:t>
+            </a:r>
+            <a:r>
+              <a:rPr lang="en-US" dirty="0">
+                <a:solidFill>
+                  <a:prstClr val="black"/>
+                </a:solidFill>
+                <a:latin typeface="Helvetica" charset="0"/>
+              </a:rPr>
+              <a:t> </a:t>
+            </a:r>
+            <a:r>
+              <a:rPr lang="en-US" dirty="0" err="1">
+                <a:solidFill>
+                  <a:prstClr val="black"/>
+                </a:solidFill>
+                <a:latin typeface="Helvetica" charset="0"/>
+              </a:rPr>
+              <a:t>SalesOrderID</a:t>
+            </a:r>
+            <a:r>
+              <a:rPr lang="en-US" dirty="0">
+                <a:solidFill>
+                  <a:srgbClr val="808080"/>
+                </a:solidFill>
+                <a:latin typeface="Helvetica" charset="0"/>
+              </a:rPr>
+              <a:t>,</a:t>
+            </a:r>
+            <a:r>
+              <a:rPr lang="en-US" dirty="0">
+                <a:solidFill>
+                  <a:prstClr val="black"/>
+                </a:solidFill>
+                <a:latin typeface="Helvetica" charset="0"/>
+              </a:rPr>
+              <a:t> </a:t>
+            </a:r>
+            <a:r>
+              <a:rPr lang="en-US" dirty="0" err="1">
+                <a:solidFill>
+                  <a:prstClr val="black"/>
+                </a:solidFill>
+                <a:latin typeface="Helvetica" charset="0"/>
+              </a:rPr>
+              <a:t>SalesYear</a:t>
+            </a:r>
+            <a:r>
+              <a:rPr lang="en-US" dirty="0">
+                <a:solidFill>
+                  <a:srgbClr val="808080"/>
+                </a:solidFill>
+                <a:latin typeface="Helvetica" charset="0"/>
+              </a:rPr>
+              <a:t>)</a:t>
+            </a:r>
+          </a:p>
+          <a:p>
+            <a:r>
+              <a:rPr lang="en-US" dirty="0">
+                <a:solidFill>
+                  <a:srgbClr val="0000FF"/>
+                </a:solidFill>
+                <a:latin typeface="Helvetica" charset="0"/>
+              </a:rPr>
+              <a:t>AS</a:t>
+            </a:r>
+          </a:p>
+          <a:p>
+            <a:r>
+              <a:rPr lang="is-IS" dirty="0">
+                <a:solidFill>
+                  <a:srgbClr val="808080"/>
+                </a:solidFill>
+                <a:latin typeface="Helvetica" charset="0"/>
+              </a:rPr>
+              <a:t>(</a:t>
+            </a:r>
+          </a:p>
+          <a:p>
+            <a:r>
+              <a:rPr lang="en-US" dirty="0">
+                <a:solidFill>
+                  <a:prstClr val="black"/>
+                </a:solidFill>
+                <a:latin typeface="Helvetica" charset="0"/>
+              </a:rPr>
+              <a:t>    </a:t>
+            </a:r>
+            <a:r>
+              <a:rPr lang="en-US" dirty="0">
+                <a:solidFill>
+                  <a:srgbClr val="0000FF"/>
+                </a:solidFill>
+                <a:latin typeface="Helvetica" charset="0"/>
+              </a:rPr>
+              <a:t>SELECT</a:t>
+            </a:r>
+            <a:r>
+              <a:rPr lang="en-US" dirty="0">
+                <a:solidFill>
+                  <a:prstClr val="black"/>
+                </a:solidFill>
+                <a:latin typeface="Helvetica" charset="0"/>
+              </a:rPr>
+              <a:t> </a:t>
+            </a:r>
+            <a:r>
+              <a:rPr lang="en-US" dirty="0" err="1">
+                <a:solidFill>
+                  <a:prstClr val="black"/>
+                </a:solidFill>
+                <a:latin typeface="Helvetica" charset="0"/>
+              </a:rPr>
+              <a:t>SalesPersonID</a:t>
+            </a:r>
+            <a:r>
+              <a:rPr lang="en-US" dirty="0">
+                <a:solidFill>
+                  <a:srgbClr val="808080"/>
+                </a:solidFill>
+                <a:latin typeface="Helvetica" charset="0"/>
+              </a:rPr>
+              <a:t>,</a:t>
+            </a:r>
+            <a:r>
+              <a:rPr lang="en-US" dirty="0">
+                <a:solidFill>
+                  <a:prstClr val="black"/>
+                </a:solidFill>
+                <a:latin typeface="Helvetica" charset="0"/>
+              </a:rPr>
+              <a:t> </a:t>
+            </a:r>
+            <a:r>
+              <a:rPr lang="en-US" dirty="0" err="1">
+                <a:solidFill>
+                  <a:prstClr val="black"/>
+                </a:solidFill>
+                <a:latin typeface="Helvetica" charset="0"/>
+              </a:rPr>
+              <a:t>SalesOrderID</a:t>
+            </a:r>
+            <a:r>
+              <a:rPr lang="en-US" dirty="0">
+                <a:solidFill>
+                  <a:srgbClr val="808080"/>
+                </a:solidFill>
+                <a:latin typeface="Helvetica" charset="0"/>
+              </a:rPr>
+              <a:t>,</a:t>
+            </a:r>
+            <a:r>
+              <a:rPr lang="en-US" dirty="0">
+                <a:solidFill>
+                  <a:prstClr val="black"/>
+                </a:solidFill>
+                <a:latin typeface="Helvetica" charset="0"/>
+              </a:rPr>
+              <a:t> </a:t>
+            </a:r>
+            <a:r>
+              <a:rPr lang="en-US" dirty="0">
+                <a:solidFill>
+                  <a:srgbClr val="FF00FF"/>
+                </a:solidFill>
+                <a:latin typeface="Helvetica" charset="0"/>
+              </a:rPr>
+              <a:t>YEAR</a:t>
+            </a:r>
+            <a:r>
+              <a:rPr lang="en-US" dirty="0">
+                <a:solidFill>
+                  <a:srgbClr val="808080"/>
+                </a:solidFill>
+                <a:latin typeface="Helvetica" charset="0"/>
+              </a:rPr>
+              <a:t>(</a:t>
+            </a:r>
+            <a:r>
+              <a:rPr lang="en-US" dirty="0" err="1">
+                <a:solidFill>
+                  <a:prstClr val="black"/>
+                </a:solidFill>
+                <a:latin typeface="Helvetica" charset="0"/>
+              </a:rPr>
+              <a:t>OrderDate</a:t>
+            </a:r>
+            <a:r>
+              <a:rPr lang="en-US" dirty="0">
+                <a:solidFill>
+                  <a:srgbClr val="808080"/>
+                </a:solidFill>
+                <a:latin typeface="Helvetica" charset="0"/>
+              </a:rPr>
+              <a:t>)</a:t>
+            </a:r>
+            <a:r>
+              <a:rPr lang="en-US" dirty="0">
+                <a:solidFill>
+                  <a:prstClr val="black"/>
+                </a:solidFill>
+                <a:latin typeface="Helvetica" charset="0"/>
+              </a:rPr>
+              <a:t> </a:t>
+            </a:r>
+            <a:r>
+              <a:rPr lang="en-US" dirty="0">
+                <a:solidFill>
+                  <a:srgbClr val="0000FF"/>
+                </a:solidFill>
+                <a:latin typeface="Helvetica" charset="0"/>
+              </a:rPr>
+              <a:t>AS</a:t>
+            </a:r>
+            <a:r>
+              <a:rPr lang="en-US" dirty="0">
+                <a:solidFill>
+                  <a:prstClr val="black"/>
+                </a:solidFill>
+                <a:latin typeface="Helvetica" charset="0"/>
+              </a:rPr>
+              <a:t> </a:t>
+            </a:r>
+            <a:r>
+              <a:rPr lang="en-US" dirty="0" err="1">
+                <a:solidFill>
+                  <a:prstClr val="black"/>
+                </a:solidFill>
+                <a:latin typeface="Helvetica" charset="0"/>
+              </a:rPr>
+              <a:t>SalesYear</a:t>
+            </a:r>
+            <a:endParaRPr lang="en-US" dirty="0">
+              <a:solidFill>
+                <a:prstClr val="black"/>
+              </a:solidFill>
+              <a:latin typeface="Helvetica" charset="0"/>
+            </a:endParaRPr>
+          </a:p>
+          <a:p>
+            <a:r>
+              <a:rPr lang="en-US" dirty="0">
+                <a:solidFill>
+                  <a:prstClr val="black"/>
+                </a:solidFill>
+                <a:latin typeface="Helvetica" charset="0"/>
+              </a:rPr>
+              <a:t>    </a:t>
+            </a:r>
+            <a:r>
+              <a:rPr lang="en-US" dirty="0">
+                <a:solidFill>
+                  <a:srgbClr val="0000FF"/>
+                </a:solidFill>
+                <a:latin typeface="Helvetica" charset="0"/>
+              </a:rPr>
+              <a:t>FROM</a:t>
+            </a:r>
+            <a:r>
+              <a:rPr lang="en-US" dirty="0">
+                <a:solidFill>
+                  <a:prstClr val="black"/>
+                </a:solidFill>
+                <a:latin typeface="Helvetica" charset="0"/>
+              </a:rPr>
+              <a:t> </a:t>
+            </a:r>
+            <a:r>
+              <a:rPr lang="en-US" dirty="0" err="1">
+                <a:solidFill>
+                  <a:prstClr val="black"/>
+                </a:solidFill>
+                <a:latin typeface="Helvetica" charset="0"/>
+              </a:rPr>
+              <a:t>Sales</a:t>
+            </a:r>
+            <a:r>
+              <a:rPr lang="en-US" dirty="0" err="1">
+                <a:solidFill>
+                  <a:srgbClr val="808080"/>
+                </a:solidFill>
+                <a:latin typeface="Helvetica" charset="0"/>
+              </a:rPr>
+              <a:t>.</a:t>
+            </a:r>
+            <a:r>
+              <a:rPr lang="en-US" dirty="0" err="1">
+                <a:solidFill>
+                  <a:prstClr val="black"/>
+                </a:solidFill>
+                <a:latin typeface="Helvetica" charset="0"/>
+              </a:rPr>
+              <a:t>SalesOrderHeader</a:t>
+            </a:r>
+            <a:endParaRPr lang="en-US" dirty="0">
+              <a:solidFill>
+                <a:prstClr val="black"/>
+              </a:solidFill>
+              <a:latin typeface="Helvetica" charset="0"/>
+            </a:endParaRPr>
+          </a:p>
+          <a:p>
+            <a:r>
+              <a:rPr lang="en-US" dirty="0">
+                <a:solidFill>
+                  <a:prstClr val="black"/>
+                </a:solidFill>
+                <a:latin typeface="Helvetica" charset="0"/>
+              </a:rPr>
+              <a:t>    </a:t>
+            </a:r>
+            <a:r>
+              <a:rPr lang="en-US" dirty="0">
+                <a:solidFill>
+                  <a:srgbClr val="0000FF"/>
+                </a:solidFill>
+                <a:latin typeface="Helvetica" charset="0"/>
+              </a:rPr>
+              <a:t>WHERE</a:t>
+            </a:r>
+            <a:r>
+              <a:rPr lang="en-US" dirty="0">
+                <a:solidFill>
+                  <a:prstClr val="black"/>
+                </a:solidFill>
+                <a:latin typeface="Helvetica" charset="0"/>
+              </a:rPr>
+              <a:t> </a:t>
+            </a:r>
+            <a:r>
+              <a:rPr lang="en-US" dirty="0" err="1">
+                <a:solidFill>
+                  <a:prstClr val="black"/>
+                </a:solidFill>
+                <a:latin typeface="Helvetica" charset="0"/>
+              </a:rPr>
+              <a:t>SalesPersonID</a:t>
+            </a:r>
+            <a:r>
+              <a:rPr lang="en-US" dirty="0">
+                <a:solidFill>
+                  <a:prstClr val="black"/>
+                </a:solidFill>
+                <a:latin typeface="Helvetica" charset="0"/>
+              </a:rPr>
+              <a:t> </a:t>
+            </a:r>
+            <a:r>
+              <a:rPr lang="en-US" dirty="0">
+                <a:solidFill>
+                  <a:srgbClr val="808080"/>
+                </a:solidFill>
+                <a:latin typeface="Helvetica" charset="0"/>
+              </a:rPr>
+              <a:t>IS</a:t>
+            </a:r>
+            <a:r>
+              <a:rPr lang="en-US" dirty="0">
+                <a:solidFill>
+                  <a:prstClr val="black"/>
+                </a:solidFill>
+                <a:latin typeface="Helvetica" charset="0"/>
+              </a:rPr>
+              <a:t> </a:t>
+            </a:r>
+            <a:r>
+              <a:rPr lang="en-US" dirty="0">
+                <a:solidFill>
+                  <a:srgbClr val="808080"/>
+                </a:solidFill>
+                <a:latin typeface="Helvetica" charset="0"/>
+              </a:rPr>
+              <a:t>NOT</a:t>
+            </a:r>
+            <a:r>
+              <a:rPr lang="en-US" dirty="0">
+                <a:solidFill>
+                  <a:prstClr val="black"/>
+                </a:solidFill>
+                <a:latin typeface="Helvetica" charset="0"/>
+              </a:rPr>
+              <a:t> </a:t>
+            </a:r>
+            <a:r>
+              <a:rPr lang="en-US" dirty="0">
+                <a:solidFill>
+                  <a:srgbClr val="808080"/>
+                </a:solidFill>
+                <a:latin typeface="Helvetica" charset="0"/>
+              </a:rPr>
+              <a:t>NULL</a:t>
+            </a:r>
+          </a:p>
+          <a:p>
+            <a:r>
+              <a:rPr lang="is-IS" dirty="0">
+                <a:solidFill>
+                  <a:srgbClr val="808080"/>
+                </a:solidFill>
+                <a:latin typeface="Helvetica" charset="0"/>
+              </a:rPr>
+              <a:t>)</a:t>
+            </a:r>
+          </a:p>
+          <a:p>
+            <a:r>
+              <a:rPr lang="en-US" dirty="0">
+                <a:solidFill>
+                  <a:srgbClr val="0000FF"/>
+                </a:solidFill>
+                <a:latin typeface="Helvetica" charset="0"/>
+              </a:rPr>
+              <a:t>SELECT</a:t>
+            </a:r>
+            <a:r>
+              <a:rPr lang="en-US" dirty="0">
+                <a:solidFill>
+                  <a:prstClr val="black"/>
+                </a:solidFill>
+                <a:latin typeface="Helvetica" charset="0"/>
+              </a:rPr>
+              <a:t> </a:t>
+            </a:r>
+            <a:r>
+              <a:rPr lang="en-US" dirty="0" err="1">
+                <a:solidFill>
+                  <a:prstClr val="black"/>
+                </a:solidFill>
+                <a:latin typeface="Helvetica" charset="0"/>
+              </a:rPr>
+              <a:t>SalesPersonID</a:t>
+            </a:r>
+            <a:r>
+              <a:rPr lang="en-US" dirty="0">
+                <a:solidFill>
+                  <a:srgbClr val="808080"/>
+                </a:solidFill>
+                <a:latin typeface="Helvetica" charset="0"/>
+              </a:rPr>
+              <a:t>,</a:t>
+            </a:r>
+            <a:r>
+              <a:rPr lang="en-US" dirty="0">
+                <a:solidFill>
+                  <a:prstClr val="black"/>
+                </a:solidFill>
+                <a:latin typeface="Helvetica" charset="0"/>
+              </a:rPr>
+              <a:t> </a:t>
+            </a:r>
+            <a:r>
+              <a:rPr lang="en-US" dirty="0">
+                <a:solidFill>
+                  <a:srgbClr val="FF00FF"/>
+                </a:solidFill>
+                <a:latin typeface="Helvetica" charset="0"/>
+              </a:rPr>
+              <a:t>COUNT</a:t>
+            </a:r>
+            <a:r>
+              <a:rPr lang="en-US" dirty="0">
+                <a:solidFill>
+                  <a:srgbClr val="808080"/>
+                </a:solidFill>
+                <a:latin typeface="Helvetica" charset="0"/>
+              </a:rPr>
+              <a:t>(</a:t>
+            </a:r>
+            <a:r>
+              <a:rPr lang="en-US" dirty="0" err="1">
+                <a:solidFill>
+                  <a:prstClr val="black"/>
+                </a:solidFill>
+                <a:latin typeface="Helvetica" charset="0"/>
+              </a:rPr>
+              <a:t>SalesOrderID</a:t>
+            </a:r>
+            <a:r>
+              <a:rPr lang="en-US" dirty="0">
+                <a:solidFill>
+                  <a:srgbClr val="808080"/>
+                </a:solidFill>
+                <a:latin typeface="Helvetica" charset="0"/>
+              </a:rPr>
+              <a:t>)</a:t>
+            </a:r>
+            <a:r>
+              <a:rPr lang="en-US" dirty="0">
+                <a:solidFill>
+                  <a:prstClr val="black"/>
+                </a:solidFill>
+                <a:latin typeface="Helvetica" charset="0"/>
+              </a:rPr>
+              <a:t> </a:t>
+            </a:r>
+            <a:r>
+              <a:rPr lang="en-US" dirty="0">
+                <a:solidFill>
+                  <a:srgbClr val="0000FF"/>
+                </a:solidFill>
+                <a:latin typeface="Helvetica" charset="0"/>
+              </a:rPr>
+              <a:t>AS</a:t>
+            </a:r>
+            <a:r>
+              <a:rPr lang="en-US" dirty="0">
+                <a:solidFill>
+                  <a:prstClr val="black"/>
+                </a:solidFill>
+                <a:latin typeface="Helvetica" charset="0"/>
+              </a:rPr>
+              <a:t> </a:t>
+            </a:r>
+            <a:r>
+              <a:rPr lang="en-US" dirty="0" err="1">
+                <a:solidFill>
+                  <a:prstClr val="black"/>
+                </a:solidFill>
+                <a:latin typeface="Helvetica" charset="0"/>
+              </a:rPr>
+              <a:t>TotalSales</a:t>
+            </a:r>
+            <a:r>
+              <a:rPr lang="en-US" dirty="0">
+                <a:solidFill>
+                  <a:srgbClr val="808080"/>
+                </a:solidFill>
+                <a:latin typeface="Helvetica" charset="0"/>
+              </a:rPr>
+              <a:t>,</a:t>
+            </a:r>
+            <a:r>
+              <a:rPr lang="en-US" dirty="0">
+                <a:solidFill>
+                  <a:prstClr val="black"/>
+                </a:solidFill>
+                <a:latin typeface="Helvetica" charset="0"/>
+              </a:rPr>
+              <a:t> </a:t>
+            </a:r>
+            <a:r>
+              <a:rPr lang="en-US" dirty="0" err="1">
+                <a:solidFill>
+                  <a:prstClr val="black"/>
+                </a:solidFill>
+                <a:latin typeface="Helvetica" charset="0"/>
+              </a:rPr>
+              <a:t>SalesYear</a:t>
+            </a:r>
+            <a:endParaRPr lang="en-US" dirty="0">
+              <a:solidFill>
+                <a:prstClr val="black"/>
+              </a:solidFill>
+              <a:latin typeface="Helvetica" charset="0"/>
+            </a:endParaRPr>
+          </a:p>
+          <a:p>
+            <a:r>
+              <a:rPr lang="en-US" dirty="0">
+                <a:solidFill>
+                  <a:srgbClr val="0000FF"/>
+                </a:solidFill>
+                <a:latin typeface="Helvetica" charset="0"/>
+              </a:rPr>
+              <a:t>FROM</a:t>
+            </a:r>
+            <a:r>
+              <a:rPr lang="en-US" dirty="0">
+                <a:solidFill>
+                  <a:prstClr val="black"/>
+                </a:solidFill>
+                <a:latin typeface="Helvetica" charset="0"/>
+              </a:rPr>
+              <a:t> </a:t>
+            </a:r>
+            <a:r>
+              <a:rPr lang="en-US" dirty="0" err="1">
+                <a:solidFill>
+                  <a:prstClr val="black"/>
+                </a:solidFill>
+                <a:latin typeface="Helvetica" charset="0"/>
+              </a:rPr>
+              <a:t>Sales_CTE</a:t>
+            </a:r>
+            <a:endParaRPr lang="en-US" dirty="0">
+              <a:solidFill>
+                <a:prstClr val="black"/>
+              </a:solidFill>
+              <a:latin typeface="Helvetica" charset="0"/>
+            </a:endParaRPr>
+          </a:p>
+          <a:p>
+            <a:r>
+              <a:rPr lang="en-US" dirty="0">
+                <a:solidFill>
+                  <a:srgbClr val="0000FF"/>
+                </a:solidFill>
+                <a:latin typeface="Helvetica" charset="0"/>
+              </a:rPr>
+              <a:t>GROUP</a:t>
+            </a:r>
+            <a:r>
+              <a:rPr lang="en-US" dirty="0">
+                <a:solidFill>
+                  <a:prstClr val="black"/>
+                </a:solidFill>
+                <a:latin typeface="Helvetica" charset="0"/>
+              </a:rPr>
+              <a:t> </a:t>
+            </a:r>
+            <a:r>
+              <a:rPr lang="en-US" dirty="0">
+                <a:solidFill>
+                  <a:srgbClr val="0000FF"/>
+                </a:solidFill>
+                <a:latin typeface="Helvetica" charset="0"/>
+              </a:rPr>
+              <a:t>BY</a:t>
+            </a:r>
+            <a:r>
+              <a:rPr lang="en-US" dirty="0">
+                <a:solidFill>
+                  <a:prstClr val="black"/>
+                </a:solidFill>
+                <a:latin typeface="Helvetica" charset="0"/>
+              </a:rPr>
+              <a:t> </a:t>
+            </a:r>
+            <a:r>
+              <a:rPr lang="en-US" dirty="0" err="1">
+                <a:solidFill>
+                  <a:prstClr val="black"/>
+                </a:solidFill>
+                <a:latin typeface="Helvetica" charset="0"/>
+              </a:rPr>
+              <a:t>SalesYear</a:t>
+            </a:r>
+            <a:r>
+              <a:rPr lang="en-US" dirty="0">
+                <a:solidFill>
+                  <a:srgbClr val="808080"/>
+                </a:solidFill>
+                <a:latin typeface="Helvetica" charset="0"/>
+              </a:rPr>
+              <a:t>,</a:t>
+            </a:r>
+            <a:r>
+              <a:rPr lang="en-US" dirty="0">
+                <a:solidFill>
+                  <a:prstClr val="black"/>
+                </a:solidFill>
+                <a:latin typeface="Helvetica" charset="0"/>
+              </a:rPr>
+              <a:t> </a:t>
+            </a:r>
+            <a:r>
+              <a:rPr lang="en-US" dirty="0" err="1">
+                <a:solidFill>
+                  <a:prstClr val="black"/>
+                </a:solidFill>
+                <a:latin typeface="Helvetica" charset="0"/>
+              </a:rPr>
+              <a:t>SalesPersonID</a:t>
+            </a:r>
+            <a:endParaRPr lang="en-US" dirty="0">
+              <a:solidFill>
+                <a:prstClr val="black"/>
+              </a:solidFill>
+              <a:latin typeface="Helvetica" charset="0"/>
+            </a:endParaRPr>
+          </a:p>
+          <a:p>
+            <a:r>
+              <a:rPr lang="en-US" dirty="0">
+                <a:solidFill>
+                  <a:srgbClr val="0000FF"/>
+                </a:solidFill>
+                <a:latin typeface="Helvetica" charset="0"/>
+              </a:rPr>
+              <a:t>ORDER</a:t>
+            </a:r>
+            <a:r>
+              <a:rPr lang="en-US" dirty="0">
+                <a:solidFill>
+                  <a:prstClr val="black"/>
+                </a:solidFill>
+                <a:latin typeface="Helvetica" charset="0"/>
+              </a:rPr>
+              <a:t> </a:t>
+            </a:r>
+            <a:r>
+              <a:rPr lang="en-US" dirty="0">
+                <a:solidFill>
+                  <a:srgbClr val="0000FF"/>
+                </a:solidFill>
+                <a:latin typeface="Helvetica" charset="0"/>
+              </a:rPr>
+              <a:t>BY</a:t>
+            </a:r>
+            <a:r>
+              <a:rPr lang="en-US" dirty="0">
+                <a:solidFill>
+                  <a:prstClr val="black"/>
+                </a:solidFill>
+                <a:latin typeface="Helvetica" charset="0"/>
+              </a:rPr>
+              <a:t> </a:t>
+            </a:r>
+            <a:r>
+              <a:rPr lang="en-US" dirty="0" err="1">
+                <a:solidFill>
+                  <a:prstClr val="black"/>
+                </a:solidFill>
+                <a:latin typeface="Helvetica" charset="0"/>
+              </a:rPr>
+              <a:t>SalesPersonID</a:t>
+            </a:r>
+            <a:r>
+              <a:rPr lang="en-US" dirty="0">
+                <a:solidFill>
+                  <a:srgbClr val="808080"/>
+                </a:solidFill>
+                <a:latin typeface="Helvetica" charset="0"/>
+              </a:rPr>
+              <a:t>,</a:t>
+            </a:r>
+            <a:r>
+              <a:rPr lang="en-US" dirty="0">
+                <a:solidFill>
+                  <a:prstClr val="black"/>
+                </a:solidFill>
+                <a:latin typeface="Helvetica" charset="0"/>
+              </a:rPr>
+              <a:t> </a:t>
+            </a:r>
+            <a:r>
+              <a:rPr lang="en-US" dirty="0" err="1">
+                <a:solidFill>
+                  <a:prstClr val="black"/>
+                </a:solidFill>
+                <a:latin typeface="Helvetica" charset="0"/>
+              </a:rPr>
+              <a:t>SalesYear</a:t>
+            </a:r>
+            <a:r>
+              <a:rPr lang="en-US" dirty="0">
+                <a:solidFill>
+                  <a:srgbClr val="808080"/>
+                </a:solidFill>
+                <a:latin typeface="Helvetica" charset="0"/>
+              </a:rPr>
+              <a:t>;</a:t>
+            </a:r>
+            <a:endParaRPr lang="en-US" dirty="0"/>
+          </a:p>
+        </p:txBody>
+      </p:sp>
+    </p:spTree>
+    <p:extLst>
+      <p:ext uri="{BB962C8B-B14F-4D97-AF65-F5344CB8AC3E}">
+        <p14:creationId xmlns:p14="http://schemas.microsoft.com/office/powerpoint/2010/main" val="1020558100"/>
+      </p:ext>
+    </p:extLst>
+  </p:cSld>
+  <p:clrMapOvr>
+    <a:masterClrMapping/>
+  </p:clrMapOvr>
+  <p:timing>
+    <p:tnLst>
+      <p:par>
+        <p:cTn id="1" dur="indefinite" restart="never" nodeType="tmRoot"/>
+      </p:par>
+    </p:tnLst>
+  </p:timing>
+</p:sld>
+</file>
+
+<file path=ppt/slides/slide31.xml><?xml version="1.0" encoding="utf-8"?>
+<p:sld xmlns:a="http://schemas.openxmlformats.org/drawingml/2006/main" xmlns:r="http://schemas.openxmlformats.org/officeDocument/2006/relationships" xmlns:p="http://schemas.openxmlformats.org/presentationml/2006/main">
+  <p:cSld>
+    <p:spTree>
+      <p:nvGrpSpPr>
+        <p:cNvPr id="1" name=""/>
+        <p:cNvGrpSpPr/>
+        <p:nvPr/>
+      </p:nvGrpSpPr>
+      <p:grpSpPr>
+        <a:xfrm>
+          <a:off x="0" y="0"/>
+          <a:ext cx="0" cy="0"/>
+          <a:chOff x="0" y="0"/>
+          <a:chExt cx="0" cy="0"/>
+        </a:xfrm>
+      </p:grpSpPr>
+      <p:sp>
+        <p:nvSpPr>
+          <p:cNvPr id="2" name="Title 1"/>
+          <p:cNvSpPr>
+            <a:spLocks noGrp="1"/>
+          </p:cNvSpPr>
+          <p:nvPr>
+            <p:ph type="title"/>
+          </p:nvPr>
+        </p:nvSpPr>
+        <p:spPr/>
+        <p:txBody>
+          <a:bodyPr/>
+          <a:lstStyle/>
+          <a:p>
+            <a:r>
+              <a:rPr lang="en-US" dirty="0" smtClean="0"/>
+              <a:t>Tools of the Trade</a:t>
+            </a:r>
+            <a:endParaRPr lang="en-US" dirty="0"/>
+          </a:p>
+        </p:txBody>
+      </p:sp>
+      <p:sp>
+        <p:nvSpPr>
+          <p:cNvPr id="3" name="Content Placeholder 2"/>
+          <p:cNvSpPr>
+            <a:spLocks noGrp="1"/>
+          </p:cNvSpPr>
+          <p:nvPr>
+            <p:ph idx="1"/>
+          </p:nvPr>
+        </p:nvSpPr>
+        <p:spPr/>
+        <p:txBody>
+          <a:bodyPr/>
+          <a:lstStyle/>
+          <a:p>
+            <a:pPr marL="0" indent="0">
+              <a:buNone/>
+            </a:pPr>
+            <a:r>
+              <a:rPr lang="en-US" b="1" i="1" dirty="0" smtClean="0"/>
+              <a:t>Do</a:t>
+            </a:r>
+            <a:r>
+              <a:rPr lang="en-US" dirty="0" smtClean="0"/>
+              <a:t> use ORM Profilers.</a:t>
+            </a:r>
+            <a:endParaRPr lang="en-US" dirty="0"/>
+          </a:p>
+        </p:txBody>
+      </p:sp>
+      <p:sp>
+        <p:nvSpPr>
+          <p:cNvPr id="4" name="Footer Placeholder 3"/>
+          <p:cNvSpPr>
+            <a:spLocks noGrp="1"/>
+          </p:cNvSpPr>
+          <p:nvPr>
+            <p:ph type="ftr" sz="quarter" idx="11"/>
+          </p:nvPr>
+        </p:nvSpPr>
+        <p:spPr/>
+        <p:txBody>
+          <a:bodyPr/>
+          <a:lstStyle/>
+          <a:p>
+            <a:r>
+              <a:rPr lang="en-US" smtClean="0"/>
+              <a:t>http://josephdaigle.me</a:t>
+            </a:r>
+            <a:endParaRPr lang="en-US"/>
+          </a:p>
+        </p:txBody>
+      </p:sp>
+      <p:pic>
+        <p:nvPicPr>
+          <p:cNvPr id="5" name="Picture 4"/>
+          <p:cNvPicPr>
+            <a:picLocks noChangeAspect="1"/>
+          </p:cNvPicPr>
+          <p:nvPr/>
+        </p:nvPicPr>
+        <p:blipFill>
+          <a:blip r:embed="rId3"/>
+          <a:stretch>
+            <a:fillRect/>
+          </a:stretch>
+        </p:blipFill>
+        <p:spPr>
+          <a:xfrm>
+            <a:off x="4586288" y="1678181"/>
+            <a:ext cx="6767511" cy="4674059"/>
+          </a:xfrm>
+          <a:prstGeom prst="rect">
+            <a:avLst/>
+          </a:prstGeom>
+        </p:spPr>
+      </p:pic>
     </p:spTree>
     <p:extLst>
       <p:ext uri="{BB962C8B-B14F-4D97-AF65-F5344CB8AC3E}">
@@ -9506,7 +15597,7 @@
 </p:sld>
 </file>
 
-<file path=ppt/slides/slide31.xml><?xml version="1.0" encoding="utf-8"?>
+<file path=ppt/slides/slide32.xml><?xml version="1.0" encoding="utf-8"?>
 <p:sld xmlns:a="http://schemas.openxmlformats.org/drawingml/2006/main" xmlns:r="http://schemas.openxmlformats.org/officeDocument/2006/relationships" xmlns:p="http://schemas.openxmlformats.org/presentationml/2006/main">
   <p:cSld>
     <p:spTree>
@@ -9638,12 +15729,12 @@
       </p:grpSpPr>
       <p:sp>
         <p:nvSpPr>
-          <p:cNvPr id="2" name="Title 1"/>
-          <p:cNvSpPr>
-            <a:spLocks noGrp="1"/>
-          </p:cNvSpPr>
-          <p:nvPr>
-            <p:ph type="title"/>
+          <p:cNvPr id="3" name="Content Placeholder 2"/>
+          <p:cNvSpPr>
+            <a:spLocks noGrp="1"/>
+          </p:cNvSpPr>
+          <p:nvPr>
+            <p:ph idx="1"/>
           </p:nvPr>
         </p:nvSpPr>
         <p:spPr/>
@@ -9653,50 +15744,19 @@
           <a:p>
             <a:r>
               <a:rPr lang="en-US" dirty="0" smtClean="0"/>
-              <a:t>Do’s and Don</a:t>
-            </a:r>
-            <a:r>
-              <a:rPr lang="uk-UA" dirty="0" smtClean="0"/>
-              <a:t>’</a:t>
-            </a:r>
-            <a:r>
-              <a:rPr lang="en-US" dirty="0" err="1" smtClean="0"/>
-              <a:t>ts</a:t>
-            </a:r>
-            <a:endParaRPr lang="en-US" dirty="0"/>
-          </a:p>
-        </p:txBody>
-      </p:sp>
-      <p:sp>
-        <p:nvSpPr>
-          <p:cNvPr id="3" name="Content Placeholder 2"/>
-          <p:cNvSpPr>
-            <a:spLocks noGrp="1"/>
-          </p:cNvSpPr>
-          <p:nvPr>
-            <p:ph idx="1"/>
-          </p:nvPr>
-        </p:nvSpPr>
-        <p:spPr/>
-        <p:txBody>
-          <a:bodyPr/>
-          <a:lstStyle/>
+              <a:t>Common Mistakes &amp; Best Practices</a:t>
+            </a:r>
+          </a:p>
           <a:p>
             <a:r>
               <a:rPr lang="en-US" dirty="0" smtClean="0"/>
-              <a:t>Mapping</a:t>
+              <a:t>When should I use (and not use) an ORM?</a:t>
             </a:r>
           </a:p>
           <a:p>
             <a:r>
               <a:rPr lang="en-US" dirty="0" smtClean="0"/>
-              <a:t>Querying</a:t>
-            </a:r>
-          </a:p>
-          <a:p>
-            <a:r>
-              <a:rPr lang="en-US" dirty="0" smtClean="0"/>
-              <a:t>Tools</a:t>
+              <a:t>Tools of the Trade</a:t>
             </a:r>
             <a:endParaRPr lang="en-US" dirty="0"/>
           </a:p>
@@ -9728,20 +15788,13 @@
     </p:spTree>
     <p:extLst>
       <p:ext uri="{BB962C8B-B14F-4D97-AF65-F5344CB8AC3E}">
-        <p14:creationId xmlns:p14="http://schemas.microsoft.com/office/powerpoint/2010/main" val="316059272"/>
+        <p14:creationId xmlns:p14="http://schemas.microsoft.com/office/powerpoint/2010/main" val="662478515"/>
       </p:ext>
     </p:extLst>
   </p:cSld>
   <p:clrMapOvr>
     <a:masterClrMapping/>
   </p:clrMapOvr>
-  <p:timing>
-    <p:tnLst>
-      <p:par>
-        <p:cTn id="1" dur="indefinite" restart="never" nodeType="tmRoot"/>
-      </p:par>
-    </p:tnLst>
-  </p:timing>
 </p:sld>
 </file>
 
@@ -9779,7 +15832,15 @@
           <a:p>
             <a:r>
               <a:rPr lang="en-US" dirty="0" smtClean="0"/>
-              <a:t>Many-to-Many Mapping</a:t>
+              <a:t>Do’s and Don</a:t>
+            </a:r>
+            <a:r>
+              <a:rPr lang="uk-UA" dirty="0" smtClean="0"/>
+              <a:t>’</a:t>
+            </a:r>
+            <a:r>
+              <a:rPr lang="en-US" dirty="0" err="1" smtClean="0"/>
+              <a:t>ts</a:t>
             </a:r>
             <a:endParaRPr lang="en-US" dirty="0"/>
           </a:p>
@@ -9800,16 +15861,21 @@
           <a:bodyPr/>
           <a:lstStyle/>
           <a:p>
-            <a:pPr marL="0" indent="0">
-              <a:buNone/>
-            </a:pPr>
-            <a:r>
-              <a:rPr lang="en-US" b="1" i="1" dirty="0" smtClean="0"/>
-              <a:t>Don’t</a:t>
-            </a:r>
             <a:r>
               <a:rPr lang="en-US" dirty="0" smtClean="0"/>
-              <a:t> use automatic many-to-many relationships.</a:t>
+              <a:t>Mapping</a:t>
+            </a:r>
+          </a:p>
+          <a:p>
+            <a:r>
+              <a:rPr lang="en-US" dirty="0" smtClean="0"/>
+              <a:t>Querying</a:t>
+            </a:r>
+          </a:p>
+          <a:p>
+            <a:r>
+              <a:rPr lang="en-US" dirty="0" smtClean="0"/>
+              <a:t>Tools</a:t>
             </a:r>
             <a:endParaRPr lang="en-US" dirty="0"/>
           </a:p>
@@ -9841,7 +15907,7 @@
     </p:spTree>
     <p:extLst>
       <p:ext uri="{BB962C8B-B14F-4D97-AF65-F5344CB8AC3E}">
-        <p14:creationId xmlns:p14="http://schemas.microsoft.com/office/powerpoint/2010/main" val="560610033"/>
+        <p14:creationId xmlns:p14="http://schemas.microsoft.com/office/powerpoint/2010/main" val="316059272"/>
       </p:ext>
     </p:extLst>
   </p:cSld>
@@ -9918,17 +15984,13 @@
             </a:pPr>
             <a:r>
               <a:rPr lang="en-US" b="1" i="1" dirty="0" smtClean="0"/>
-              <a:t>Do</a:t>
-            </a:r>
-            <a:r>
-              <a:rPr lang="en-US" b="1" dirty="0" smtClean="0"/>
-              <a:t> </a:t>
+              <a:t>Don’t</a:t>
             </a:r>
             <a:r>
               <a:rPr lang="en-US" dirty="0" smtClean="0"/>
-              <a:t>map explicitly map your join table.</a:t>
-            </a:r>
-            <a:endParaRPr lang="en-US" b="1" dirty="0"/>
+              <a:t> use automatic many-to-many relationships.</a:t>
+            </a:r>
+            <a:endParaRPr lang="en-US" dirty="0"/>
           </a:p>
         </p:txBody>
       </p:sp>
@@ -9952,13 +16014,584 @@
               <a:t>http://josephdaigle.me</a:t>
             </a:r>
             <a:endParaRPr lang="en-US"/>
+          </a:p>
+        </p:txBody>
+      </p:sp>
+      <p:sp>
+        <p:nvSpPr>
+          <p:cNvPr id="5" name="TextBox 4"/>
+          <p:cNvSpPr txBox="1"/>
+          <p:nvPr/>
+        </p:nvSpPr>
+        <p:spPr>
+          <a:xfrm>
+            <a:off x="838200" y="2514422"/>
+            <a:ext cx="7505700" cy="3662541"/>
+          </a:xfrm>
+          <a:prstGeom prst="rect">
+            <a:avLst/>
+          </a:prstGeom>
+          <a:noFill/>
+        </p:spPr>
+        <p:txBody>
+          <a:bodyPr wrap="square" rtlCol="0">
+            <a:spAutoFit/>
+          </a:bodyPr>
+          <a:lstStyle/>
+          <a:p>
+            <a:r>
+              <a:rPr lang="en-US" sz="1600" dirty="0">
+                <a:solidFill>
+                  <a:schemeClr val="tx2">
+                    <a:lumMod val="50000"/>
+                  </a:schemeClr>
+                </a:solidFill>
+                <a:latin typeface="Consolas" charset="0"/>
+                <a:ea typeface="Consolas" charset="0"/>
+                <a:cs typeface="Consolas" charset="0"/>
+              </a:rPr>
+              <a:t>public class </a:t>
+            </a:r>
+            <a:r>
+              <a:rPr lang="en-US" sz="1600" dirty="0" err="1">
+                <a:solidFill>
+                  <a:schemeClr val="tx2">
+                    <a:lumMod val="50000"/>
+                  </a:schemeClr>
+                </a:solidFill>
+                <a:latin typeface="Consolas" charset="0"/>
+                <a:ea typeface="Consolas" charset="0"/>
+                <a:cs typeface="Consolas" charset="0"/>
+              </a:rPr>
+              <a:t>CustomerMapping</a:t>
+            </a:r>
+            <a:r>
+              <a:rPr lang="en-US" sz="1600" dirty="0">
+                <a:solidFill>
+                  <a:schemeClr val="tx2">
+                    <a:lumMod val="50000"/>
+                  </a:schemeClr>
+                </a:solidFill>
+                <a:latin typeface="Consolas" charset="0"/>
+                <a:ea typeface="Consolas" charset="0"/>
+                <a:cs typeface="Consolas" charset="0"/>
+              </a:rPr>
+              <a:t> : </a:t>
+            </a:r>
+            <a:r>
+              <a:rPr lang="en-US" sz="1600" dirty="0" err="1">
+                <a:solidFill>
+                  <a:schemeClr val="tx2">
+                    <a:lumMod val="50000"/>
+                  </a:schemeClr>
+                </a:solidFill>
+                <a:latin typeface="Consolas" charset="0"/>
+                <a:ea typeface="Consolas" charset="0"/>
+                <a:cs typeface="Consolas" charset="0"/>
+              </a:rPr>
+              <a:t>EntityTypeConfiguration</a:t>
+            </a:r>
+            <a:r>
+              <a:rPr lang="en-US" sz="1600" dirty="0">
+                <a:solidFill>
+                  <a:schemeClr val="tx2">
+                    <a:lumMod val="50000"/>
+                  </a:schemeClr>
+                </a:solidFill>
+                <a:latin typeface="Consolas" charset="0"/>
+                <a:ea typeface="Consolas" charset="0"/>
+                <a:cs typeface="Consolas" charset="0"/>
+              </a:rPr>
+              <a:t>&lt;Customer&gt;</a:t>
+            </a:r>
+          </a:p>
+          <a:p>
+            <a:r>
+              <a:rPr lang="en-US" sz="1600" dirty="0">
+                <a:solidFill>
+                  <a:schemeClr val="tx2">
+                    <a:lumMod val="50000"/>
+                  </a:schemeClr>
+                </a:solidFill>
+                <a:latin typeface="Consolas" charset="0"/>
+                <a:ea typeface="Consolas" charset="0"/>
+                <a:cs typeface="Consolas" charset="0"/>
+              </a:rPr>
+              <a:t>{</a:t>
+            </a:r>
+          </a:p>
+          <a:p>
+            <a:r>
+              <a:rPr lang="en-US" sz="1600" dirty="0">
+                <a:solidFill>
+                  <a:schemeClr val="tx2">
+                    <a:lumMod val="50000"/>
+                  </a:schemeClr>
+                </a:solidFill>
+                <a:latin typeface="Consolas" charset="0"/>
+                <a:ea typeface="Consolas" charset="0"/>
+                <a:cs typeface="Consolas" charset="0"/>
+              </a:rPr>
+              <a:t>    public </a:t>
+            </a:r>
+            <a:r>
+              <a:rPr lang="en-US" sz="1600" dirty="0" err="1">
+                <a:solidFill>
+                  <a:schemeClr val="tx2">
+                    <a:lumMod val="50000"/>
+                  </a:schemeClr>
+                </a:solidFill>
+                <a:latin typeface="Consolas" charset="0"/>
+                <a:ea typeface="Consolas" charset="0"/>
+                <a:cs typeface="Consolas" charset="0"/>
+              </a:rPr>
+              <a:t>CustomerMapping</a:t>
+            </a:r>
+            <a:r>
+              <a:rPr lang="en-US" sz="1600" dirty="0">
+                <a:solidFill>
+                  <a:schemeClr val="tx2">
+                    <a:lumMod val="50000"/>
+                  </a:schemeClr>
+                </a:solidFill>
+                <a:latin typeface="Consolas" charset="0"/>
+                <a:ea typeface="Consolas" charset="0"/>
+                <a:cs typeface="Consolas" charset="0"/>
+              </a:rPr>
+              <a:t>()</a:t>
+            </a:r>
+          </a:p>
+          <a:p>
+            <a:r>
+              <a:rPr lang="en-US" sz="1600" dirty="0">
+                <a:solidFill>
+                  <a:schemeClr val="tx2">
+                    <a:lumMod val="50000"/>
+                  </a:schemeClr>
+                </a:solidFill>
+                <a:latin typeface="Consolas" charset="0"/>
+                <a:ea typeface="Consolas" charset="0"/>
+                <a:cs typeface="Consolas" charset="0"/>
+              </a:rPr>
+              <a:t>    {</a:t>
+            </a:r>
+          </a:p>
+          <a:p>
+            <a:r>
+              <a:rPr lang="en-US" sz="1600" dirty="0">
+                <a:solidFill>
+                  <a:schemeClr val="tx2">
+                    <a:lumMod val="50000"/>
+                  </a:schemeClr>
+                </a:solidFill>
+                <a:latin typeface="Consolas" charset="0"/>
+                <a:ea typeface="Consolas" charset="0"/>
+                <a:cs typeface="Consolas" charset="0"/>
+              </a:rPr>
+              <a:t>        </a:t>
+            </a:r>
+            <a:r>
+              <a:rPr lang="en-US" sz="1600" dirty="0" err="1">
+                <a:solidFill>
+                  <a:schemeClr val="tx2">
+                    <a:lumMod val="50000"/>
+                  </a:schemeClr>
+                </a:solidFill>
+                <a:latin typeface="Consolas" charset="0"/>
+                <a:ea typeface="Consolas" charset="0"/>
+                <a:cs typeface="Consolas" charset="0"/>
+              </a:rPr>
+              <a:t>HasMany</a:t>
+            </a:r>
+            <a:r>
+              <a:rPr lang="en-US" sz="1600" dirty="0">
+                <a:solidFill>
+                  <a:schemeClr val="tx2">
+                    <a:lumMod val="50000"/>
+                  </a:schemeClr>
+                </a:solidFill>
+                <a:latin typeface="Consolas" charset="0"/>
+                <a:ea typeface="Consolas" charset="0"/>
+                <a:cs typeface="Consolas" charset="0"/>
+              </a:rPr>
+              <a:t>(c =&gt; </a:t>
+            </a:r>
+            <a:r>
+              <a:rPr lang="en-US" sz="1600" dirty="0" err="1">
+                <a:solidFill>
+                  <a:schemeClr val="tx2">
+                    <a:lumMod val="50000"/>
+                  </a:schemeClr>
+                </a:solidFill>
+                <a:latin typeface="Consolas" charset="0"/>
+                <a:ea typeface="Consolas" charset="0"/>
+                <a:cs typeface="Consolas" charset="0"/>
+              </a:rPr>
+              <a:t>c.SalesReps</a:t>
+            </a:r>
+            <a:r>
+              <a:rPr lang="en-US" sz="1600" dirty="0">
+                <a:solidFill>
+                  <a:schemeClr val="tx2">
+                    <a:lumMod val="50000"/>
+                  </a:schemeClr>
+                </a:solidFill>
+                <a:latin typeface="Consolas" charset="0"/>
+                <a:ea typeface="Consolas" charset="0"/>
+                <a:cs typeface="Consolas" charset="0"/>
+              </a:rPr>
+              <a:t>)</a:t>
+            </a:r>
+          </a:p>
+          <a:p>
+            <a:r>
+              <a:rPr lang="en-US" sz="1600" dirty="0">
+                <a:solidFill>
+                  <a:schemeClr val="tx2">
+                    <a:lumMod val="50000"/>
+                  </a:schemeClr>
+                </a:solidFill>
+                <a:latin typeface="Consolas" charset="0"/>
+                <a:ea typeface="Consolas" charset="0"/>
+                <a:cs typeface="Consolas" charset="0"/>
+              </a:rPr>
+              <a:t>            .</a:t>
+            </a:r>
+            <a:r>
+              <a:rPr lang="en-US" sz="1600" dirty="0" err="1">
+                <a:solidFill>
+                  <a:schemeClr val="tx2">
+                    <a:lumMod val="50000"/>
+                  </a:schemeClr>
+                </a:solidFill>
+                <a:latin typeface="Consolas" charset="0"/>
+                <a:ea typeface="Consolas" charset="0"/>
+                <a:cs typeface="Consolas" charset="0"/>
+              </a:rPr>
+              <a:t>WithMany</a:t>
+            </a:r>
+            <a:r>
+              <a:rPr lang="en-US" sz="1600" dirty="0">
+                <a:solidFill>
+                  <a:schemeClr val="tx2">
+                    <a:lumMod val="50000"/>
+                  </a:schemeClr>
+                </a:solidFill>
+                <a:latin typeface="Consolas" charset="0"/>
+                <a:ea typeface="Consolas" charset="0"/>
+                <a:cs typeface="Consolas" charset="0"/>
+              </a:rPr>
+              <a:t>(s =&gt; </a:t>
+            </a:r>
+            <a:r>
+              <a:rPr lang="en-US" sz="1600" dirty="0" err="1">
+                <a:solidFill>
+                  <a:schemeClr val="tx2">
+                    <a:lumMod val="50000"/>
+                  </a:schemeClr>
+                </a:solidFill>
+                <a:latin typeface="Consolas" charset="0"/>
+                <a:ea typeface="Consolas" charset="0"/>
+                <a:cs typeface="Consolas" charset="0"/>
+              </a:rPr>
+              <a:t>s.CompaniesRepresented</a:t>
+            </a:r>
+            <a:r>
+              <a:rPr lang="en-US" sz="1600" dirty="0">
+                <a:solidFill>
+                  <a:schemeClr val="tx2">
+                    <a:lumMod val="50000"/>
+                  </a:schemeClr>
+                </a:solidFill>
+                <a:latin typeface="Consolas" charset="0"/>
+                <a:ea typeface="Consolas" charset="0"/>
+                <a:cs typeface="Consolas" charset="0"/>
+              </a:rPr>
+              <a:t>)</a:t>
+            </a:r>
+          </a:p>
+          <a:p>
+            <a:r>
+              <a:rPr lang="en-US" sz="1600" dirty="0">
+                <a:solidFill>
+                  <a:schemeClr val="tx2">
+                    <a:lumMod val="50000"/>
+                  </a:schemeClr>
+                </a:solidFill>
+                <a:latin typeface="Consolas" charset="0"/>
+                <a:ea typeface="Consolas" charset="0"/>
+                <a:cs typeface="Consolas" charset="0"/>
+              </a:rPr>
+              <a:t>            .Map(m =&gt;</a:t>
+            </a:r>
+          </a:p>
+          <a:p>
+            <a:r>
+              <a:rPr lang="en-US" sz="1600" dirty="0">
+                <a:solidFill>
+                  <a:schemeClr val="tx2">
+                    <a:lumMod val="50000"/>
+                  </a:schemeClr>
+                </a:solidFill>
+                <a:latin typeface="Consolas" charset="0"/>
+                <a:ea typeface="Consolas" charset="0"/>
+                <a:cs typeface="Consolas" charset="0"/>
+              </a:rPr>
+              <a:t>            {</a:t>
+            </a:r>
+          </a:p>
+          <a:p>
+            <a:r>
+              <a:rPr lang="en-US" sz="1600" dirty="0">
+                <a:solidFill>
+                  <a:schemeClr val="tx2">
+                    <a:lumMod val="50000"/>
+                  </a:schemeClr>
+                </a:solidFill>
+                <a:latin typeface="Consolas" charset="0"/>
+                <a:ea typeface="Consolas" charset="0"/>
+                <a:cs typeface="Consolas" charset="0"/>
+              </a:rPr>
+              <a:t>                </a:t>
+            </a:r>
+            <a:r>
+              <a:rPr lang="en-US" sz="1600" dirty="0" err="1">
+                <a:solidFill>
+                  <a:schemeClr val="tx2">
+                    <a:lumMod val="50000"/>
+                  </a:schemeClr>
+                </a:solidFill>
+                <a:latin typeface="Consolas" charset="0"/>
+                <a:ea typeface="Consolas" charset="0"/>
+                <a:cs typeface="Consolas" charset="0"/>
+              </a:rPr>
+              <a:t>m.ToTable</a:t>
+            </a:r>
+            <a:r>
+              <a:rPr lang="en-US" sz="1600" dirty="0">
+                <a:solidFill>
+                  <a:schemeClr val="tx2">
+                    <a:lumMod val="50000"/>
+                  </a:schemeClr>
+                </a:solidFill>
+                <a:latin typeface="Consolas" charset="0"/>
+                <a:ea typeface="Consolas" charset="0"/>
+                <a:cs typeface="Consolas" charset="0"/>
+              </a:rPr>
+              <a:t>("</a:t>
+            </a:r>
+            <a:r>
+              <a:rPr lang="en-US" sz="1600" dirty="0" err="1">
+                <a:solidFill>
+                  <a:schemeClr val="tx2">
+                    <a:lumMod val="50000"/>
+                  </a:schemeClr>
+                </a:solidFill>
+                <a:latin typeface="Consolas" charset="0"/>
+                <a:ea typeface="Consolas" charset="0"/>
+                <a:cs typeface="Consolas" charset="0"/>
+              </a:rPr>
+              <a:t>CompanySalesRep</a:t>
+            </a:r>
+            <a:r>
+              <a:rPr lang="en-US" sz="1600" dirty="0">
+                <a:solidFill>
+                  <a:schemeClr val="tx2">
+                    <a:lumMod val="50000"/>
+                  </a:schemeClr>
+                </a:solidFill>
+                <a:latin typeface="Consolas" charset="0"/>
+                <a:ea typeface="Consolas" charset="0"/>
+                <a:cs typeface="Consolas" charset="0"/>
+              </a:rPr>
+              <a:t>");</a:t>
+            </a:r>
+          </a:p>
+          <a:p>
+            <a:r>
+              <a:rPr lang="en-US" sz="1600" dirty="0">
+                <a:solidFill>
+                  <a:schemeClr val="tx2">
+                    <a:lumMod val="50000"/>
+                  </a:schemeClr>
+                </a:solidFill>
+                <a:latin typeface="Consolas" charset="0"/>
+                <a:ea typeface="Consolas" charset="0"/>
+                <a:cs typeface="Consolas" charset="0"/>
+              </a:rPr>
+              <a:t>                </a:t>
+            </a:r>
+            <a:r>
+              <a:rPr lang="en-US" sz="1600" dirty="0" err="1">
+                <a:solidFill>
+                  <a:schemeClr val="tx2">
+                    <a:lumMod val="50000"/>
+                  </a:schemeClr>
+                </a:solidFill>
+                <a:latin typeface="Consolas" charset="0"/>
+                <a:ea typeface="Consolas" charset="0"/>
+                <a:cs typeface="Consolas" charset="0"/>
+              </a:rPr>
+              <a:t>m.MapLeftKey</a:t>
+            </a:r>
+            <a:r>
+              <a:rPr lang="en-US" sz="1600" dirty="0">
+                <a:solidFill>
+                  <a:schemeClr val="tx2">
+                    <a:lumMod val="50000"/>
+                  </a:schemeClr>
+                </a:solidFill>
+                <a:latin typeface="Consolas" charset="0"/>
+                <a:ea typeface="Consolas" charset="0"/>
+                <a:cs typeface="Consolas" charset="0"/>
+              </a:rPr>
+              <a:t>("</a:t>
+            </a:r>
+            <a:r>
+              <a:rPr lang="en-US" sz="1600" dirty="0" err="1">
+                <a:solidFill>
+                  <a:schemeClr val="tx2">
+                    <a:lumMod val="50000"/>
+                  </a:schemeClr>
+                </a:solidFill>
+                <a:latin typeface="Consolas" charset="0"/>
+                <a:ea typeface="Consolas" charset="0"/>
+                <a:cs typeface="Consolas" charset="0"/>
+              </a:rPr>
+              <a:t>CompanyId</a:t>
+            </a:r>
+            <a:r>
+              <a:rPr lang="en-US" sz="1600" dirty="0">
+                <a:solidFill>
+                  <a:schemeClr val="tx2">
+                    <a:lumMod val="50000"/>
+                  </a:schemeClr>
+                </a:solidFill>
+                <a:latin typeface="Consolas" charset="0"/>
+                <a:ea typeface="Consolas" charset="0"/>
+                <a:cs typeface="Consolas" charset="0"/>
+              </a:rPr>
+              <a:t>");</a:t>
+            </a:r>
+          </a:p>
+          <a:p>
+            <a:r>
+              <a:rPr lang="en-US" sz="1600" dirty="0">
+                <a:solidFill>
+                  <a:schemeClr val="tx2">
+                    <a:lumMod val="50000"/>
+                  </a:schemeClr>
+                </a:solidFill>
+                <a:latin typeface="Consolas" charset="0"/>
+                <a:ea typeface="Consolas" charset="0"/>
+                <a:cs typeface="Consolas" charset="0"/>
+              </a:rPr>
+              <a:t>                </a:t>
+            </a:r>
+            <a:r>
+              <a:rPr lang="en-US" sz="1600" dirty="0" err="1">
+                <a:solidFill>
+                  <a:schemeClr val="tx2">
+                    <a:lumMod val="50000"/>
+                  </a:schemeClr>
+                </a:solidFill>
+                <a:latin typeface="Consolas" charset="0"/>
+                <a:ea typeface="Consolas" charset="0"/>
+                <a:cs typeface="Consolas" charset="0"/>
+              </a:rPr>
+              <a:t>m.MapRightKey</a:t>
+            </a:r>
+            <a:r>
+              <a:rPr lang="en-US" sz="1600" dirty="0">
+                <a:solidFill>
+                  <a:schemeClr val="tx2">
+                    <a:lumMod val="50000"/>
+                  </a:schemeClr>
+                </a:solidFill>
+                <a:latin typeface="Consolas" charset="0"/>
+                <a:ea typeface="Consolas" charset="0"/>
+                <a:cs typeface="Consolas" charset="0"/>
+              </a:rPr>
+              <a:t>("</a:t>
+            </a:r>
+            <a:r>
+              <a:rPr lang="en-US" sz="1600" dirty="0" err="1">
+                <a:solidFill>
+                  <a:schemeClr val="tx2">
+                    <a:lumMod val="50000"/>
+                  </a:schemeClr>
+                </a:solidFill>
+                <a:latin typeface="Consolas" charset="0"/>
+                <a:ea typeface="Consolas" charset="0"/>
+                <a:cs typeface="Consolas" charset="0"/>
+              </a:rPr>
+              <a:t>SalesRepId</a:t>
+            </a:r>
+            <a:r>
+              <a:rPr lang="en-US" sz="1600" dirty="0">
+                <a:solidFill>
+                  <a:schemeClr val="tx2">
+                    <a:lumMod val="50000"/>
+                  </a:schemeClr>
+                </a:solidFill>
+                <a:latin typeface="Consolas" charset="0"/>
+                <a:ea typeface="Consolas" charset="0"/>
+                <a:cs typeface="Consolas" charset="0"/>
+              </a:rPr>
+              <a:t>");</a:t>
+            </a:r>
+          </a:p>
+          <a:p>
+            <a:r>
+              <a:rPr lang="en-US" sz="1600" dirty="0">
+                <a:solidFill>
+                  <a:schemeClr val="tx2">
+                    <a:lumMod val="50000"/>
+                  </a:schemeClr>
+                </a:solidFill>
+                <a:latin typeface="Consolas" charset="0"/>
+                <a:ea typeface="Consolas" charset="0"/>
+                <a:cs typeface="Consolas" charset="0"/>
+              </a:rPr>
+              <a:t>            });</a:t>
+            </a:r>
+          </a:p>
+          <a:p>
+            <a:r>
+              <a:rPr lang="en-US" sz="1600" dirty="0">
+                <a:solidFill>
+                  <a:schemeClr val="tx2">
+                    <a:lumMod val="50000"/>
+                  </a:schemeClr>
+                </a:solidFill>
+                <a:latin typeface="Consolas" charset="0"/>
+                <a:ea typeface="Consolas" charset="0"/>
+                <a:cs typeface="Consolas" charset="0"/>
+              </a:rPr>
+              <a:t>    }</a:t>
+            </a:r>
+          </a:p>
+          <a:p>
+            <a:r>
+              <a:rPr lang="en-US" sz="1600" dirty="0">
+                <a:solidFill>
+                  <a:schemeClr val="tx2">
+                    <a:lumMod val="50000"/>
+                  </a:schemeClr>
+                </a:solidFill>
+                <a:latin typeface="Consolas" charset="0"/>
+                <a:ea typeface="Consolas" charset="0"/>
+                <a:cs typeface="Consolas" charset="0"/>
+              </a:rPr>
+              <a:t>}</a:t>
+            </a:r>
           </a:p>
         </p:txBody>
       </p:sp>
     </p:spTree>
     <p:extLst>
       <p:ext uri="{BB962C8B-B14F-4D97-AF65-F5344CB8AC3E}">
-        <p14:creationId xmlns:p14="http://schemas.microsoft.com/office/powerpoint/2010/main" val="1804735842"/>
+        <p14:creationId xmlns:p14="http://schemas.microsoft.com/office/powerpoint/2010/main" val="560610033"/>
       </p:ext>
     </p:extLst>
   </p:cSld>
@@ -10009,7 +16642,7 @@
           <a:p>
             <a:r>
               <a:rPr lang="en-US" dirty="0" smtClean="0"/>
-              <a:t>Mapping Collections in General</a:t>
+              <a:t>Many-to-Many Mapping</a:t>
             </a:r>
             <a:endParaRPr lang="en-US" dirty="0"/>
           </a:p>
@@ -10035,17 +16668,29 @@
             </a:pPr>
             <a:r>
               <a:rPr lang="en-US" b="1" i="1" dirty="0" smtClean="0"/>
-              <a:t>Avoid</a:t>
-            </a:r>
-            <a:r>
-              <a:rPr lang="en-US" i="1" dirty="0" smtClean="0"/>
+              <a:t>Do</a:t>
+            </a:r>
+            <a:r>
+              <a:rPr lang="en-US" b="1" dirty="0" smtClean="0"/>
               <a:t> </a:t>
             </a:r>
             <a:r>
               <a:rPr lang="en-US" dirty="0" smtClean="0"/>
-              <a:t>mapping collections.</a:t>
-            </a:r>
-            <a:endParaRPr lang="en-US" dirty="0"/>
+              <a:t>map explicitly map your </a:t>
+            </a:r>
+            <a:r>
+              <a:rPr lang="en-US" dirty="0" smtClean="0"/>
+              <a:t>association </a:t>
+            </a:r>
+            <a:r>
+              <a:rPr lang="en-US" dirty="0" smtClean="0"/>
+              <a:t>table</a:t>
+            </a:r>
+            <a:r>
+              <a:rPr lang="en-US" dirty="0" smtClean="0"/>
+              <a:t>.</a:t>
+            </a:r>
+            <a:endParaRPr lang="en-US" b="1" dirty="0"/>
           </a:p>
         </p:txBody>
       </p:sp>
@@ -10069,13 +16714,433 @@
               <a:t>http://josephdaigle.me</a:t>
             </a:r>
             <a:endParaRPr lang="en-US"/>
+          </a:p>
+        </p:txBody>
+      </p:sp>
+      <p:sp>
+        <p:nvSpPr>
+          <p:cNvPr id="22" name="TextBox 21"/>
+          <p:cNvSpPr txBox="1"/>
+          <p:nvPr/>
+        </p:nvSpPr>
+        <p:spPr>
+          <a:xfrm>
+            <a:off x="838200" y="2514422"/>
+            <a:ext cx="7505700" cy="2800767"/>
+          </a:xfrm>
+          <a:prstGeom prst="rect">
+            <a:avLst/>
+          </a:prstGeom>
+          <a:noFill/>
+        </p:spPr>
+        <p:txBody>
+          <a:bodyPr wrap="square" rtlCol="0">
+            <a:spAutoFit/>
+          </a:bodyPr>
+          <a:lstStyle/>
+          <a:p>
+            <a:r>
+              <a:rPr lang="en-US" sz="1600" dirty="0">
+                <a:solidFill>
+                  <a:schemeClr val="tx2">
+                    <a:lumMod val="50000"/>
+                  </a:schemeClr>
+                </a:solidFill>
+                <a:latin typeface="Consolas" charset="0"/>
+                <a:ea typeface="Consolas" charset="0"/>
+                <a:cs typeface="Consolas" charset="0"/>
+              </a:rPr>
+              <a:t>p</a:t>
+            </a:r>
+            <a:r>
+              <a:rPr lang="en-US" sz="1600" dirty="0" smtClean="0">
+                <a:solidFill>
+                  <a:schemeClr val="tx2">
+                    <a:lumMod val="50000"/>
+                  </a:schemeClr>
+                </a:solidFill>
+                <a:latin typeface="Consolas" charset="0"/>
+                <a:ea typeface="Consolas" charset="0"/>
+                <a:cs typeface="Consolas" charset="0"/>
+              </a:rPr>
+              <a:t>ublic class </a:t>
+            </a:r>
+            <a:r>
+              <a:rPr lang="en-US" sz="1600" dirty="0" err="1" smtClean="0">
+                <a:solidFill>
+                  <a:schemeClr val="tx2">
+                    <a:lumMod val="50000"/>
+                  </a:schemeClr>
+                </a:solidFill>
+                <a:latin typeface="Consolas" charset="0"/>
+                <a:ea typeface="Consolas" charset="0"/>
+                <a:cs typeface="Consolas" charset="0"/>
+              </a:rPr>
+              <a:t>CustomerSalesRep</a:t>
+            </a:r>
+            <a:endParaRPr lang="en-US" sz="1600" dirty="0" smtClean="0">
+              <a:solidFill>
+                <a:schemeClr val="tx2">
+                  <a:lumMod val="50000"/>
+                </a:schemeClr>
+              </a:solidFill>
+              <a:latin typeface="Consolas" charset="0"/>
+              <a:ea typeface="Consolas" charset="0"/>
+              <a:cs typeface="Consolas" charset="0"/>
+            </a:endParaRPr>
+          </a:p>
+          <a:p>
+            <a:r>
+              <a:rPr lang="en-US" sz="1600" dirty="0" smtClean="0">
+                <a:solidFill>
+                  <a:schemeClr val="tx2">
+                    <a:lumMod val="50000"/>
+                  </a:schemeClr>
+                </a:solidFill>
+                <a:latin typeface="Consolas" charset="0"/>
+                <a:ea typeface="Consolas" charset="0"/>
+                <a:cs typeface="Consolas" charset="0"/>
+              </a:rPr>
+              <a:t>{</a:t>
+            </a:r>
+          </a:p>
+          <a:p>
+            <a:endParaRPr lang="en-US" sz="1600" dirty="0" smtClean="0">
+              <a:solidFill>
+                <a:schemeClr val="tx2">
+                  <a:lumMod val="50000"/>
+                </a:schemeClr>
+              </a:solidFill>
+              <a:latin typeface="Consolas" charset="0"/>
+              <a:ea typeface="Consolas" charset="0"/>
+              <a:cs typeface="Consolas" charset="0"/>
+            </a:endParaRPr>
+          </a:p>
+          <a:p>
+            <a:r>
+              <a:rPr lang="en-US" sz="1600" dirty="0" smtClean="0">
+                <a:solidFill>
+                  <a:schemeClr val="tx2">
+                    <a:lumMod val="50000"/>
+                  </a:schemeClr>
+                </a:solidFill>
+                <a:latin typeface="Consolas" charset="0"/>
+                <a:ea typeface="Consolas" charset="0"/>
+                <a:cs typeface="Consolas" charset="0"/>
+              </a:rPr>
+              <a:t>    public Customer Customer { get; set; }</a:t>
+            </a:r>
+          </a:p>
+          <a:p>
+            <a:r>
+              <a:rPr lang="en-US" sz="1600" dirty="0">
+                <a:solidFill>
+                  <a:schemeClr val="tx2">
+                    <a:lumMod val="50000"/>
+                  </a:schemeClr>
+                </a:solidFill>
+                <a:latin typeface="Consolas" charset="0"/>
+                <a:ea typeface="Consolas" charset="0"/>
+                <a:cs typeface="Consolas" charset="0"/>
+              </a:rPr>
+              <a:t> </a:t>
+            </a:r>
+            <a:r>
+              <a:rPr lang="en-US" sz="1600" dirty="0" smtClean="0">
+                <a:solidFill>
+                  <a:schemeClr val="tx2">
+                    <a:lumMod val="50000"/>
+                  </a:schemeClr>
+                </a:solidFill>
+                <a:latin typeface="Consolas" charset="0"/>
+                <a:ea typeface="Consolas" charset="0"/>
+                <a:cs typeface="Consolas" charset="0"/>
+              </a:rPr>
+              <a:t>   public </a:t>
+            </a:r>
+            <a:r>
+              <a:rPr lang="en-US" sz="1600" dirty="0" err="1" smtClean="0">
+                <a:solidFill>
+                  <a:schemeClr val="tx2">
+                    <a:lumMod val="50000"/>
+                  </a:schemeClr>
+                </a:solidFill>
+                <a:latin typeface="Consolas" charset="0"/>
+                <a:ea typeface="Consolas" charset="0"/>
+                <a:cs typeface="Consolas" charset="0"/>
+              </a:rPr>
+              <a:t>SalesRep</a:t>
+            </a:r>
+            <a:r>
+              <a:rPr lang="en-US" sz="1600" dirty="0" smtClean="0">
+                <a:solidFill>
+                  <a:schemeClr val="tx2">
+                    <a:lumMod val="50000"/>
+                  </a:schemeClr>
+                </a:solidFill>
+                <a:latin typeface="Consolas" charset="0"/>
+                <a:ea typeface="Consolas" charset="0"/>
+                <a:cs typeface="Consolas" charset="0"/>
+              </a:rPr>
+              <a:t> </a:t>
+            </a:r>
+            <a:r>
+              <a:rPr lang="en-US" sz="1600" dirty="0" err="1" smtClean="0">
+                <a:solidFill>
+                  <a:schemeClr val="tx2">
+                    <a:lumMod val="50000"/>
+                  </a:schemeClr>
+                </a:solidFill>
+                <a:latin typeface="Consolas" charset="0"/>
+                <a:ea typeface="Consolas" charset="0"/>
+                <a:cs typeface="Consolas" charset="0"/>
+              </a:rPr>
+              <a:t>SalesRep</a:t>
+            </a:r>
+            <a:r>
+              <a:rPr lang="en-US" sz="1600" dirty="0" smtClean="0">
+                <a:solidFill>
+                  <a:schemeClr val="tx2">
+                    <a:lumMod val="50000"/>
+                  </a:schemeClr>
+                </a:solidFill>
+                <a:latin typeface="Consolas" charset="0"/>
+                <a:ea typeface="Consolas" charset="0"/>
+                <a:cs typeface="Consolas" charset="0"/>
+              </a:rPr>
+              <a:t> { get; set; }</a:t>
+            </a:r>
+          </a:p>
+          <a:p>
+            <a:endParaRPr lang="en-US" sz="1600" dirty="0" smtClean="0">
+              <a:solidFill>
+                <a:schemeClr val="tx2">
+                  <a:lumMod val="50000"/>
+                </a:schemeClr>
+              </a:solidFill>
+              <a:latin typeface="Consolas" charset="0"/>
+              <a:ea typeface="Consolas" charset="0"/>
+              <a:cs typeface="Consolas" charset="0"/>
+            </a:endParaRPr>
+          </a:p>
+          <a:p>
+            <a:r>
+              <a:rPr lang="en-US" sz="1600" dirty="0">
+                <a:solidFill>
+                  <a:schemeClr val="tx2">
+                    <a:lumMod val="50000"/>
+                  </a:schemeClr>
+                </a:solidFill>
+                <a:latin typeface="Consolas" charset="0"/>
+                <a:ea typeface="Consolas" charset="0"/>
+                <a:cs typeface="Consolas" charset="0"/>
+              </a:rPr>
+              <a:t> </a:t>
+            </a:r>
+            <a:r>
+              <a:rPr lang="en-US" sz="1600" dirty="0" smtClean="0">
+                <a:solidFill>
+                  <a:schemeClr val="tx2">
+                    <a:lumMod val="50000"/>
+                  </a:schemeClr>
+                </a:solidFill>
+                <a:latin typeface="Consolas" charset="0"/>
+                <a:ea typeface="Consolas" charset="0"/>
+                <a:cs typeface="Consolas" charset="0"/>
+              </a:rPr>
+              <a:t>   [Key]</a:t>
+            </a:r>
+            <a:endParaRPr lang="en-US" sz="1600" dirty="0">
+              <a:solidFill>
+                <a:schemeClr val="tx2">
+                  <a:lumMod val="50000"/>
+                </a:schemeClr>
+              </a:solidFill>
+              <a:latin typeface="Consolas" charset="0"/>
+              <a:ea typeface="Consolas" charset="0"/>
+              <a:cs typeface="Consolas" charset="0"/>
+            </a:endParaRPr>
+          </a:p>
+          <a:p>
+            <a:r>
+              <a:rPr lang="en-US" sz="1600" dirty="0">
+                <a:solidFill>
+                  <a:schemeClr val="tx2">
+                    <a:lumMod val="50000"/>
+                  </a:schemeClr>
+                </a:solidFill>
+                <a:latin typeface="Consolas" charset="0"/>
+                <a:ea typeface="Consolas" charset="0"/>
+                <a:cs typeface="Consolas" charset="0"/>
+              </a:rPr>
+              <a:t>    public </a:t>
+            </a:r>
+            <a:r>
+              <a:rPr lang="en-US" sz="1600" dirty="0" err="1">
+                <a:solidFill>
+                  <a:schemeClr val="tx2">
+                    <a:lumMod val="50000"/>
+                  </a:schemeClr>
+                </a:solidFill>
+                <a:latin typeface="Consolas" charset="0"/>
+                <a:ea typeface="Consolas" charset="0"/>
+                <a:cs typeface="Consolas" charset="0"/>
+              </a:rPr>
+              <a:t>int</a:t>
+            </a:r>
+            <a:r>
+              <a:rPr lang="en-US" sz="1600" dirty="0">
+                <a:solidFill>
+                  <a:schemeClr val="tx2">
+                    <a:lumMod val="50000"/>
+                  </a:schemeClr>
+                </a:solidFill>
+                <a:latin typeface="Consolas" charset="0"/>
+                <a:ea typeface="Consolas" charset="0"/>
+                <a:cs typeface="Consolas" charset="0"/>
+              </a:rPr>
+              <a:t> </a:t>
+            </a:r>
+            <a:r>
+              <a:rPr lang="en-US" sz="1600" dirty="0" err="1">
+                <a:solidFill>
+                  <a:schemeClr val="tx2">
+                    <a:lumMod val="50000"/>
+                  </a:schemeClr>
+                </a:solidFill>
+                <a:latin typeface="Consolas" charset="0"/>
+                <a:ea typeface="Consolas" charset="0"/>
+                <a:cs typeface="Consolas" charset="0"/>
+              </a:rPr>
+              <a:t>CustomerSalesRepId</a:t>
+            </a:r>
+            <a:r>
+              <a:rPr lang="en-US" sz="1600" dirty="0">
+                <a:solidFill>
+                  <a:schemeClr val="tx2">
+                    <a:lumMod val="50000"/>
+                  </a:schemeClr>
+                </a:solidFill>
+                <a:latin typeface="Consolas" charset="0"/>
+                <a:ea typeface="Consolas" charset="0"/>
+                <a:cs typeface="Consolas" charset="0"/>
+              </a:rPr>
+              <a:t> { get; set; }</a:t>
+            </a:r>
+          </a:p>
+          <a:p>
+            <a:r>
+              <a:rPr lang="en-US" sz="1600" dirty="0">
+                <a:solidFill>
+                  <a:schemeClr val="tx2">
+                    <a:lumMod val="50000"/>
+                  </a:schemeClr>
+                </a:solidFill>
+                <a:latin typeface="Consolas" charset="0"/>
+                <a:ea typeface="Consolas" charset="0"/>
+                <a:cs typeface="Consolas" charset="0"/>
+              </a:rPr>
+              <a:t>    public </a:t>
+            </a:r>
+            <a:r>
+              <a:rPr lang="en-US" sz="1600" dirty="0" err="1">
+                <a:solidFill>
+                  <a:schemeClr val="tx2">
+                    <a:lumMod val="50000"/>
+                  </a:schemeClr>
+                </a:solidFill>
+                <a:latin typeface="Consolas" charset="0"/>
+                <a:ea typeface="Consolas" charset="0"/>
+                <a:cs typeface="Consolas" charset="0"/>
+              </a:rPr>
+              <a:t>DateTime</a:t>
+            </a:r>
+            <a:r>
+              <a:rPr lang="en-US" sz="1600" dirty="0">
+                <a:solidFill>
+                  <a:schemeClr val="tx2">
+                    <a:lumMod val="50000"/>
+                  </a:schemeClr>
+                </a:solidFill>
+                <a:latin typeface="Consolas" charset="0"/>
+                <a:ea typeface="Consolas" charset="0"/>
+                <a:cs typeface="Consolas" charset="0"/>
+              </a:rPr>
+              <a:t> </a:t>
+            </a:r>
+            <a:r>
+              <a:rPr lang="en-US" sz="1600" dirty="0" err="1">
+                <a:solidFill>
+                  <a:schemeClr val="tx2">
+                    <a:lumMod val="50000"/>
+                  </a:schemeClr>
+                </a:solidFill>
+                <a:latin typeface="Consolas" charset="0"/>
+                <a:ea typeface="Consolas" charset="0"/>
+                <a:cs typeface="Consolas" charset="0"/>
+              </a:rPr>
+              <a:t>CreatedDateTime</a:t>
+            </a:r>
+            <a:r>
+              <a:rPr lang="en-US" sz="1600" dirty="0">
+                <a:solidFill>
+                  <a:schemeClr val="tx2">
+                    <a:lumMod val="50000"/>
+                  </a:schemeClr>
+                </a:solidFill>
+                <a:latin typeface="Consolas" charset="0"/>
+                <a:ea typeface="Consolas" charset="0"/>
+                <a:cs typeface="Consolas" charset="0"/>
+              </a:rPr>
+              <a:t> { get; set; </a:t>
+            </a:r>
+            <a:r>
+              <a:rPr lang="en-US" sz="1600" dirty="0" smtClean="0">
+                <a:solidFill>
+                  <a:schemeClr val="tx2">
+                    <a:lumMod val="50000"/>
+                  </a:schemeClr>
+                </a:solidFill>
+                <a:latin typeface="Consolas" charset="0"/>
+                <a:ea typeface="Consolas" charset="0"/>
+                <a:cs typeface="Consolas" charset="0"/>
+              </a:rPr>
+              <a:t>}</a:t>
+            </a:r>
+          </a:p>
+          <a:p>
+            <a:endParaRPr lang="en-US" sz="1600" dirty="0">
+              <a:solidFill>
+                <a:schemeClr val="tx2">
+                  <a:lumMod val="50000"/>
+                </a:schemeClr>
+              </a:solidFill>
+              <a:latin typeface="Consolas" charset="0"/>
+              <a:ea typeface="Consolas" charset="0"/>
+              <a:cs typeface="Consolas" charset="0"/>
+            </a:endParaRPr>
+          </a:p>
+          <a:p>
+            <a:r>
+              <a:rPr lang="en-US" sz="1600" dirty="0" smtClean="0">
+                <a:solidFill>
+                  <a:schemeClr val="tx2">
+                    <a:lumMod val="50000"/>
+                  </a:schemeClr>
+                </a:solidFill>
+                <a:latin typeface="Consolas" charset="0"/>
+                <a:ea typeface="Consolas" charset="0"/>
+                <a:cs typeface="Consolas" charset="0"/>
+              </a:rPr>
+              <a:t>}</a:t>
+            </a:r>
           </a:p>
         </p:txBody>
       </p:sp>
     </p:spTree>
     <p:extLst>
       <p:ext uri="{BB962C8B-B14F-4D97-AF65-F5344CB8AC3E}">
-        <p14:creationId xmlns:p14="http://schemas.microsoft.com/office/powerpoint/2010/main" val="1805943191"/>
+        <p14:creationId xmlns:p14="http://schemas.microsoft.com/office/powerpoint/2010/main" val="1804735842"/>
       </p:ext>
     </p:extLst>
   </p:cSld>
@@ -10126,7 +17191,7 @@
           <a:p>
             <a:r>
               <a:rPr lang="en-US" dirty="0" smtClean="0"/>
-              <a:t>Lazy Loading and SELECT N+1</a:t>
+              <a:t>Mapping Collections in General</a:t>
             </a:r>
             <a:endParaRPr lang="en-US" dirty="0"/>
           </a:p>
@@ -10152,13 +17217,17 @@
             </a:pPr>
             <a:r>
               <a:rPr lang="en-US" b="1" i="1" dirty="0" smtClean="0"/>
-              <a:t>Don’t</a:t>
+              <a:t>Avoid</a:t>
+            </a:r>
+            <a:r>
+              <a:rPr lang="en-US" i="1" dirty="0" smtClean="0"/>
+              <a:t> </a:t>
             </a:r>
             <a:r>
               <a:rPr lang="en-US" dirty="0" smtClean="0"/>
-              <a:t> use excessive lazy loading.</a:t>
-            </a:r>
-            <a:endParaRPr lang="en-US" dirty="0" smtClean="0"/>
+              <a:t>mapping collections.</a:t>
+            </a:r>
+            <a:endParaRPr lang="en-US" dirty="0"/>
           </a:p>
         </p:txBody>
       </p:sp>
@@ -10182,13 +17251,594 @@
               <a:t>http://josephdaigle.me</a:t>
             </a:r>
             <a:endParaRPr lang="en-US"/>
+          </a:p>
+        </p:txBody>
+      </p:sp>
+      <p:sp>
+        <p:nvSpPr>
+          <p:cNvPr id="5" name="TextBox 4"/>
+          <p:cNvSpPr txBox="1"/>
+          <p:nvPr/>
+        </p:nvSpPr>
+        <p:spPr>
+          <a:xfrm>
+            <a:off x="838200" y="2643010"/>
+            <a:ext cx="8529638" cy="3293209"/>
+          </a:xfrm>
+          <a:prstGeom prst="rect">
+            <a:avLst/>
+          </a:prstGeom>
+          <a:noFill/>
+        </p:spPr>
+        <p:txBody>
+          <a:bodyPr wrap="square" rtlCol="0">
+            <a:spAutoFit/>
+          </a:bodyPr>
+          <a:lstStyle/>
+          <a:p>
+            <a:r>
+              <a:rPr lang="en-US" sz="1600" dirty="0">
+                <a:solidFill>
+                  <a:schemeClr val="tx2">
+                    <a:lumMod val="50000"/>
+                  </a:schemeClr>
+                </a:solidFill>
+                <a:latin typeface="Consolas" charset="0"/>
+                <a:ea typeface="Consolas" charset="0"/>
+                <a:cs typeface="Consolas" charset="0"/>
+              </a:rPr>
+              <a:t>public class </a:t>
+            </a:r>
+            <a:r>
+              <a:rPr lang="en-US" sz="1600" dirty="0" smtClean="0">
+                <a:solidFill>
+                  <a:schemeClr val="tx2">
+                    <a:lumMod val="50000"/>
+                  </a:schemeClr>
+                </a:solidFill>
+                <a:latin typeface="Consolas" charset="0"/>
+                <a:ea typeface="Consolas" charset="0"/>
+                <a:cs typeface="Consolas" charset="0"/>
+              </a:rPr>
+              <a:t>Customer</a:t>
+            </a:r>
+            <a:endParaRPr lang="en-US" sz="1600" dirty="0">
+              <a:solidFill>
+                <a:schemeClr val="tx2">
+                  <a:lumMod val="50000"/>
+                </a:schemeClr>
+              </a:solidFill>
+              <a:latin typeface="Consolas" charset="0"/>
+              <a:ea typeface="Consolas" charset="0"/>
+              <a:cs typeface="Consolas" charset="0"/>
+            </a:endParaRPr>
+          </a:p>
+          <a:p>
+            <a:r>
+              <a:rPr lang="en-US" sz="1600" dirty="0" smtClean="0">
+                <a:solidFill>
+                  <a:schemeClr val="tx2">
+                    <a:lumMod val="50000"/>
+                  </a:schemeClr>
+                </a:solidFill>
+                <a:latin typeface="Consolas" charset="0"/>
+                <a:ea typeface="Consolas" charset="0"/>
+                <a:cs typeface="Consolas" charset="0"/>
+              </a:rPr>
+              <a:t>{</a:t>
+            </a:r>
+          </a:p>
+          <a:p>
+            <a:r>
+              <a:rPr lang="en-US" sz="1600" dirty="0" smtClean="0">
+                <a:solidFill>
+                  <a:schemeClr val="tx2">
+                    <a:lumMod val="50000"/>
+                  </a:schemeClr>
+                </a:solidFill>
+                <a:latin typeface="Consolas" charset="0"/>
+                <a:ea typeface="Consolas" charset="0"/>
+                <a:cs typeface="Consolas" charset="0"/>
+              </a:rPr>
+              <a:t>    public </a:t>
+            </a:r>
+            <a:r>
+              <a:rPr lang="en-US" sz="1600" dirty="0" err="1" smtClean="0">
+                <a:solidFill>
+                  <a:schemeClr val="tx2">
+                    <a:lumMod val="50000"/>
+                  </a:schemeClr>
+                </a:solidFill>
+                <a:latin typeface="Consolas" charset="0"/>
+                <a:ea typeface="Consolas" charset="0"/>
+                <a:cs typeface="Consolas" charset="0"/>
+              </a:rPr>
+              <a:t>ICollection</a:t>
+            </a:r>
+            <a:r>
+              <a:rPr lang="en-US" sz="1600" dirty="0" smtClean="0">
+                <a:solidFill>
+                  <a:schemeClr val="tx2">
+                    <a:lumMod val="50000"/>
+                  </a:schemeClr>
+                </a:solidFill>
+                <a:latin typeface="Consolas" charset="0"/>
+                <a:ea typeface="Consolas" charset="0"/>
+                <a:cs typeface="Consolas" charset="0"/>
+              </a:rPr>
+              <a:t>&lt;</a:t>
+            </a:r>
+            <a:r>
+              <a:rPr lang="en-US" sz="1600" dirty="0" err="1" smtClean="0">
+                <a:solidFill>
+                  <a:schemeClr val="tx2">
+                    <a:lumMod val="50000"/>
+                  </a:schemeClr>
+                </a:solidFill>
+                <a:latin typeface="Consolas" charset="0"/>
+                <a:ea typeface="Consolas" charset="0"/>
+                <a:cs typeface="Consolas" charset="0"/>
+              </a:rPr>
+              <a:t>CustomerSalesRep</a:t>
+            </a:r>
+            <a:r>
+              <a:rPr lang="en-US" sz="1600" dirty="0" smtClean="0">
+                <a:solidFill>
+                  <a:schemeClr val="tx2">
+                    <a:lumMod val="50000"/>
+                  </a:schemeClr>
+                </a:solidFill>
+                <a:latin typeface="Consolas" charset="0"/>
+                <a:ea typeface="Consolas" charset="0"/>
+                <a:cs typeface="Consolas" charset="0"/>
+              </a:rPr>
+              <a:t>&gt; </a:t>
+            </a:r>
+            <a:r>
+              <a:rPr lang="en-US" sz="1600" dirty="0" err="1" smtClean="0">
+                <a:solidFill>
+                  <a:schemeClr val="tx2">
+                    <a:lumMod val="50000"/>
+                  </a:schemeClr>
+                </a:solidFill>
+                <a:latin typeface="Consolas" charset="0"/>
+                <a:ea typeface="Consolas" charset="0"/>
+                <a:cs typeface="Consolas" charset="0"/>
+              </a:rPr>
+              <a:t>CustomerSalesReps</a:t>
+            </a:r>
+            <a:r>
+              <a:rPr lang="en-US" sz="1600" dirty="0" smtClean="0">
+                <a:solidFill>
+                  <a:schemeClr val="tx2">
+                    <a:lumMod val="50000"/>
+                  </a:schemeClr>
+                </a:solidFill>
+                <a:latin typeface="Consolas" charset="0"/>
+                <a:ea typeface="Consolas" charset="0"/>
+                <a:cs typeface="Consolas" charset="0"/>
+              </a:rPr>
+              <a:t> { get; set; }</a:t>
+            </a:r>
+            <a:endParaRPr lang="en-US" sz="1600" dirty="0">
+              <a:solidFill>
+                <a:schemeClr val="tx2">
+                  <a:lumMod val="50000"/>
+                </a:schemeClr>
+              </a:solidFill>
+              <a:latin typeface="Consolas" charset="0"/>
+              <a:ea typeface="Consolas" charset="0"/>
+              <a:cs typeface="Consolas" charset="0"/>
+            </a:endParaRPr>
+          </a:p>
+          <a:p>
+            <a:r>
+              <a:rPr lang="en-US" sz="1600" dirty="0" smtClean="0">
+                <a:solidFill>
+                  <a:schemeClr val="tx2">
+                    <a:lumMod val="50000"/>
+                  </a:schemeClr>
+                </a:solidFill>
+                <a:latin typeface="Consolas" charset="0"/>
+                <a:ea typeface="Consolas" charset="0"/>
+                <a:cs typeface="Consolas" charset="0"/>
+              </a:rPr>
+              <a:t>}</a:t>
+            </a:r>
+          </a:p>
+          <a:p>
+            <a:endParaRPr lang="en-US" sz="1600" dirty="0">
+              <a:solidFill>
+                <a:schemeClr val="tx2">
+                  <a:lumMod val="50000"/>
+                </a:schemeClr>
+              </a:solidFill>
+              <a:latin typeface="Consolas" charset="0"/>
+              <a:ea typeface="Consolas" charset="0"/>
+              <a:cs typeface="Consolas" charset="0"/>
+            </a:endParaRPr>
+          </a:p>
+          <a:p>
+            <a:endParaRPr lang="en-US" sz="1600" dirty="0" smtClean="0">
+              <a:solidFill>
+                <a:schemeClr val="tx2">
+                  <a:lumMod val="50000"/>
+                </a:schemeClr>
+              </a:solidFill>
+              <a:latin typeface="Consolas" charset="0"/>
+              <a:ea typeface="Consolas" charset="0"/>
+              <a:cs typeface="Consolas" charset="0"/>
+            </a:endParaRPr>
+          </a:p>
+          <a:p>
+            <a:r>
+              <a:rPr lang="en-US" sz="1600" dirty="0" smtClean="0">
+                <a:solidFill>
+                  <a:schemeClr val="tx2">
+                    <a:lumMod val="50000"/>
+                  </a:schemeClr>
+                </a:solidFill>
+                <a:latin typeface="Consolas" charset="0"/>
+                <a:ea typeface="Consolas" charset="0"/>
+                <a:cs typeface="Consolas" charset="0"/>
+              </a:rPr>
+              <a:t>// entire collection must be loaded!</a:t>
+            </a:r>
+            <a:endParaRPr lang="en-US" sz="1600" dirty="0">
+              <a:solidFill>
+                <a:schemeClr val="tx2">
+                  <a:lumMod val="50000"/>
+                </a:schemeClr>
+              </a:solidFill>
+              <a:latin typeface="Consolas" charset="0"/>
+              <a:ea typeface="Consolas" charset="0"/>
+              <a:cs typeface="Consolas" charset="0"/>
+            </a:endParaRPr>
+          </a:p>
+          <a:p>
+            <a:r>
+              <a:rPr lang="en-US" sz="1600" dirty="0" err="1" smtClean="0">
+                <a:solidFill>
+                  <a:schemeClr val="tx2">
+                    <a:lumMod val="50000"/>
+                  </a:schemeClr>
+                </a:solidFill>
+                <a:latin typeface="Consolas" charset="0"/>
+                <a:ea typeface="Consolas" charset="0"/>
+                <a:cs typeface="Consolas" charset="0"/>
+              </a:rPr>
+              <a:t>myCustomer.CustomerSalesReps</a:t>
+            </a:r>
+            <a:endParaRPr lang="en-US" sz="1600" dirty="0" smtClean="0">
+              <a:solidFill>
+                <a:schemeClr val="tx2">
+                  <a:lumMod val="50000"/>
+                </a:schemeClr>
+              </a:solidFill>
+              <a:latin typeface="Consolas" charset="0"/>
+              <a:ea typeface="Consolas" charset="0"/>
+              <a:cs typeface="Consolas" charset="0"/>
+            </a:endParaRPr>
+          </a:p>
+          <a:p>
+            <a:r>
+              <a:rPr lang="en-US" sz="1600" dirty="0">
+                <a:solidFill>
+                  <a:schemeClr val="tx2">
+                    <a:lumMod val="50000"/>
+                  </a:schemeClr>
+                </a:solidFill>
+                <a:latin typeface="Consolas" charset="0"/>
+                <a:ea typeface="Consolas" charset="0"/>
+                <a:cs typeface="Consolas" charset="0"/>
+              </a:rPr>
+              <a:t> </a:t>
+            </a:r>
+            <a:r>
+              <a:rPr lang="en-US" sz="1600" dirty="0" smtClean="0">
+                <a:solidFill>
+                  <a:schemeClr val="tx2">
+                    <a:lumMod val="50000"/>
+                  </a:schemeClr>
+                </a:solidFill>
+                <a:latin typeface="Consolas" charset="0"/>
+                <a:ea typeface="Consolas" charset="0"/>
+                <a:cs typeface="Consolas" charset="0"/>
+              </a:rPr>
+              <a:t>         .</a:t>
+            </a:r>
+            <a:r>
+              <a:rPr lang="en-US" sz="1600" dirty="0" err="1" smtClean="0">
+                <a:solidFill>
+                  <a:schemeClr val="tx2">
+                    <a:lumMod val="50000"/>
+                  </a:schemeClr>
+                </a:solidFill>
+                <a:latin typeface="Consolas" charset="0"/>
+                <a:ea typeface="Consolas" charset="0"/>
+                <a:cs typeface="Consolas" charset="0"/>
+              </a:rPr>
+              <a:t>SingleOrDefault</a:t>
+            </a:r>
+            <a:r>
+              <a:rPr lang="en-US" sz="1600" dirty="0" smtClean="0">
+                <a:solidFill>
+                  <a:schemeClr val="tx2">
+                    <a:lumMod val="50000"/>
+                  </a:schemeClr>
+                </a:solidFill>
+                <a:latin typeface="Consolas" charset="0"/>
+                <a:ea typeface="Consolas" charset="0"/>
+                <a:cs typeface="Consolas" charset="0"/>
+              </a:rPr>
+              <a:t>(r =&gt; </a:t>
+            </a:r>
+            <a:r>
+              <a:rPr lang="en-US" sz="1600" dirty="0" err="1" smtClean="0">
+                <a:solidFill>
+                  <a:schemeClr val="tx2">
+                    <a:lumMod val="50000"/>
+                  </a:schemeClr>
+                </a:solidFill>
+                <a:latin typeface="Consolas" charset="0"/>
+                <a:ea typeface="Consolas" charset="0"/>
+                <a:cs typeface="Consolas" charset="0"/>
+              </a:rPr>
+              <a:t>r.SalesRepId</a:t>
+            </a:r>
+            <a:r>
+              <a:rPr lang="en-US" sz="1600" dirty="0" smtClean="0">
+                <a:solidFill>
+                  <a:schemeClr val="tx2">
+                    <a:lumMod val="50000"/>
+                  </a:schemeClr>
+                </a:solidFill>
+                <a:latin typeface="Consolas" charset="0"/>
+                <a:ea typeface="Consolas" charset="0"/>
+                <a:cs typeface="Consolas" charset="0"/>
+              </a:rPr>
+              <a:t> == 5);</a:t>
+            </a:r>
+            <a:endParaRPr lang="en-US" sz="1600" dirty="0">
+              <a:solidFill>
+                <a:schemeClr val="tx2">
+                  <a:lumMod val="50000"/>
+                </a:schemeClr>
+              </a:solidFill>
+              <a:latin typeface="Consolas" charset="0"/>
+              <a:ea typeface="Consolas" charset="0"/>
+              <a:cs typeface="Consolas" charset="0"/>
+            </a:endParaRPr>
+          </a:p>
+          <a:p>
+            <a:endParaRPr lang="en-US" sz="1600" dirty="0" smtClean="0">
+              <a:solidFill>
+                <a:schemeClr val="tx2">
+                  <a:lumMod val="50000"/>
+                </a:schemeClr>
+              </a:solidFill>
+              <a:latin typeface="Consolas" charset="0"/>
+              <a:ea typeface="Consolas" charset="0"/>
+              <a:cs typeface="Consolas" charset="0"/>
+            </a:endParaRPr>
+          </a:p>
+          <a:p>
+            <a:r>
+              <a:rPr lang="en-US" sz="1600" dirty="0" smtClean="0">
+                <a:solidFill>
+                  <a:schemeClr val="tx2">
+                    <a:lumMod val="50000"/>
+                  </a:schemeClr>
+                </a:solidFill>
+                <a:latin typeface="Consolas" charset="0"/>
+                <a:ea typeface="Consolas" charset="0"/>
+                <a:cs typeface="Consolas" charset="0"/>
+              </a:rPr>
+              <a:t>// queries a single row</a:t>
+            </a:r>
+          </a:p>
+          <a:p>
+            <a:r>
+              <a:rPr lang="en-US" sz="1600" dirty="0" err="1" smtClean="0">
+                <a:solidFill>
+                  <a:schemeClr val="tx2">
+                    <a:lumMod val="50000"/>
+                  </a:schemeClr>
+                </a:solidFill>
+                <a:latin typeface="Consolas" charset="0"/>
+                <a:ea typeface="Consolas" charset="0"/>
+                <a:cs typeface="Consolas" charset="0"/>
+              </a:rPr>
+              <a:t>dbContext.Set</a:t>
+            </a:r>
+            <a:r>
+              <a:rPr lang="en-US" sz="1600" dirty="0" smtClean="0">
+                <a:solidFill>
+                  <a:schemeClr val="tx2">
+                    <a:lumMod val="50000"/>
+                  </a:schemeClr>
+                </a:solidFill>
+                <a:latin typeface="Consolas" charset="0"/>
+                <a:ea typeface="Consolas" charset="0"/>
+                <a:cs typeface="Consolas" charset="0"/>
+              </a:rPr>
+              <a:t>&lt;</a:t>
+            </a:r>
+            <a:r>
+              <a:rPr lang="en-US" sz="1600" dirty="0" err="1" smtClean="0">
+                <a:solidFill>
+                  <a:schemeClr val="tx2">
+                    <a:lumMod val="50000"/>
+                  </a:schemeClr>
+                </a:solidFill>
+                <a:latin typeface="Consolas" charset="0"/>
+                <a:ea typeface="Consolas" charset="0"/>
+                <a:cs typeface="Consolas" charset="0"/>
+              </a:rPr>
+              <a:t>CustomerSalesRep</a:t>
+            </a:r>
+            <a:r>
+              <a:rPr lang="en-US" sz="1600" dirty="0" smtClean="0">
+                <a:solidFill>
+                  <a:schemeClr val="tx2">
+                    <a:lumMod val="50000"/>
+                  </a:schemeClr>
+                </a:solidFill>
+                <a:latin typeface="Consolas" charset="0"/>
+                <a:ea typeface="Consolas" charset="0"/>
+                <a:cs typeface="Consolas" charset="0"/>
+              </a:rPr>
+              <a:t>&gt;()</a:t>
+            </a:r>
+          </a:p>
+          <a:p>
+            <a:r>
+              <a:rPr lang="en-US" sz="1600" dirty="0">
+                <a:solidFill>
+                  <a:schemeClr val="tx2">
+                    <a:lumMod val="50000"/>
+                  </a:schemeClr>
+                </a:solidFill>
+                <a:latin typeface="Consolas" charset="0"/>
+                <a:ea typeface="Consolas" charset="0"/>
+                <a:cs typeface="Consolas" charset="0"/>
+              </a:rPr>
+              <a:t> </a:t>
+            </a:r>
+            <a:r>
+              <a:rPr lang="en-US" sz="1600" dirty="0" smtClean="0">
+                <a:solidFill>
+                  <a:schemeClr val="tx2">
+                    <a:lumMod val="50000"/>
+                  </a:schemeClr>
+                </a:solidFill>
+                <a:latin typeface="Consolas" charset="0"/>
+                <a:ea typeface="Consolas" charset="0"/>
+                <a:cs typeface="Consolas" charset="0"/>
+              </a:rPr>
+              <a:t>         .</a:t>
+            </a:r>
+            <a:r>
+              <a:rPr lang="en-US" sz="1600" dirty="0" err="1" smtClean="0">
+                <a:solidFill>
+                  <a:schemeClr val="tx2">
+                    <a:lumMod val="50000"/>
+                  </a:schemeClr>
+                </a:solidFill>
+                <a:latin typeface="Consolas" charset="0"/>
+                <a:ea typeface="Consolas" charset="0"/>
+                <a:cs typeface="Consolas" charset="0"/>
+              </a:rPr>
+              <a:t>SingleOrDefault</a:t>
+            </a:r>
+            <a:r>
+              <a:rPr lang="en-US" sz="1600" dirty="0" smtClean="0">
+                <a:solidFill>
+                  <a:schemeClr val="tx2">
+                    <a:lumMod val="50000"/>
+                  </a:schemeClr>
+                </a:solidFill>
+                <a:latin typeface="Consolas" charset="0"/>
+                <a:ea typeface="Consolas" charset="0"/>
+                <a:cs typeface="Consolas" charset="0"/>
+              </a:rPr>
+              <a:t>(</a:t>
+            </a:r>
+            <a:r>
+              <a:rPr lang="en-US" sz="1600" dirty="0">
+                <a:solidFill>
+                  <a:schemeClr val="tx2">
+                    <a:lumMod val="50000"/>
+                  </a:schemeClr>
+                </a:solidFill>
+                <a:latin typeface="Consolas" charset="0"/>
+                <a:ea typeface="Consolas" charset="0"/>
+                <a:cs typeface="Consolas" charset="0"/>
+              </a:rPr>
+              <a:t>r =&gt; </a:t>
+            </a:r>
+            <a:r>
+              <a:rPr lang="en-US" sz="1600" dirty="0" err="1">
+                <a:solidFill>
+                  <a:schemeClr val="tx2">
+                    <a:lumMod val="50000"/>
+                  </a:schemeClr>
+                </a:solidFill>
+                <a:latin typeface="Consolas" charset="0"/>
+                <a:ea typeface="Consolas" charset="0"/>
+                <a:cs typeface="Consolas" charset="0"/>
+              </a:rPr>
+              <a:t>r.SalesRepId</a:t>
+            </a:r>
+            <a:r>
+              <a:rPr lang="en-US" sz="1600" dirty="0">
+                <a:solidFill>
+                  <a:schemeClr val="tx2">
+                    <a:lumMod val="50000"/>
+                  </a:schemeClr>
+                </a:solidFill>
+                <a:latin typeface="Consolas" charset="0"/>
+                <a:ea typeface="Consolas" charset="0"/>
+                <a:cs typeface="Consolas" charset="0"/>
+              </a:rPr>
+              <a:t> == </a:t>
+            </a:r>
+            <a:r>
+              <a:rPr lang="en-US" sz="1600" dirty="0" smtClean="0">
+                <a:solidFill>
+                  <a:schemeClr val="tx2">
+                    <a:lumMod val="50000"/>
+                  </a:schemeClr>
+                </a:solidFill>
+                <a:latin typeface="Consolas" charset="0"/>
+                <a:ea typeface="Consolas" charset="0"/>
+                <a:cs typeface="Consolas" charset="0"/>
+              </a:rPr>
+              <a:t>5 &amp;&amp; </a:t>
+            </a:r>
+            <a:r>
+              <a:rPr lang="en-US" sz="1600" dirty="0" err="1" smtClean="0">
+                <a:solidFill>
+                  <a:schemeClr val="tx2">
+                    <a:lumMod val="50000"/>
+                  </a:schemeClr>
+                </a:solidFill>
+                <a:latin typeface="Consolas" charset="0"/>
+                <a:ea typeface="Consolas" charset="0"/>
+                <a:cs typeface="Consolas" charset="0"/>
+              </a:rPr>
+              <a:t>r.CompanyId</a:t>
+            </a:r>
+            <a:r>
+              <a:rPr lang="en-US" sz="1600" dirty="0" smtClean="0">
+                <a:solidFill>
+                  <a:schemeClr val="tx2">
+                    <a:lumMod val="50000"/>
+                  </a:schemeClr>
+                </a:solidFill>
+                <a:latin typeface="Consolas" charset="0"/>
+                <a:ea typeface="Consolas" charset="0"/>
+                <a:cs typeface="Consolas" charset="0"/>
+              </a:rPr>
+              <a:t> = 1);</a:t>
+            </a:r>
+            <a:endParaRPr lang="en-US" sz="1600" dirty="0">
+              <a:solidFill>
+                <a:schemeClr val="tx2">
+                  <a:lumMod val="50000"/>
+                </a:schemeClr>
+              </a:solidFill>
+              <a:latin typeface="Consolas" charset="0"/>
+              <a:ea typeface="Consolas" charset="0"/>
+              <a:cs typeface="Consolas" charset="0"/>
+            </a:endParaRPr>
           </a:p>
         </p:txBody>
       </p:sp>
     </p:spTree>
     <p:extLst>
       <p:ext uri="{BB962C8B-B14F-4D97-AF65-F5344CB8AC3E}">
-        <p14:creationId xmlns:p14="http://schemas.microsoft.com/office/powerpoint/2010/main" val="1681374260"/>
+        <p14:creationId xmlns:p14="http://schemas.microsoft.com/office/powerpoint/2010/main" val="1805943191"/>
       </p:ext>
     </p:extLst>
   </p:cSld>
@@ -10265,13 +17915,12 @@
             </a:pPr>
             <a:r>
               <a:rPr lang="en-US" b="1" i="1" dirty="0" smtClean="0"/>
-              <a:t>Do</a:t>
+              <a:t>Don’t</a:t>
             </a:r>
             <a:r>
               <a:rPr lang="en-US" dirty="0" smtClean="0"/>
-              <a:t> use eager fetching.</a:t>
-            </a:r>
-            <a:endParaRPr lang="en-US" dirty="0"/>
+              <a:t> use excessive lazy loading.</a:t>
+            </a:r>
           </a:p>
         </p:txBody>
       </p:sp>
@@ -10295,13 +17944,759 @@
               <a:t>http://josephdaigle.me</a:t>
             </a:r>
             <a:endParaRPr lang="en-US"/>
+          </a:p>
+        </p:txBody>
+      </p:sp>
+      <p:sp>
+        <p:nvSpPr>
+          <p:cNvPr id="6" name="Rectangle 5"/>
+          <p:cNvSpPr/>
+          <p:nvPr/>
+        </p:nvSpPr>
+        <p:spPr>
+          <a:xfrm>
+            <a:off x="838200" y="2433915"/>
+            <a:ext cx="9424988" cy="3877985"/>
+          </a:xfrm>
+          <a:prstGeom prst="rect">
+            <a:avLst/>
+          </a:prstGeom>
+        </p:spPr>
+        <p:txBody>
+          <a:bodyPr wrap="square">
+            <a:spAutoFit/>
+          </a:bodyPr>
+          <a:lstStyle/>
+          <a:p>
+            <a:r>
+              <a:rPr lang="en-US" sz="1600" dirty="0">
+                <a:solidFill>
+                  <a:srgbClr val="0F7001"/>
+                </a:solidFill>
+                <a:latin typeface="Consolas" charset="0"/>
+                <a:ea typeface="Consolas" charset="0"/>
+                <a:cs typeface="Consolas" charset="0"/>
+              </a:rPr>
+              <a:t>// SELECT * FROM </a:t>
+            </a:r>
+            <a:r>
+              <a:rPr lang="en-US" sz="1600" dirty="0" smtClean="0">
+                <a:solidFill>
+                  <a:srgbClr val="0F7001"/>
+                </a:solidFill>
+                <a:latin typeface="Consolas" charset="0"/>
+                <a:ea typeface="Consolas" charset="0"/>
+                <a:cs typeface="Consolas" charset="0"/>
+              </a:rPr>
+              <a:t>Posts WHERE ...</a:t>
+            </a:r>
+            <a:endParaRPr lang="en-US" sz="1600" dirty="0">
+              <a:solidFill>
+                <a:srgbClr val="000000"/>
+              </a:solidFill>
+              <a:latin typeface="Consolas" charset="0"/>
+              <a:ea typeface="Consolas" charset="0"/>
+              <a:cs typeface="Consolas" charset="0"/>
+            </a:endParaRPr>
+          </a:p>
+          <a:p>
+            <a:r>
+              <a:rPr lang="en-US" sz="1600" dirty="0" err="1">
+                <a:solidFill>
+                  <a:srgbClr val="000000"/>
+                </a:solidFill>
+                <a:latin typeface="Consolas" charset="0"/>
+                <a:ea typeface="Consolas" charset="0"/>
+                <a:cs typeface="Consolas" charset="0"/>
+              </a:rPr>
+              <a:t>var</a:t>
+            </a:r>
+            <a:r>
+              <a:rPr lang="en-US" sz="1600" dirty="0">
+                <a:solidFill>
+                  <a:srgbClr val="000000"/>
+                </a:solidFill>
+                <a:latin typeface="Consolas" charset="0"/>
+                <a:ea typeface="Consolas" charset="0"/>
+                <a:cs typeface="Consolas" charset="0"/>
+              </a:rPr>
+              <a:t> </a:t>
+            </a:r>
+            <a:r>
+              <a:rPr lang="en-US" sz="1600" dirty="0" err="1">
+                <a:solidFill>
+                  <a:srgbClr val="000000"/>
+                </a:solidFill>
+                <a:latin typeface="Consolas" charset="0"/>
+                <a:ea typeface="Consolas" charset="0"/>
+                <a:cs typeface="Consolas" charset="0"/>
+              </a:rPr>
+              <a:t>postsQuery</a:t>
+            </a:r>
+            <a:r>
+              <a:rPr lang="en-US" sz="1600" dirty="0">
+                <a:solidFill>
+                  <a:srgbClr val="000000"/>
+                </a:solidFill>
+                <a:latin typeface="Consolas" charset="0"/>
+                <a:ea typeface="Consolas" charset="0"/>
+                <a:cs typeface="Consolas" charset="0"/>
+              </a:rPr>
+              <a:t> = from post </a:t>
+            </a:r>
+            <a:r>
+              <a:rPr lang="en-US" sz="1600" dirty="0">
+                <a:solidFill>
+                  <a:srgbClr val="0000FF"/>
+                </a:solidFill>
+                <a:latin typeface="Consolas" charset="0"/>
+                <a:ea typeface="Consolas" charset="0"/>
+                <a:cs typeface="Consolas" charset="0"/>
+              </a:rPr>
+              <a:t>in</a:t>
+            </a:r>
+            <a:r>
+              <a:rPr lang="en-US" sz="1600" dirty="0">
+                <a:solidFill>
+                  <a:srgbClr val="000000"/>
+                </a:solidFill>
+                <a:latin typeface="Consolas" charset="0"/>
+                <a:ea typeface="Consolas" charset="0"/>
+                <a:cs typeface="Consolas" charset="0"/>
+              </a:rPr>
+              <a:t> </a:t>
+            </a:r>
+            <a:r>
+              <a:rPr lang="en-US" sz="1600" dirty="0" err="1" smtClean="0">
+                <a:solidFill>
+                  <a:srgbClr val="000000"/>
+                </a:solidFill>
+                <a:latin typeface="Consolas" charset="0"/>
+                <a:ea typeface="Consolas" charset="0"/>
+                <a:cs typeface="Consolas" charset="0"/>
+              </a:rPr>
+              <a:t>blogDataContext.Posts</a:t>
+            </a:r>
+            <a:endParaRPr lang="en-US" sz="1600" dirty="0" smtClean="0">
+              <a:solidFill>
+                <a:srgbClr val="000000"/>
+              </a:solidFill>
+              <a:latin typeface="Consolas" charset="0"/>
+              <a:ea typeface="Consolas" charset="0"/>
+              <a:cs typeface="Consolas" charset="0"/>
+            </a:endParaRPr>
+          </a:p>
+          <a:p>
+            <a:r>
+              <a:rPr lang="en-US" sz="1600" dirty="0">
+                <a:solidFill>
+                  <a:srgbClr val="000000"/>
+                </a:solidFill>
+                <a:latin typeface="Consolas" charset="0"/>
+                <a:ea typeface="Consolas" charset="0"/>
+                <a:cs typeface="Consolas" charset="0"/>
+              </a:rPr>
+              <a:t> </a:t>
+            </a:r>
+            <a:r>
+              <a:rPr lang="en-US" sz="1600" dirty="0" smtClean="0">
+                <a:solidFill>
+                  <a:srgbClr val="000000"/>
+                </a:solidFill>
+                <a:latin typeface="Consolas" charset="0"/>
+                <a:ea typeface="Consolas" charset="0"/>
+                <a:cs typeface="Consolas" charset="0"/>
+              </a:rPr>
+              <a:t>                where </a:t>
+            </a:r>
+            <a:r>
+              <a:rPr lang="en-US" sz="1600" dirty="0" err="1" smtClean="0">
+                <a:solidFill>
+                  <a:srgbClr val="000000"/>
+                </a:solidFill>
+                <a:latin typeface="Consolas" charset="0"/>
+                <a:ea typeface="Consolas" charset="0"/>
+                <a:cs typeface="Consolas" charset="0"/>
+              </a:rPr>
+              <a:t>post.PostDate</a:t>
+            </a:r>
+            <a:r>
+              <a:rPr lang="en-US" sz="1600" dirty="0" smtClean="0">
+                <a:solidFill>
+                  <a:srgbClr val="000000"/>
+                </a:solidFill>
+                <a:latin typeface="Consolas" charset="0"/>
+                <a:ea typeface="Consolas" charset="0"/>
+                <a:cs typeface="Consolas" charset="0"/>
+              </a:rPr>
+              <a:t> &gt; "2016-05-01"</a:t>
+            </a:r>
+            <a:endParaRPr lang="en-US" sz="1600" dirty="0">
+              <a:solidFill>
+                <a:srgbClr val="000000"/>
+              </a:solidFill>
+              <a:latin typeface="Consolas" charset="0"/>
+              <a:ea typeface="Consolas" charset="0"/>
+              <a:cs typeface="Consolas" charset="0"/>
+            </a:endParaRPr>
+          </a:p>
+          <a:p>
+            <a:r>
+              <a:rPr lang="ro-RO" sz="1600" dirty="0">
+                <a:solidFill>
+                  <a:srgbClr val="000000"/>
+                </a:solidFill>
+                <a:latin typeface="Consolas" charset="0"/>
+                <a:ea typeface="Consolas" charset="0"/>
+                <a:cs typeface="Consolas" charset="0"/>
+              </a:rPr>
+              <a:t>                 select post;</a:t>
+            </a:r>
+          </a:p>
+          <a:p>
+            <a:endParaRPr lang="ro-RO" sz="1600" dirty="0">
+              <a:solidFill>
+                <a:srgbClr val="000000"/>
+              </a:solidFill>
+              <a:latin typeface="Consolas" charset="0"/>
+              <a:ea typeface="Consolas" charset="0"/>
+              <a:cs typeface="Consolas" charset="0"/>
+            </a:endParaRPr>
+          </a:p>
+          <a:p>
+            <a:r>
+              <a:rPr lang="ro-RO" sz="1600" dirty="0" err="1">
+                <a:solidFill>
+                  <a:srgbClr val="0000FF"/>
+                </a:solidFill>
+                <a:latin typeface="Consolas" charset="0"/>
+                <a:ea typeface="Consolas" charset="0"/>
+                <a:cs typeface="Consolas" charset="0"/>
+              </a:rPr>
+              <a:t>foreach</a:t>
+            </a:r>
+            <a:r>
+              <a:rPr lang="ro-RO" sz="1600" dirty="0">
+                <a:solidFill>
+                  <a:srgbClr val="000000"/>
+                </a:solidFill>
+                <a:latin typeface="Consolas" charset="0"/>
+                <a:ea typeface="Consolas" charset="0"/>
+                <a:cs typeface="Consolas" charset="0"/>
+              </a:rPr>
+              <a:t> (Post post </a:t>
+            </a:r>
+            <a:r>
+              <a:rPr lang="ro-RO" sz="1600" dirty="0">
+                <a:solidFill>
+                  <a:srgbClr val="0000FF"/>
+                </a:solidFill>
+                <a:latin typeface="Consolas" charset="0"/>
+                <a:ea typeface="Consolas" charset="0"/>
+                <a:cs typeface="Consolas" charset="0"/>
+              </a:rPr>
+              <a:t>in</a:t>
+            </a:r>
+            <a:r>
+              <a:rPr lang="ro-RO" sz="1600" dirty="0">
+                <a:solidFill>
+                  <a:srgbClr val="000000"/>
+                </a:solidFill>
+                <a:latin typeface="Consolas" charset="0"/>
+                <a:ea typeface="Consolas" charset="0"/>
+                <a:cs typeface="Consolas" charset="0"/>
+              </a:rPr>
+              <a:t> </a:t>
+            </a:r>
+            <a:r>
+              <a:rPr lang="ro-RO" sz="1600" dirty="0" err="1">
+                <a:solidFill>
+                  <a:srgbClr val="000000"/>
+                </a:solidFill>
+                <a:latin typeface="Consolas" charset="0"/>
+                <a:ea typeface="Consolas" charset="0"/>
+                <a:cs typeface="Consolas" charset="0"/>
+              </a:rPr>
+              <a:t>postsQuery</a:t>
+            </a:r>
+            <a:r>
+              <a:rPr lang="ro-RO" sz="1600" dirty="0">
+                <a:solidFill>
+                  <a:srgbClr val="000000"/>
+                </a:solidFill>
+                <a:latin typeface="Consolas" charset="0"/>
+                <a:ea typeface="Consolas" charset="0"/>
+                <a:cs typeface="Consolas" charset="0"/>
+              </a:rPr>
+              <a:t>)</a:t>
+            </a:r>
+          </a:p>
+          <a:p>
+            <a:r>
+              <a:rPr lang="de-DE" sz="1600" dirty="0">
+                <a:solidFill>
+                  <a:srgbClr val="000000"/>
+                </a:solidFill>
+                <a:latin typeface="Consolas" charset="0"/>
+                <a:ea typeface="Consolas" charset="0"/>
+                <a:cs typeface="Consolas" charset="0"/>
+              </a:rPr>
+              <a:t>{   </a:t>
+            </a:r>
+          </a:p>
+          <a:p>
+            <a:r>
+              <a:rPr lang="de-DE" sz="1600" dirty="0">
+                <a:solidFill>
+                  <a:srgbClr val="000000"/>
+                </a:solidFill>
+                <a:latin typeface="Consolas" charset="0"/>
+                <a:ea typeface="Consolas" charset="0"/>
+                <a:cs typeface="Consolas" charset="0"/>
+              </a:rPr>
+              <a:t>    </a:t>
+            </a:r>
+            <a:r>
+              <a:rPr lang="de-DE" sz="1600" dirty="0" smtClean="0">
+                <a:solidFill>
+                  <a:srgbClr val="0F7001"/>
+                </a:solidFill>
+                <a:latin typeface="Consolas" charset="0"/>
+                <a:ea typeface="Consolas" charset="0"/>
+                <a:cs typeface="Consolas" charset="0"/>
+              </a:rPr>
+              <a:t>// </a:t>
+            </a:r>
+            <a:r>
+              <a:rPr lang="de-DE" sz="1600" dirty="0" err="1" smtClean="0">
+                <a:solidFill>
+                  <a:srgbClr val="0F7001"/>
+                </a:solidFill>
+                <a:latin typeface="Consolas" charset="0"/>
+                <a:ea typeface="Consolas" charset="0"/>
+                <a:cs typeface="Consolas" charset="0"/>
+              </a:rPr>
+              <a:t>lazy</a:t>
+            </a:r>
+            <a:r>
+              <a:rPr lang="de-DE" sz="1600" dirty="0" smtClean="0">
+                <a:solidFill>
+                  <a:srgbClr val="0F7001"/>
+                </a:solidFill>
+                <a:latin typeface="Consolas" charset="0"/>
+                <a:ea typeface="Consolas" charset="0"/>
+                <a:cs typeface="Consolas" charset="0"/>
+              </a:rPr>
+              <a:t> </a:t>
+            </a:r>
+            <a:r>
+              <a:rPr lang="de-DE" sz="1600" dirty="0" err="1">
+                <a:solidFill>
+                  <a:srgbClr val="0F7001"/>
+                </a:solidFill>
+                <a:latin typeface="Consolas" charset="0"/>
+                <a:ea typeface="Consolas" charset="0"/>
+                <a:cs typeface="Consolas" charset="0"/>
+              </a:rPr>
+              <a:t>loading</a:t>
+            </a:r>
+            <a:r>
+              <a:rPr lang="de-DE" sz="1600" dirty="0">
+                <a:solidFill>
+                  <a:srgbClr val="0F7001"/>
+                </a:solidFill>
+                <a:latin typeface="Consolas" charset="0"/>
+                <a:ea typeface="Consolas" charset="0"/>
+                <a:cs typeface="Consolas" charset="0"/>
+              </a:rPr>
+              <a:t> </a:t>
+            </a:r>
+            <a:r>
+              <a:rPr lang="de-DE" sz="1600" dirty="0" err="1">
+                <a:solidFill>
+                  <a:srgbClr val="0F7001"/>
+                </a:solidFill>
+                <a:latin typeface="Consolas" charset="0"/>
+                <a:ea typeface="Consolas" charset="0"/>
+                <a:cs typeface="Consolas" charset="0"/>
+              </a:rPr>
+              <a:t>of</a:t>
+            </a:r>
+            <a:r>
+              <a:rPr lang="de-DE" sz="1600" dirty="0">
+                <a:solidFill>
+                  <a:srgbClr val="0F7001"/>
+                </a:solidFill>
+                <a:latin typeface="Consolas" charset="0"/>
+                <a:ea typeface="Consolas" charset="0"/>
+                <a:cs typeface="Consolas" charset="0"/>
+              </a:rPr>
+              <a:t> </a:t>
+            </a:r>
+            <a:r>
+              <a:rPr lang="de-DE" sz="1600" dirty="0" err="1">
+                <a:solidFill>
+                  <a:srgbClr val="0F7001"/>
+                </a:solidFill>
+                <a:latin typeface="Consolas" charset="0"/>
+                <a:ea typeface="Consolas" charset="0"/>
+                <a:cs typeface="Consolas" charset="0"/>
+              </a:rPr>
+              <a:t>comments</a:t>
+            </a:r>
+            <a:r>
+              <a:rPr lang="de-DE" sz="1600" dirty="0">
+                <a:solidFill>
+                  <a:srgbClr val="0F7001"/>
+                </a:solidFill>
+                <a:latin typeface="Consolas" charset="0"/>
+                <a:ea typeface="Consolas" charset="0"/>
+                <a:cs typeface="Consolas" charset="0"/>
+              </a:rPr>
+              <a:t> </a:t>
+            </a:r>
+            <a:r>
+              <a:rPr lang="de-DE" sz="1600" dirty="0" err="1">
+                <a:solidFill>
+                  <a:srgbClr val="0F7001"/>
+                </a:solidFill>
+                <a:latin typeface="Consolas" charset="0"/>
+                <a:ea typeface="Consolas" charset="0"/>
+                <a:cs typeface="Consolas" charset="0"/>
+              </a:rPr>
+              <a:t>list</a:t>
+            </a:r>
+            <a:r>
+              <a:rPr lang="de-DE" sz="1600" dirty="0">
+                <a:solidFill>
+                  <a:srgbClr val="0F7001"/>
+                </a:solidFill>
+                <a:latin typeface="Consolas" charset="0"/>
+                <a:ea typeface="Consolas" charset="0"/>
+                <a:cs typeface="Consolas" charset="0"/>
+              </a:rPr>
+              <a:t> </a:t>
+            </a:r>
+            <a:r>
+              <a:rPr lang="de-DE" sz="1600" dirty="0" err="1">
+                <a:solidFill>
+                  <a:srgbClr val="0F7001"/>
+                </a:solidFill>
+                <a:latin typeface="Consolas" charset="0"/>
+                <a:ea typeface="Consolas" charset="0"/>
+                <a:cs typeface="Consolas" charset="0"/>
+              </a:rPr>
+              <a:t>causes</a:t>
+            </a:r>
+            <a:r>
+              <a:rPr lang="de-DE" sz="1600" dirty="0">
+                <a:solidFill>
+                  <a:srgbClr val="0F7001"/>
+                </a:solidFill>
+                <a:latin typeface="Consolas" charset="0"/>
+                <a:ea typeface="Consolas" charset="0"/>
+                <a:cs typeface="Consolas" charset="0"/>
+              </a:rPr>
+              <a:t>:    </a:t>
+            </a:r>
+            <a:endParaRPr lang="de-DE" sz="1600" dirty="0">
+              <a:solidFill>
+                <a:srgbClr val="000000"/>
+              </a:solidFill>
+              <a:latin typeface="Consolas" charset="0"/>
+              <a:ea typeface="Consolas" charset="0"/>
+              <a:cs typeface="Consolas" charset="0"/>
+            </a:endParaRPr>
+          </a:p>
+          <a:p>
+            <a:r>
+              <a:rPr lang="de-DE" sz="1600" dirty="0">
+                <a:solidFill>
+                  <a:srgbClr val="000000"/>
+                </a:solidFill>
+                <a:latin typeface="Consolas" charset="0"/>
+                <a:ea typeface="Consolas" charset="0"/>
+                <a:cs typeface="Consolas" charset="0"/>
+              </a:rPr>
+              <a:t>    </a:t>
+            </a:r>
+            <a:r>
+              <a:rPr lang="de-DE" sz="1600" dirty="0">
+                <a:solidFill>
+                  <a:srgbClr val="0F7001"/>
+                </a:solidFill>
+                <a:latin typeface="Consolas" charset="0"/>
+                <a:ea typeface="Consolas" charset="0"/>
+                <a:cs typeface="Consolas" charset="0"/>
+              </a:rPr>
+              <a:t>// SELECT * FROM Comments </a:t>
+            </a:r>
+            <a:r>
+              <a:rPr lang="de-DE" sz="1600" dirty="0" err="1">
+                <a:solidFill>
+                  <a:srgbClr val="0F7001"/>
+                </a:solidFill>
+                <a:latin typeface="Consolas" charset="0"/>
+                <a:ea typeface="Consolas" charset="0"/>
+                <a:cs typeface="Consolas" charset="0"/>
+              </a:rPr>
+              <a:t>where</a:t>
+            </a:r>
+            <a:r>
+              <a:rPr lang="de-DE" sz="1600" dirty="0">
+                <a:solidFill>
+                  <a:srgbClr val="0F7001"/>
+                </a:solidFill>
+                <a:latin typeface="Consolas" charset="0"/>
+                <a:ea typeface="Consolas" charset="0"/>
+                <a:cs typeface="Consolas" charset="0"/>
+              </a:rPr>
+              <a:t> </a:t>
+            </a:r>
+            <a:r>
+              <a:rPr lang="de-DE" sz="1600" dirty="0" err="1">
+                <a:solidFill>
+                  <a:srgbClr val="0F7001"/>
+                </a:solidFill>
+                <a:latin typeface="Consolas" charset="0"/>
+                <a:ea typeface="Consolas" charset="0"/>
+                <a:cs typeface="Consolas" charset="0"/>
+              </a:rPr>
+              <a:t>PostId</a:t>
+            </a:r>
+            <a:r>
+              <a:rPr lang="de-DE" sz="1600" dirty="0">
+                <a:solidFill>
+                  <a:srgbClr val="0F7001"/>
+                </a:solidFill>
+                <a:latin typeface="Consolas" charset="0"/>
+                <a:ea typeface="Consolas" charset="0"/>
+                <a:cs typeface="Consolas" charset="0"/>
+              </a:rPr>
+              <a:t> = @p0   </a:t>
+            </a:r>
+            <a:endParaRPr lang="de-DE" sz="1600" dirty="0">
+              <a:solidFill>
+                <a:srgbClr val="000000"/>
+              </a:solidFill>
+              <a:latin typeface="Consolas" charset="0"/>
+              <a:ea typeface="Consolas" charset="0"/>
+              <a:cs typeface="Consolas" charset="0"/>
+            </a:endParaRPr>
+          </a:p>
+          <a:p>
+            <a:r>
+              <a:rPr lang="de-DE" sz="1600" dirty="0">
+                <a:solidFill>
+                  <a:srgbClr val="000000"/>
+                </a:solidFill>
+                <a:latin typeface="Consolas" charset="0"/>
+                <a:ea typeface="Consolas" charset="0"/>
+                <a:cs typeface="Consolas" charset="0"/>
+              </a:rPr>
+              <a:t>    </a:t>
+            </a:r>
+            <a:r>
+              <a:rPr lang="de-DE" sz="1600" dirty="0" err="1">
+                <a:solidFill>
+                  <a:srgbClr val="000000"/>
+                </a:solidFill>
+                <a:latin typeface="Consolas" charset="0"/>
+                <a:ea typeface="Consolas" charset="0"/>
+                <a:cs typeface="Consolas" charset="0"/>
+              </a:rPr>
+              <a:t>post.Comments.Load</a:t>
+            </a:r>
+            <a:r>
+              <a:rPr lang="de-DE" sz="1600" dirty="0">
+                <a:solidFill>
+                  <a:srgbClr val="000000"/>
+                </a:solidFill>
+                <a:latin typeface="Consolas" charset="0"/>
+                <a:ea typeface="Consolas" charset="0"/>
+                <a:cs typeface="Consolas" charset="0"/>
+              </a:rPr>
+              <a:t>();</a:t>
+            </a:r>
+          </a:p>
+          <a:p>
+            <a:r>
+              <a:rPr lang="de-DE" sz="1600" dirty="0">
+                <a:solidFill>
+                  <a:srgbClr val="000000"/>
+                </a:solidFill>
+                <a:latin typeface="Consolas" charset="0"/>
+                <a:ea typeface="Consolas" charset="0"/>
+                <a:cs typeface="Consolas" charset="0"/>
+              </a:rPr>
+              <a:t>    </a:t>
+            </a:r>
+            <a:r>
+              <a:rPr lang="de-DE" sz="1600" dirty="0" err="1">
+                <a:solidFill>
+                  <a:srgbClr val="0000FF"/>
+                </a:solidFill>
+                <a:latin typeface="Consolas" charset="0"/>
+                <a:ea typeface="Consolas" charset="0"/>
+                <a:cs typeface="Consolas" charset="0"/>
+              </a:rPr>
+              <a:t>foreach</a:t>
+            </a:r>
+            <a:r>
+              <a:rPr lang="de-DE" sz="1600" dirty="0">
+                <a:solidFill>
+                  <a:srgbClr val="000000"/>
+                </a:solidFill>
+                <a:latin typeface="Consolas" charset="0"/>
+                <a:ea typeface="Consolas" charset="0"/>
+                <a:cs typeface="Consolas" charset="0"/>
+              </a:rPr>
+              <a:t> (Comment </a:t>
+            </a:r>
+            <a:r>
+              <a:rPr lang="de-DE" sz="1600" dirty="0" err="1">
+                <a:solidFill>
+                  <a:srgbClr val="000000"/>
+                </a:solidFill>
+                <a:latin typeface="Consolas" charset="0"/>
+                <a:ea typeface="Consolas" charset="0"/>
+                <a:cs typeface="Consolas" charset="0"/>
+              </a:rPr>
+              <a:t>comment</a:t>
+            </a:r>
+            <a:r>
+              <a:rPr lang="de-DE" sz="1600" dirty="0">
+                <a:solidFill>
+                  <a:srgbClr val="000000"/>
+                </a:solidFill>
+                <a:latin typeface="Consolas" charset="0"/>
+                <a:ea typeface="Consolas" charset="0"/>
+                <a:cs typeface="Consolas" charset="0"/>
+              </a:rPr>
+              <a:t> </a:t>
+            </a:r>
+            <a:r>
+              <a:rPr lang="de-DE" sz="1600" dirty="0">
+                <a:solidFill>
+                  <a:srgbClr val="0000FF"/>
+                </a:solidFill>
+                <a:latin typeface="Consolas" charset="0"/>
+                <a:ea typeface="Consolas" charset="0"/>
+                <a:cs typeface="Consolas" charset="0"/>
+              </a:rPr>
+              <a:t>in</a:t>
+            </a:r>
+            <a:r>
+              <a:rPr lang="de-DE" sz="1600" dirty="0">
+                <a:solidFill>
+                  <a:srgbClr val="000000"/>
+                </a:solidFill>
+                <a:latin typeface="Consolas" charset="0"/>
+                <a:ea typeface="Consolas" charset="0"/>
+                <a:cs typeface="Consolas" charset="0"/>
+              </a:rPr>
+              <a:t> </a:t>
+            </a:r>
+            <a:r>
+              <a:rPr lang="de-DE" sz="1600" dirty="0" err="1">
+                <a:solidFill>
+                  <a:srgbClr val="000000"/>
+                </a:solidFill>
+                <a:latin typeface="Consolas" charset="0"/>
+                <a:ea typeface="Consolas" charset="0"/>
+                <a:cs typeface="Consolas" charset="0"/>
+              </a:rPr>
+              <a:t>post.Comments</a:t>
+            </a:r>
+            <a:r>
+              <a:rPr lang="de-DE" sz="1600" dirty="0">
+                <a:solidFill>
+                  <a:srgbClr val="000000"/>
+                </a:solidFill>
+                <a:latin typeface="Consolas" charset="0"/>
+                <a:ea typeface="Consolas" charset="0"/>
+                <a:cs typeface="Consolas" charset="0"/>
+              </a:rPr>
+              <a:t>)</a:t>
+            </a:r>
+          </a:p>
+          <a:p>
+            <a:r>
+              <a:rPr lang="de-DE" sz="1600" dirty="0">
+                <a:solidFill>
+                  <a:srgbClr val="000000"/>
+                </a:solidFill>
+                <a:latin typeface="Consolas" charset="0"/>
+                <a:ea typeface="Consolas" charset="0"/>
+                <a:cs typeface="Consolas" charset="0"/>
+              </a:rPr>
+              <a:t>    {       </a:t>
+            </a:r>
+          </a:p>
+          <a:p>
+            <a:r>
+              <a:rPr lang="en-US" sz="1600" dirty="0">
+                <a:solidFill>
+                  <a:srgbClr val="000000"/>
+                </a:solidFill>
+                <a:latin typeface="Consolas" charset="0"/>
+                <a:ea typeface="Consolas" charset="0"/>
+                <a:cs typeface="Consolas" charset="0"/>
+              </a:rPr>
+              <a:t>        </a:t>
+            </a:r>
+            <a:r>
+              <a:rPr lang="en-US" sz="1600" dirty="0" smtClean="0">
+                <a:solidFill>
+                  <a:srgbClr val="0F7001"/>
+                </a:solidFill>
+                <a:latin typeface="Consolas" charset="0"/>
+                <a:ea typeface="Consolas" charset="0"/>
+                <a:cs typeface="Consolas" charset="0"/>
+              </a:rPr>
+              <a:t>//...   </a:t>
+            </a:r>
+            <a:endParaRPr lang="en-US" sz="1600" dirty="0">
+              <a:solidFill>
+                <a:srgbClr val="000000"/>
+              </a:solidFill>
+              <a:latin typeface="Consolas" charset="0"/>
+              <a:ea typeface="Consolas" charset="0"/>
+              <a:cs typeface="Consolas" charset="0"/>
+            </a:endParaRPr>
+          </a:p>
+          <a:p>
+            <a:r>
+              <a:rPr lang="de-DE" sz="1600" dirty="0">
+                <a:solidFill>
+                  <a:srgbClr val="000000"/>
+                </a:solidFill>
+                <a:latin typeface="Consolas" charset="0"/>
+                <a:ea typeface="Consolas" charset="0"/>
+                <a:cs typeface="Consolas" charset="0"/>
+              </a:rPr>
+              <a:t>    }</a:t>
+            </a:r>
+          </a:p>
+          <a:p>
+            <a:r>
+              <a:rPr lang="de-DE" sz="1600" dirty="0">
+                <a:solidFill>
+                  <a:srgbClr val="000000"/>
+                </a:solidFill>
+                <a:latin typeface="Consolas" charset="0"/>
+                <a:ea typeface="Consolas" charset="0"/>
+                <a:cs typeface="Consolas" charset="0"/>
+              </a:rPr>
+              <a:t>}</a:t>
+            </a:r>
           </a:p>
         </p:txBody>
       </p:sp>
     </p:spTree>
     <p:extLst>
       <p:ext uri="{BB962C8B-B14F-4D97-AF65-F5344CB8AC3E}">
-        <p14:creationId xmlns:p14="http://schemas.microsoft.com/office/powerpoint/2010/main" val="777624815"/>
+        <p14:creationId xmlns:p14="http://schemas.microsoft.com/office/powerpoint/2010/main" val="1681374260"/>
       </p:ext>
     </p:extLst>
   </p:cSld>
